--- a/ASIC_hardware_blockLevelStructure.pptx
+++ b/ASIC_hardware_blockLevelStructure.pptx
@@ -214,7 +214,7 @@
           <a:p>
             <a:fld id="{49C78CC3-DFEA-A54D-97A6-ADF4A47AA041}" type="datetimeFigureOut">
               <a:rPr lang="en-ES" smtClean="0"/>
-              <a:t>8/8/21</a:t>
+              <a:t>10/8/21</a:t>
             </a:fld>
             <a:endParaRPr lang="en-ES"/>
           </a:p>
@@ -1185,7 +1185,7 @@
           <a:p>
             <a:fld id="{76969C88-B244-455D-A017-012B25B1ACDD}" type="datetimeFigureOut">
               <a:rPr lang="en-US" smtClean="0"/>
-              <a:t>8/8/21</a:t>
+              <a:t>8/10/21</a:t>
             </a:fld>
             <a:endParaRPr lang="en-US"/>
           </a:p>
@@ -1385,7 +1385,7 @@
           <a:p>
             <a:fld id="{76969C88-B244-455D-A017-012B25B1ACDD}" type="datetimeFigureOut">
               <a:rPr lang="en-US" smtClean="0"/>
-              <a:t>8/8/21</a:t>
+              <a:t>8/10/21</a:t>
             </a:fld>
             <a:endParaRPr lang="en-US"/>
           </a:p>
@@ -1595,7 +1595,7 @@
           <a:p>
             <a:fld id="{76969C88-B244-455D-A017-012B25B1ACDD}" type="datetimeFigureOut">
               <a:rPr lang="en-US" smtClean="0"/>
-              <a:t>8/8/21</a:t>
+              <a:t>8/10/21</a:t>
             </a:fld>
             <a:endParaRPr lang="en-US"/>
           </a:p>
@@ -1795,7 +1795,7 @@
           <a:p>
             <a:fld id="{76969C88-B244-455D-A017-012B25B1ACDD}" type="datetimeFigureOut">
               <a:rPr lang="en-US" smtClean="0"/>
-              <a:t>8/8/21</a:t>
+              <a:t>8/10/21</a:t>
             </a:fld>
             <a:endParaRPr lang="en-US"/>
           </a:p>
@@ -2071,7 +2071,7 @@
           <a:p>
             <a:fld id="{76969C88-B244-455D-A017-012B25B1ACDD}" type="datetimeFigureOut">
               <a:rPr lang="en-US" smtClean="0"/>
-              <a:t>8/8/21</a:t>
+              <a:t>8/10/21</a:t>
             </a:fld>
             <a:endParaRPr lang="en-US"/>
           </a:p>
@@ -2339,7 +2339,7 @@
           <a:p>
             <a:fld id="{76969C88-B244-455D-A017-012B25B1ACDD}" type="datetimeFigureOut">
               <a:rPr lang="en-US" smtClean="0"/>
-              <a:t>8/8/21</a:t>
+              <a:t>8/10/21</a:t>
             </a:fld>
             <a:endParaRPr lang="en-US"/>
           </a:p>
@@ -2754,7 +2754,7 @@
           <a:p>
             <a:fld id="{76969C88-B244-455D-A017-012B25B1ACDD}" type="datetimeFigureOut">
               <a:rPr lang="en-US" smtClean="0"/>
-              <a:t>8/8/21</a:t>
+              <a:t>8/10/21</a:t>
             </a:fld>
             <a:endParaRPr lang="en-US"/>
           </a:p>
@@ -2896,7 +2896,7 @@
           <a:p>
             <a:fld id="{76969C88-B244-455D-A017-012B25B1ACDD}" type="datetimeFigureOut">
               <a:rPr lang="en-US" smtClean="0"/>
-              <a:t>8/8/21</a:t>
+              <a:t>8/10/21</a:t>
             </a:fld>
             <a:endParaRPr lang="en-US"/>
           </a:p>
@@ -3009,7 +3009,7 @@
           <a:p>
             <a:fld id="{76969C88-B244-455D-A017-012B25B1ACDD}" type="datetimeFigureOut">
               <a:rPr lang="en-US" smtClean="0"/>
-              <a:t>8/8/21</a:t>
+              <a:t>8/10/21</a:t>
             </a:fld>
             <a:endParaRPr lang="en-US"/>
           </a:p>
@@ -3322,7 +3322,7 @@
           <a:p>
             <a:fld id="{76969C88-B244-455D-A017-012B25B1ACDD}" type="datetimeFigureOut">
               <a:rPr lang="en-US" smtClean="0"/>
-              <a:t>8/8/21</a:t>
+              <a:t>8/10/21</a:t>
             </a:fld>
             <a:endParaRPr lang="en-US"/>
           </a:p>
@@ -3611,7 +3611,7 @@
           <a:p>
             <a:fld id="{76969C88-B244-455D-A017-012B25B1ACDD}" type="datetimeFigureOut">
               <a:rPr lang="en-US" smtClean="0"/>
-              <a:t>8/8/21</a:t>
+              <a:t>8/10/21</a:t>
             </a:fld>
             <a:endParaRPr lang="en-US"/>
           </a:p>
@@ -3855,7 +3855,7 @@
             <a:fld id="{76969C88-B244-455D-A017-012B25B1ACDD}" type="datetimeFigureOut">
               <a:rPr lang="en-US" smtClean="0"/>
               <a:pPr/>
-              <a:t>8/8/21</a:t>
+              <a:t>8/10/21</a:t>
             </a:fld>
             <a:endParaRPr lang="en-US"/>
           </a:p>
@@ -26557,36 +26557,6 @@
           <a:chExt cx="0" cy="0"/>
         </a:xfrm>
       </p:grpSpPr>
-      <p:pic>
-        <p:nvPicPr>
-          <p:cNvPr id="4" name="Picture 3" descr="Chart&#10;&#10;Description automatically generated">
-            <a:extLst>
-              <a:ext uri="{FF2B5EF4-FFF2-40B4-BE49-F238E27FC236}">
-                <a16:creationId xmlns:a16="http://schemas.microsoft.com/office/drawing/2014/main" id="{B2780A5F-A686-454E-A79C-2819FF0A229B}"/>
-              </a:ext>
-            </a:extLst>
-          </p:cNvPr>
-          <p:cNvPicPr>
-            <a:picLocks noChangeAspect="1"/>
-          </p:cNvPicPr>
-          <p:nvPr/>
-        </p:nvPicPr>
-        <p:blipFill>
-          <a:blip r:embed="rId2"/>
-          <a:stretch>
-            <a:fillRect/>
-          </a:stretch>
-        </p:blipFill>
-        <p:spPr>
-          <a:xfrm>
-            <a:off x="1719977" y="673360"/>
-            <a:ext cx="8752045" cy="6184640"/>
-          </a:xfrm>
-          <a:prstGeom prst="rect">
-            <a:avLst/>
-          </a:prstGeom>
-        </p:spPr>
-      </p:pic>
       <p:sp>
         <p:nvSpPr>
           <p:cNvPr id="2" name="Title 1">
@@ -26616,6 +26586,36 @@
           </a:p>
         </p:txBody>
       </p:sp>
+      <p:pic>
+        <p:nvPicPr>
+          <p:cNvPr id="4" name="Picture 3" descr="Chart&#10;&#10;Description automatically generated">
+            <a:extLst>
+              <a:ext uri="{FF2B5EF4-FFF2-40B4-BE49-F238E27FC236}">
+                <a16:creationId xmlns:a16="http://schemas.microsoft.com/office/drawing/2014/main" id="{9E7F06C5-4384-F247-B0EE-BAA9FA66B30D}"/>
+              </a:ext>
+            </a:extLst>
+          </p:cNvPr>
+          <p:cNvPicPr>
+            <a:picLocks noChangeAspect="1"/>
+          </p:cNvPicPr>
+          <p:nvPr/>
+        </p:nvPicPr>
+        <p:blipFill>
+          <a:blip r:embed="rId2"/>
+          <a:stretch>
+            <a:fillRect/>
+          </a:stretch>
+        </p:blipFill>
+        <p:spPr>
+          <a:xfrm>
+            <a:off x="2383189" y="1610679"/>
+            <a:ext cx="7425621" cy="5247321"/>
+          </a:xfrm>
+          <a:prstGeom prst="rect">
+            <a:avLst/>
+          </a:prstGeom>
+        </p:spPr>
+      </p:pic>
     </p:spTree>
     <p:extLst>
       <p:ext uri="{BB962C8B-B14F-4D97-AF65-F5344CB8AC3E}">

--- a/ASIC_hardware_blockLevelStructure.pptx
+++ b/ASIC_hardware_blockLevelStructure.pptx
@@ -5,7 +5,7 @@
     <p:sldMasterId id="2147483700" r:id="rId1"/>
   </p:sldMasterIdLst>
   <p:notesMasterIdLst>
-    <p:notesMasterId r:id="rId20"/>
+    <p:notesMasterId r:id="rId22"/>
   </p:notesMasterIdLst>
   <p:sldIdLst>
     <p:sldId id="256" r:id="rId2"/>
@@ -14,18 +14,20 @@
     <p:sldId id="257" r:id="rId5"/>
     <p:sldId id="260" r:id="rId6"/>
     <p:sldId id="274" r:id="rId7"/>
-    <p:sldId id="271" r:id="rId8"/>
-    <p:sldId id="272" r:id="rId9"/>
-    <p:sldId id="263" r:id="rId10"/>
-    <p:sldId id="264" r:id="rId11"/>
-    <p:sldId id="261" r:id="rId12"/>
-    <p:sldId id="262" r:id="rId13"/>
-    <p:sldId id="267" r:id="rId14"/>
-    <p:sldId id="268" r:id="rId15"/>
-    <p:sldId id="269" r:id="rId16"/>
-    <p:sldId id="270" r:id="rId17"/>
-    <p:sldId id="265" r:id="rId18"/>
-    <p:sldId id="266" r:id="rId19"/>
+    <p:sldId id="275" r:id="rId8"/>
+    <p:sldId id="276" r:id="rId9"/>
+    <p:sldId id="271" r:id="rId10"/>
+    <p:sldId id="272" r:id="rId11"/>
+    <p:sldId id="263" r:id="rId12"/>
+    <p:sldId id="264" r:id="rId13"/>
+    <p:sldId id="261" r:id="rId14"/>
+    <p:sldId id="262" r:id="rId15"/>
+    <p:sldId id="267" r:id="rId16"/>
+    <p:sldId id="268" r:id="rId17"/>
+    <p:sldId id="269" r:id="rId18"/>
+    <p:sldId id="270" r:id="rId19"/>
+    <p:sldId id="265" r:id="rId20"/>
+    <p:sldId id="266" r:id="rId21"/>
   </p:sldIdLst>
   <p:sldSz cx="12192000" cy="6858000"/>
   <p:notesSz cx="6858000" cy="9144000"/>
@@ -214,7 +216,7 @@
           <a:p>
             <a:fld id="{49C78CC3-DFEA-A54D-97A6-ADF4A47AA041}" type="datetimeFigureOut">
               <a:rPr lang="en-ES" smtClean="0"/>
-              <a:t>10/8/21</a:t>
+              <a:t>13/8/21</a:t>
             </a:fld>
             <a:endParaRPr lang="en-ES"/>
           </a:p>
@@ -737,6 +739,171 @@
     </p:spTree>
     <p:extLst>
       <p:ext uri="{BB962C8B-B14F-4D97-AF65-F5344CB8AC3E}">
+        <p14:creationId xmlns:p14="http://schemas.microsoft.com/office/powerpoint/2010/main" val="1179464982"/>
+      </p:ext>
+    </p:extLst>
+  </p:cSld>
+  <p:clrMapOvr>
+    <a:masterClrMapping/>
+  </p:clrMapOvr>
+</p:notes>
+</file>
+
+<file path=ppt/notesSlides/notesSlide3.xml><?xml version="1.0" encoding="utf-8"?>
+<p:notes xmlns:a="http://schemas.openxmlformats.org/drawingml/2006/main" xmlns:r="http://schemas.openxmlformats.org/officeDocument/2006/relationships" xmlns:p="http://schemas.openxmlformats.org/presentationml/2006/main">
+  <p:cSld>
+    <p:spTree>
+      <p:nvGrpSpPr>
+        <p:cNvPr id="1" name=""/>
+        <p:cNvGrpSpPr/>
+        <p:nvPr/>
+      </p:nvGrpSpPr>
+      <p:grpSpPr>
+        <a:xfrm>
+          <a:off x="0" y="0"/>
+          <a:ext cx="0" cy="0"/>
+          <a:chOff x="0" y="0"/>
+          <a:chExt cx="0" cy="0"/>
+        </a:xfrm>
+      </p:grpSpPr>
+      <p:sp>
+        <p:nvSpPr>
+          <p:cNvPr id="2" name="Slide Image Placeholder 1"/>
+          <p:cNvSpPr>
+            <a:spLocks noGrp="1" noRot="1" noChangeAspect="1"/>
+          </p:cNvSpPr>
+          <p:nvPr>
+            <p:ph type="sldImg"/>
+          </p:nvPr>
+        </p:nvSpPr>
+        <p:spPr/>
+      </p:sp>
+      <p:sp>
+        <p:nvSpPr>
+          <p:cNvPr id="3" name="Notes Placeholder 2"/>
+          <p:cNvSpPr>
+            <a:spLocks noGrp="1"/>
+          </p:cNvSpPr>
+          <p:nvPr>
+            <p:ph type="body" idx="1"/>
+          </p:nvPr>
+        </p:nvSpPr>
+        <p:spPr/>
+        <p:txBody>
+          <a:bodyPr/>
+          <a:lstStyle/>
+          <a:p>
+            <a:r>
+              <a:rPr lang="en-ES" dirty="0"/>
+              <a:t>Creating a ROM verilog: </a:t>
+            </a:r>
+          </a:p>
+          <a:p>
+            <a:pPr marL="171450" indent="-171450">
+              <a:buFont typeface="Arial" panose="020B0604020202020204" pitchFamily="34" charset="0"/>
+              <a:buChar char="•"/>
+            </a:pPr>
+            <a:r>
+              <a:rPr lang="en-GB" dirty="0"/>
+              <a:t>https://</a:t>
+            </a:r>
+            <a:r>
+              <a:rPr lang="en-GB" dirty="0" err="1"/>
+              <a:t>vlsiworld-asic.blogspot.com</a:t>
+            </a:r>
+            <a:r>
+              <a:rPr lang="en-GB" dirty="0"/>
+              <a:t>/2012/02/</a:t>
+            </a:r>
+            <a:r>
+              <a:rPr lang="en-GB" dirty="0" err="1"/>
+              <a:t>verilog</a:t>
+            </a:r>
+            <a:r>
+              <a:rPr lang="en-GB" dirty="0"/>
+              <a:t>-code-for-ram-</a:t>
+            </a:r>
+            <a:r>
+              <a:rPr lang="en-GB" dirty="0" err="1"/>
+              <a:t>rom.html</a:t>
+            </a:r>
+            <a:endParaRPr lang="en-GB" dirty="0"/>
+          </a:p>
+          <a:p>
+            <a:pPr marL="171450" indent="-171450">
+              <a:buFont typeface="Arial" panose="020B0604020202020204" pitchFamily="34" charset="0"/>
+              <a:buChar char="•"/>
+            </a:pPr>
+            <a:r>
+              <a:rPr lang="en-GB"/>
+              <a:t>https</a:t>
+            </a:r>
+            <a:r>
+              <a:rPr lang="en-GB" dirty="0"/>
+              <a:t>://</a:t>
+            </a:r>
+            <a:r>
+              <a:rPr lang="en-GB" dirty="0" err="1"/>
+              <a:t>github.com</a:t>
+            </a:r>
+            <a:r>
+              <a:rPr lang="en-GB" dirty="0"/>
+              <a:t>/</a:t>
+            </a:r>
+            <a:r>
+              <a:rPr lang="en-GB" dirty="0" err="1"/>
+              <a:t>Obijuan</a:t>
+            </a:r>
+            <a:r>
+              <a:rPr lang="en-GB" dirty="0"/>
+              <a:t>/open-</a:t>
+            </a:r>
+            <a:r>
+              <a:rPr lang="en-GB" dirty="0" err="1"/>
+              <a:t>fpga</a:t>
+            </a:r>
+            <a:r>
+              <a:rPr lang="en-GB" dirty="0"/>
+              <a:t>-</a:t>
+            </a:r>
+            <a:r>
+              <a:rPr lang="en-GB" dirty="0" err="1"/>
+              <a:t>verilog</a:t>
+            </a:r>
+            <a:r>
+              <a:rPr lang="en-GB" dirty="0"/>
+              <a:t>-tutorial/wiki/Cap%C3%ADtulo-26:-Memoria-ROM</a:t>
+            </a:r>
+            <a:endParaRPr lang="en-ES" dirty="0"/>
+          </a:p>
+        </p:txBody>
+      </p:sp>
+      <p:sp>
+        <p:nvSpPr>
+          <p:cNvPr id="4" name="Slide Number Placeholder 3"/>
+          <p:cNvSpPr>
+            <a:spLocks noGrp="1"/>
+          </p:cNvSpPr>
+          <p:nvPr>
+            <p:ph type="sldNum" sz="quarter" idx="5"/>
+          </p:nvPr>
+        </p:nvSpPr>
+        <p:spPr/>
+        <p:txBody>
+          <a:bodyPr/>
+          <a:lstStyle/>
+          <a:p>
+            <a:fld id="{99A03F45-CC4C-8641-8D32-38B5EE8AEF68}" type="slidenum">
+              <a:rPr lang="en-ES" smtClean="0"/>
+              <a:t>9</a:t>
+            </a:fld>
+            <a:endParaRPr lang="en-ES"/>
+          </a:p>
+        </p:txBody>
+      </p:sp>
+    </p:spTree>
+    <p:extLst>
+      <p:ext uri="{BB962C8B-B14F-4D97-AF65-F5344CB8AC3E}">
         <p14:creationId xmlns:p14="http://schemas.microsoft.com/office/powerpoint/2010/main" val="1221583971"/>
       </p:ext>
     </p:extLst>
@@ -747,7 +914,7 @@
 </p:notes>
 </file>
 
-<file path=ppt/notesSlides/notesSlide3.xml><?xml version="1.0" encoding="utf-8"?>
+<file path=ppt/notesSlides/notesSlide4.xml><?xml version="1.0" encoding="utf-8"?>
 <p:notes xmlns:a="http://schemas.openxmlformats.org/drawingml/2006/main" xmlns:r="http://schemas.openxmlformats.org/officeDocument/2006/relationships" xmlns:p="http://schemas.openxmlformats.org/presentationml/2006/main">
   <p:cSld>
     <p:spTree>
@@ -815,7 +982,7 @@
           <a:p>
             <a:fld id="{99A03F45-CC4C-8641-8D32-38B5EE8AEF68}" type="slidenum">
               <a:rPr lang="en-ES" smtClean="0"/>
-              <a:t>14</a:t>
+              <a:t>16</a:t>
             </a:fld>
             <a:endParaRPr lang="en-ES"/>
           </a:p>
@@ -834,7 +1001,7 @@
 </p:notes>
 </file>
 
-<file path=ppt/notesSlides/notesSlide4.xml><?xml version="1.0" encoding="utf-8"?>
+<file path=ppt/notesSlides/notesSlide5.xml><?xml version="1.0" encoding="utf-8"?>
 <p:notes xmlns:a="http://schemas.openxmlformats.org/drawingml/2006/main" xmlns:r="http://schemas.openxmlformats.org/officeDocument/2006/relationships" xmlns:p="http://schemas.openxmlformats.org/presentationml/2006/main">
   <p:cSld>
     <p:spTree>
@@ -933,7 +1100,7 @@
           <a:p>
             <a:fld id="{99A03F45-CC4C-8641-8D32-38B5EE8AEF68}" type="slidenum">
               <a:rPr lang="en-ES" smtClean="0"/>
-              <a:t>15</a:t>
+              <a:t>17</a:t>
             </a:fld>
             <a:endParaRPr lang="en-ES"/>
           </a:p>
@@ -952,7 +1119,7 @@
 </p:notes>
 </file>
 
-<file path=ppt/notesSlides/notesSlide5.xml><?xml version="1.0" encoding="utf-8"?>
+<file path=ppt/notesSlides/notesSlide6.xml><?xml version="1.0" encoding="utf-8"?>
 <p:notes xmlns:a="http://schemas.openxmlformats.org/drawingml/2006/main" xmlns:r="http://schemas.openxmlformats.org/officeDocument/2006/relationships" xmlns:p="http://schemas.openxmlformats.org/presentationml/2006/main">
   <p:cSld>
     <p:spTree>
@@ -1017,7 +1184,7 @@
           <a:p>
             <a:fld id="{99A03F45-CC4C-8641-8D32-38B5EE8AEF68}" type="slidenum">
               <a:rPr lang="en-ES" smtClean="0"/>
-              <a:t>16</a:t>
+              <a:t>18</a:t>
             </a:fld>
             <a:endParaRPr lang="en-ES"/>
           </a:p>
@@ -1185,7 +1352,7 @@
           <a:p>
             <a:fld id="{76969C88-B244-455D-A017-012B25B1ACDD}" type="datetimeFigureOut">
               <a:rPr lang="en-US" smtClean="0"/>
-              <a:t>8/10/21</a:t>
+              <a:t>8/13/21</a:t>
             </a:fld>
             <a:endParaRPr lang="en-US"/>
           </a:p>
@@ -1385,7 +1552,7 @@
           <a:p>
             <a:fld id="{76969C88-B244-455D-A017-012B25B1ACDD}" type="datetimeFigureOut">
               <a:rPr lang="en-US" smtClean="0"/>
-              <a:t>8/10/21</a:t>
+              <a:t>8/13/21</a:t>
             </a:fld>
             <a:endParaRPr lang="en-US"/>
           </a:p>
@@ -1595,7 +1762,7 @@
           <a:p>
             <a:fld id="{76969C88-B244-455D-A017-012B25B1ACDD}" type="datetimeFigureOut">
               <a:rPr lang="en-US" smtClean="0"/>
-              <a:t>8/10/21</a:t>
+              <a:t>8/13/21</a:t>
             </a:fld>
             <a:endParaRPr lang="en-US"/>
           </a:p>
@@ -1795,7 +1962,7 @@
           <a:p>
             <a:fld id="{76969C88-B244-455D-A017-012B25B1ACDD}" type="datetimeFigureOut">
               <a:rPr lang="en-US" smtClean="0"/>
-              <a:t>8/10/21</a:t>
+              <a:t>8/13/21</a:t>
             </a:fld>
             <a:endParaRPr lang="en-US"/>
           </a:p>
@@ -2071,7 +2238,7 @@
           <a:p>
             <a:fld id="{76969C88-B244-455D-A017-012B25B1ACDD}" type="datetimeFigureOut">
               <a:rPr lang="en-US" smtClean="0"/>
-              <a:t>8/10/21</a:t>
+              <a:t>8/13/21</a:t>
             </a:fld>
             <a:endParaRPr lang="en-US"/>
           </a:p>
@@ -2339,7 +2506,7 @@
           <a:p>
             <a:fld id="{76969C88-B244-455D-A017-012B25B1ACDD}" type="datetimeFigureOut">
               <a:rPr lang="en-US" smtClean="0"/>
-              <a:t>8/10/21</a:t>
+              <a:t>8/13/21</a:t>
             </a:fld>
             <a:endParaRPr lang="en-US"/>
           </a:p>
@@ -2754,7 +2921,7 @@
           <a:p>
             <a:fld id="{76969C88-B244-455D-A017-012B25B1ACDD}" type="datetimeFigureOut">
               <a:rPr lang="en-US" smtClean="0"/>
-              <a:t>8/10/21</a:t>
+              <a:t>8/13/21</a:t>
             </a:fld>
             <a:endParaRPr lang="en-US"/>
           </a:p>
@@ -2896,7 +3063,7 @@
           <a:p>
             <a:fld id="{76969C88-B244-455D-A017-012B25B1ACDD}" type="datetimeFigureOut">
               <a:rPr lang="en-US" smtClean="0"/>
-              <a:t>8/10/21</a:t>
+              <a:t>8/13/21</a:t>
             </a:fld>
             <a:endParaRPr lang="en-US"/>
           </a:p>
@@ -3009,7 +3176,7 @@
           <a:p>
             <a:fld id="{76969C88-B244-455D-A017-012B25B1ACDD}" type="datetimeFigureOut">
               <a:rPr lang="en-US" smtClean="0"/>
-              <a:t>8/10/21</a:t>
+              <a:t>8/13/21</a:t>
             </a:fld>
             <a:endParaRPr lang="en-US"/>
           </a:p>
@@ -3322,7 +3489,7 @@
           <a:p>
             <a:fld id="{76969C88-B244-455D-A017-012B25B1ACDD}" type="datetimeFigureOut">
               <a:rPr lang="en-US" smtClean="0"/>
-              <a:t>8/10/21</a:t>
+              <a:t>8/13/21</a:t>
             </a:fld>
             <a:endParaRPr lang="en-US"/>
           </a:p>
@@ -3611,7 +3778,7 @@
           <a:p>
             <a:fld id="{76969C88-B244-455D-A017-012B25B1ACDD}" type="datetimeFigureOut">
               <a:rPr lang="en-US" smtClean="0"/>
-              <a:t>8/10/21</a:t>
+              <a:t>8/13/21</a:t>
             </a:fld>
             <a:endParaRPr lang="en-US"/>
           </a:p>
@@ -3855,7 +4022,7 @@
             <a:fld id="{76969C88-B244-455D-A017-012B25B1ACDD}" type="datetimeFigureOut">
               <a:rPr lang="en-US" smtClean="0"/>
               <a:pPr/>
-              <a:t>8/10/21</a:t>
+              <a:t>8/13/21</a:t>
             </a:fld>
             <a:endParaRPr lang="en-US"/>
           </a:p>
@@ -4458,6 +4625,183 @@
           <p:cNvPr id="2" name="Title 1">
             <a:extLst>
               <a:ext uri="{FF2B5EF4-FFF2-40B4-BE49-F238E27FC236}">
+                <a16:creationId xmlns:a16="http://schemas.microsoft.com/office/drawing/2014/main" id="{D8FA3B43-EFAC-114B-AAF8-0D9B06DC0A74}"/>
+              </a:ext>
+            </a:extLst>
+          </p:cNvPr>
+          <p:cNvSpPr>
+            <a:spLocks noGrp="1"/>
+          </p:cNvSpPr>
+          <p:nvPr>
+            <p:ph type="title"/>
+          </p:nvPr>
+        </p:nvSpPr>
+        <p:spPr/>
+        <p:txBody>
+          <a:bodyPr/>
+          <a:lstStyle/>
+          <a:p>
+            <a:pPr algn="ctr"/>
+            <a:r>
+              <a:rPr lang="en-GB" dirty="0"/>
+              <a:t>t</a:t>
+            </a:r>
+            <a:r>
+              <a:rPr lang="en-ES" dirty="0"/>
+              <a:t>b: SUCCESSFUL</a:t>
+            </a:r>
+          </a:p>
+        </p:txBody>
+      </p:sp>
+      <p:sp>
+        <p:nvSpPr>
+          <p:cNvPr id="3" name="Content Placeholder 2">
+            <a:extLst>
+              <a:ext uri="{FF2B5EF4-FFF2-40B4-BE49-F238E27FC236}">
+                <a16:creationId xmlns:a16="http://schemas.microsoft.com/office/drawing/2014/main" id="{BB75D145-0C92-C64A-8DFB-3EF1E1BD9D43}"/>
+              </a:ext>
+            </a:extLst>
+          </p:cNvPr>
+          <p:cNvSpPr>
+            <a:spLocks noGrp="1"/>
+          </p:cNvSpPr>
+          <p:nvPr>
+            <p:ph idx="1"/>
+          </p:nvPr>
+        </p:nvSpPr>
+        <p:spPr/>
+        <p:txBody>
+          <a:bodyPr/>
+          <a:lstStyle/>
+          <a:p>
+            <a:endParaRPr lang="en-ES"/>
+          </a:p>
+        </p:txBody>
+      </p:sp>
+    </p:spTree>
+    <p:extLst>
+      <p:ext uri="{BB962C8B-B14F-4D97-AF65-F5344CB8AC3E}">
+        <p14:creationId xmlns:p14="http://schemas.microsoft.com/office/powerpoint/2010/main" val="980712982"/>
+      </p:ext>
+    </p:extLst>
+  </p:cSld>
+  <p:clrMapOvr>
+    <a:masterClrMapping/>
+  </p:clrMapOvr>
+</p:sld>
+</file>
+
+<file path=ppt/slides/slide11.xml><?xml version="1.0" encoding="utf-8"?>
+<p:sld xmlns:a="http://schemas.openxmlformats.org/drawingml/2006/main" xmlns:r="http://schemas.openxmlformats.org/officeDocument/2006/relationships" xmlns:p="http://schemas.openxmlformats.org/presentationml/2006/main">
+  <p:cSld>
+    <p:spTree>
+      <p:nvGrpSpPr>
+        <p:cNvPr id="1" name=""/>
+        <p:cNvGrpSpPr/>
+        <p:nvPr/>
+      </p:nvGrpSpPr>
+      <p:grpSpPr>
+        <a:xfrm>
+          <a:off x="0" y="0"/>
+          <a:ext cx="0" cy="0"/>
+          <a:chOff x="0" y="0"/>
+          <a:chExt cx="0" cy="0"/>
+        </a:xfrm>
+      </p:grpSpPr>
+      <p:sp>
+        <p:nvSpPr>
+          <p:cNvPr id="2" name="Title 1">
+            <a:extLst>
+              <a:ext uri="{FF2B5EF4-FFF2-40B4-BE49-F238E27FC236}">
+                <a16:creationId xmlns:a16="http://schemas.microsoft.com/office/drawing/2014/main" id="{C9F88D1A-B037-CD46-ABE5-CFBA0A4E2CC3}"/>
+              </a:ext>
+            </a:extLst>
+          </p:cNvPr>
+          <p:cNvSpPr>
+            <a:spLocks noGrp="1"/>
+          </p:cNvSpPr>
+          <p:nvPr>
+            <p:ph type="title"/>
+          </p:nvPr>
+        </p:nvSpPr>
+        <p:spPr/>
+        <p:txBody>
+          <a:bodyPr/>
+          <a:lstStyle/>
+          <a:p>
+            <a:pPr algn="ctr"/>
+            <a:r>
+              <a:rPr lang="en-ES" dirty="0"/>
+              <a:t>Shifter (enc)</a:t>
+            </a:r>
+          </a:p>
+        </p:txBody>
+      </p:sp>
+      <p:pic>
+        <p:nvPicPr>
+          <p:cNvPr id="4" name="Picture 3" descr="Chart&#10;&#10;Description automatically generated">
+            <a:extLst>
+              <a:ext uri="{FF2B5EF4-FFF2-40B4-BE49-F238E27FC236}">
+                <a16:creationId xmlns:a16="http://schemas.microsoft.com/office/drawing/2014/main" id="{9E7F06C5-4384-F247-B0EE-BAA9FA66B30D}"/>
+              </a:ext>
+            </a:extLst>
+          </p:cNvPr>
+          <p:cNvPicPr>
+            <a:picLocks noChangeAspect="1"/>
+          </p:cNvPicPr>
+          <p:nvPr/>
+        </p:nvPicPr>
+        <p:blipFill>
+          <a:blip r:embed="rId2"/>
+          <a:stretch>
+            <a:fillRect/>
+          </a:stretch>
+        </p:blipFill>
+        <p:spPr>
+          <a:xfrm>
+            <a:off x="2383189" y="1610679"/>
+            <a:ext cx="7425621" cy="5247321"/>
+          </a:xfrm>
+          <a:prstGeom prst="rect">
+            <a:avLst/>
+          </a:prstGeom>
+        </p:spPr>
+      </p:pic>
+    </p:spTree>
+    <p:extLst>
+      <p:ext uri="{BB962C8B-B14F-4D97-AF65-F5344CB8AC3E}">
+        <p14:creationId xmlns:p14="http://schemas.microsoft.com/office/powerpoint/2010/main" val="3833323351"/>
+      </p:ext>
+    </p:extLst>
+  </p:cSld>
+  <p:clrMapOvr>
+    <a:masterClrMapping/>
+  </p:clrMapOvr>
+</p:sld>
+</file>
+
+<file path=ppt/slides/slide12.xml><?xml version="1.0" encoding="utf-8"?>
+<p:sld xmlns:a="http://schemas.openxmlformats.org/drawingml/2006/main" xmlns:r="http://schemas.openxmlformats.org/officeDocument/2006/relationships" xmlns:p="http://schemas.openxmlformats.org/presentationml/2006/main">
+  <p:cSld>
+    <p:spTree>
+      <p:nvGrpSpPr>
+        <p:cNvPr id="1" name=""/>
+        <p:cNvGrpSpPr/>
+        <p:nvPr/>
+      </p:nvGrpSpPr>
+      <p:grpSpPr>
+        <a:xfrm>
+          <a:off x="0" y="0"/>
+          <a:ext cx="0" cy="0"/>
+          <a:chOff x="0" y="0"/>
+          <a:chExt cx="0" cy="0"/>
+        </a:xfrm>
+      </p:grpSpPr>
+      <p:sp>
+        <p:nvSpPr>
+          <p:cNvPr id="2" name="Title 1">
+            <a:extLst>
+              <a:ext uri="{FF2B5EF4-FFF2-40B4-BE49-F238E27FC236}">
                 <a16:creationId xmlns:a16="http://schemas.microsoft.com/office/drawing/2014/main" id="{AF190C2A-DB37-0E41-A54B-4D0A4B4693E8}"/>
               </a:ext>
             </a:extLst>
@@ -4506,13 +4850,13 @@
           <p:nvPr>
             <p:extLst>
               <p:ext uri="{D42A27DB-BD31-4B8C-83A1-F6EECF244321}">
-                <p14:modId xmlns:p14="http://schemas.microsoft.com/office/powerpoint/2010/main" val="1250741250"/>
+                <p14:modId xmlns:p14="http://schemas.microsoft.com/office/powerpoint/2010/main" val="3119430016"/>
               </p:ext>
             </p:extLst>
           </p:nvPr>
         </p:nvGraphicFramePr>
         <p:xfrm>
-          <a:off x="5052992" y="1131675"/>
+          <a:off x="8694760" y="1246071"/>
           <a:ext cx="2086016" cy="4985552"/>
         </p:xfrm>
         <a:graphic>
@@ -4826,7 +5170,7 @@
                       <a:pPr algn="ctr"/>
                       <a:r>
                         <a:rPr lang="en-ES" sz="1100" dirty="0"/>
-                        <a:t>0A</a:t>
+                        <a:t>04</a:t>
                       </a:r>
                     </a:p>
                   </a:txBody>
@@ -4854,7 +5198,7 @@
                       <a:pPr algn="ctr"/>
                       <a:r>
                         <a:rPr lang="en-ES" sz="1100" dirty="0"/>
-                        <a:t>0B</a:t>
+                        <a:t>05</a:t>
                       </a:r>
                     </a:p>
                   </a:txBody>
@@ -4889,7 +5233,7 @@
                       <a:pPr algn="ctr"/>
                       <a:r>
                         <a:rPr lang="en-ES" sz="1100" dirty="0"/>
-                        <a:t>0B</a:t>
+                        <a:t>05</a:t>
                       </a:r>
                     </a:p>
                   </a:txBody>
@@ -4917,7 +5261,7 @@
                       <a:pPr algn="ctr"/>
                       <a:r>
                         <a:rPr lang="en-ES" sz="1100" dirty="0"/>
-                        <a:t>0C</a:t>
+                        <a:t>06</a:t>
                       </a:r>
                     </a:p>
                   </a:txBody>
@@ -4952,7 +5296,7 @@
                       <a:pPr algn="ctr"/>
                       <a:r>
                         <a:rPr lang="en-ES" sz="1100" dirty="0"/>
-                        <a:t>0C</a:t>
+                        <a:t>06</a:t>
                       </a:r>
                     </a:p>
                   </a:txBody>
@@ -4980,7 +5324,7 @@
                       <a:pPr algn="ctr"/>
                       <a:r>
                         <a:rPr lang="en-ES" sz="1100" dirty="0"/>
-                        <a:t>0B</a:t>
+                        <a:t>07</a:t>
                       </a:r>
                     </a:p>
                   </a:txBody>
@@ -5015,7 +5359,7 @@
                       <a:pPr algn="ctr"/>
                       <a:r>
                         <a:rPr lang="en-ES" sz="1100" dirty="0"/>
-                        <a:t>0D</a:t>
+                        <a:t>07</a:t>
                       </a:r>
                     </a:p>
                   </a:txBody>
@@ -5043,7 +5387,7 @@
                       <a:pPr algn="ctr"/>
                       <a:r>
                         <a:rPr lang="en-ES" sz="1100" dirty="0"/>
-                        <a:t>0A</a:t>
+                        <a:t>04</a:t>
                       </a:r>
                     </a:p>
                   </a:txBody>
@@ -5078,7 +5422,7 @@
                       <a:pPr algn="ctr"/>
                       <a:r>
                         <a:rPr lang="en-ES" sz="1100" dirty="0"/>
-                        <a:t>14</a:t>
+                        <a:t>08</a:t>
                       </a:r>
                     </a:p>
                   </a:txBody>
@@ -5106,7 +5450,7 @@
                       <a:pPr algn="ctr"/>
                       <a:r>
                         <a:rPr lang="en-ES" sz="1100" dirty="0"/>
-                        <a:t>16</a:t>
+                        <a:t>10</a:t>
                       </a:r>
                     </a:p>
                   </a:txBody>
@@ -5141,7 +5485,7 @@
                       <a:pPr algn="ctr"/>
                       <a:r>
                         <a:rPr lang="en-ES" sz="1100" dirty="0"/>
-                        <a:t>15</a:t>
+                        <a:t>09</a:t>
                       </a:r>
                     </a:p>
                   </a:txBody>
@@ -5169,7 +5513,7 @@
                       <a:pPr algn="ctr"/>
                       <a:r>
                         <a:rPr lang="en-ES" sz="1100" dirty="0"/>
-                        <a:t>17</a:t>
+                        <a:t>11</a:t>
                       </a:r>
                     </a:p>
                   </a:txBody>
@@ -5204,7 +5548,7 @@
                       <a:pPr algn="ctr"/>
                       <a:r>
                         <a:rPr lang="en-ES" sz="1100" dirty="0"/>
-                        <a:t>16</a:t>
+                        <a:t>10</a:t>
                       </a:r>
                     </a:p>
                   </a:txBody>
@@ -5232,7 +5576,7 @@
                       <a:pPr algn="ctr"/>
                       <a:r>
                         <a:rPr lang="en-ES" sz="1100" dirty="0"/>
-                        <a:t>14</a:t>
+                        <a:t>08</a:t>
                       </a:r>
                     </a:p>
                   </a:txBody>
@@ -5267,7 +5611,7 @@
                       <a:pPr algn="ctr"/>
                       <a:r>
                         <a:rPr lang="en-ES" sz="1100" dirty="0"/>
-                        <a:t>17</a:t>
+                        <a:t>11</a:t>
                       </a:r>
                     </a:p>
                   </a:txBody>
@@ -5295,7 +5639,7 @@
                       <a:pPr algn="ctr"/>
                       <a:r>
                         <a:rPr lang="en-ES" sz="1100" dirty="0"/>
-                        <a:t>15</a:t>
+                        <a:t>09</a:t>
                       </a:r>
                     </a:p>
                   </a:txBody>
@@ -5330,7 +5674,7 @@
                       <a:pPr algn="ctr"/>
                       <a:r>
                         <a:rPr lang="en-ES" sz="1100" dirty="0"/>
-                        <a:t>1E</a:t>
+                        <a:t>12</a:t>
                       </a:r>
                     </a:p>
                   </a:txBody>
@@ -5358,7 +5702,7 @@
                       <a:pPr algn="ctr"/>
                       <a:r>
                         <a:rPr lang="en-ES" sz="1100" dirty="0"/>
-                        <a:t>21</a:t>
+                        <a:t>15</a:t>
                       </a:r>
                     </a:p>
                   </a:txBody>
@@ -5393,7 +5737,7 @@
                       <a:pPr algn="ctr"/>
                       <a:r>
                         <a:rPr lang="en-ES" sz="1100" dirty="0"/>
-                        <a:t>1F</a:t>
+                        <a:t>13</a:t>
                       </a:r>
                     </a:p>
                   </a:txBody>
@@ -5421,7 +5765,7 @@
                       <a:pPr algn="ctr"/>
                       <a:r>
                         <a:rPr lang="en-ES" sz="1100" dirty="0"/>
-                        <a:t>1E</a:t>
+                        <a:t>12</a:t>
                       </a:r>
                     </a:p>
                   </a:txBody>
@@ -5456,7 +5800,7 @@
                       <a:pPr algn="ctr"/>
                       <a:r>
                         <a:rPr lang="en-ES" sz="1100" dirty="0"/>
-                        <a:t>20</a:t>
+                        <a:t>14</a:t>
                       </a:r>
                     </a:p>
                   </a:txBody>
@@ -5484,7 +5828,7 @@
                       <a:pPr algn="ctr"/>
                       <a:r>
                         <a:rPr lang="en-ES" sz="1100" dirty="0"/>
-                        <a:t>1F</a:t>
+                        <a:t>13</a:t>
                       </a:r>
                     </a:p>
                   </a:txBody>
@@ -5519,7 +5863,7 @@
                       <a:pPr algn="ctr"/>
                       <a:r>
                         <a:rPr lang="en-ES" sz="1100" dirty="0"/>
-                        <a:t>21</a:t>
+                        <a:t>15</a:t>
                       </a:r>
                     </a:p>
                   </a:txBody>
@@ -5547,7 +5891,7 @@
                       <a:pPr algn="ctr"/>
                       <a:r>
                         <a:rPr lang="en-ES" sz="1100" dirty="0"/>
-                        <a:t>20</a:t>
+                        <a:t>14</a:t>
                       </a:r>
                     </a:p>
                   </a:txBody>
@@ -5579,7 +5923,7 @@
         </p:nvCxnSpPr>
         <p:spPr>
           <a:xfrm flipV="1">
-            <a:off x="5998104" y="2861015"/>
+            <a:off x="9639872" y="2975411"/>
             <a:ext cx="755022" cy="315598"/>
           </a:xfrm>
           <a:prstGeom prst="straightConnector1">
@@ -5620,7 +5964,7 @@
         </p:nvCxnSpPr>
         <p:spPr>
           <a:xfrm flipV="1">
-            <a:off x="5972949" y="2567031"/>
+            <a:off x="9614717" y="2681427"/>
             <a:ext cx="780177" cy="336958"/>
           </a:xfrm>
           <a:prstGeom prst="straightConnector1">
@@ -5661,7 +6005,7 @@
         </p:nvCxnSpPr>
         <p:spPr>
           <a:xfrm>
-            <a:off x="5947793" y="3778198"/>
+            <a:off x="9589561" y="3892594"/>
             <a:ext cx="805333" cy="563931"/>
           </a:xfrm>
           <a:prstGeom prst="straightConnector1">
@@ -5702,7 +6046,7 @@
         </p:nvCxnSpPr>
         <p:spPr>
           <a:xfrm>
-            <a:off x="5922638" y="4089327"/>
+            <a:off x="9564406" y="4203723"/>
             <a:ext cx="805333" cy="563931"/>
           </a:xfrm>
           <a:prstGeom prst="straightConnector1">
@@ -5743,7 +6087,7 @@
         </p:nvCxnSpPr>
         <p:spPr>
           <a:xfrm>
-            <a:off x="5998104" y="5283602"/>
+            <a:off x="9639872" y="5397998"/>
             <a:ext cx="755022" cy="317590"/>
           </a:xfrm>
           <a:prstGeom prst="straightConnector1">
@@ -5784,7 +6128,7 @@
         </p:nvCxnSpPr>
         <p:spPr>
           <a:xfrm>
-            <a:off x="5985526" y="1338056"/>
+            <a:off x="9627294" y="1452452"/>
             <a:ext cx="755022" cy="0"/>
           </a:xfrm>
           <a:prstGeom prst="straightConnector1">
@@ -5825,8 +6169,49 @@
         </p:nvCxnSpPr>
         <p:spPr>
           <a:xfrm>
-            <a:off x="5998104" y="1649847"/>
+            <a:off x="9639872" y="1764243"/>
             <a:ext cx="755022" cy="0"/>
+          </a:xfrm>
+          <a:prstGeom prst="straightConnector1">
+            <a:avLst/>
+          </a:prstGeom>
+          <a:ln w="28575">
+            <a:tailEnd type="triangle"/>
+          </a:ln>
+        </p:spPr>
+        <p:style>
+          <a:lnRef idx="1">
+            <a:schemeClr val="accent1"/>
+          </a:lnRef>
+          <a:fillRef idx="0">
+            <a:schemeClr val="accent1"/>
+          </a:fillRef>
+          <a:effectRef idx="0">
+            <a:schemeClr val="accent1"/>
+          </a:effectRef>
+          <a:fontRef idx="minor">
+            <a:schemeClr val="tx1"/>
+          </a:fontRef>
+        </p:style>
+      </p:cxnSp>
+      <p:cxnSp>
+        <p:nvCxnSpPr>
+          <p:cNvPr id="21" name="Straight Arrow Connector 20">
+            <a:extLst>
+              <a:ext uri="{FF2B5EF4-FFF2-40B4-BE49-F238E27FC236}">
+                <a16:creationId xmlns:a16="http://schemas.microsoft.com/office/drawing/2014/main" id="{B4A171A7-E265-174D-A37F-37D811C81EB5}"/>
+              </a:ext>
+            </a:extLst>
+          </p:cNvPr>
+          <p:cNvCxnSpPr>
+            <a:cxnSpLocks/>
+          </p:cNvCxnSpPr>
+          <p:nvPr/>
+        </p:nvCxnSpPr>
+        <p:spPr>
+          <a:xfrm>
+            <a:off x="9643274" y="5709789"/>
+            <a:ext cx="755022" cy="317590"/>
           </a:xfrm>
           <a:prstGeom prst="straightConnector1">
             <a:avLst/>
@@ -5852,10 +6237,10 @@
       </p:cxnSp>
       <p:pic>
         <p:nvPicPr>
-          <p:cNvPr id="7" name="Picture 6">
+          <p:cNvPr id="4" name="Picture 3">
             <a:extLst>
               <a:ext uri="{FF2B5EF4-FFF2-40B4-BE49-F238E27FC236}">
-                <a16:creationId xmlns:a16="http://schemas.microsoft.com/office/drawing/2014/main" id="{884B41A7-A226-B640-88AE-4197667A7C47}"/>
+                <a16:creationId xmlns:a16="http://schemas.microsoft.com/office/drawing/2014/main" id="{48632F4D-8315-7B40-9C97-7C79540DFE35}"/>
               </a:ext>
             </a:extLst>
           </p:cNvPr>
@@ -5872,85 +6257,14 @@
         </p:blipFill>
         <p:spPr>
           <a:xfrm>
-            <a:off x="8255000" y="1143000"/>
-            <a:ext cx="3098800" cy="4572000"/>
+            <a:off x="470916" y="2427313"/>
+            <a:ext cx="6934200" cy="1498600"/>
           </a:xfrm>
           <a:prstGeom prst="rect">
             <a:avLst/>
           </a:prstGeom>
         </p:spPr>
       </p:pic>
-      <p:pic>
-        <p:nvPicPr>
-          <p:cNvPr id="9" name="Picture 8">
-            <a:extLst>
-              <a:ext uri="{FF2B5EF4-FFF2-40B4-BE49-F238E27FC236}">
-                <a16:creationId xmlns:a16="http://schemas.microsoft.com/office/drawing/2014/main" id="{4C1CD872-A5E2-BA47-B8E5-843791E5F5CF}"/>
-              </a:ext>
-            </a:extLst>
-          </p:cNvPr>
-          <p:cNvPicPr>
-            <a:picLocks noChangeAspect="1"/>
-          </p:cNvPicPr>
-          <p:nvPr/>
-        </p:nvPicPr>
-        <p:blipFill>
-          <a:blip r:embed="rId3"/>
-          <a:stretch>
-            <a:fillRect/>
-          </a:stretch>
-        </p:blipFill>
-        <p:spPr>
-          <a:xfrm>
-            <a:off x="366854" y="1466850"/>
-            <a:ext cx="3098800" cy="3924300"/>
-          </a:xfrm>
-          <a:prstGeom prst="rect">
-            <a:avLst/>
-          </a:prstGeom>
-        </p:spPr>
-      </p:pic>
-      <p:cxnSp>
-        <p:nvCxnSpPr>
-          <p:cNvPr id="21" name="Straight Arrow Connector 20">
-            <a:extLst>
-              <a:ext uri="{FF2B5EF4-FFF2-40B4-BE49-F238E27FC236}">
-                <a16:creationId xmlns:a16="http://schemas.microsoft.com/office/drawing/2014/main" id="{B4A171A7-E265-174D-A37F-37D811C81EB5}"/>
-              </a:ext>
-            </a:extLst>
-          </p:cNvPr>
-          <p:cNvCxnSpPr>
-            <a:cxnSpLocks/>
-          </p:cNvCxnSpPr>
-          <p:nvPr/>
-        </p:nvCxnSpPr>
-        <p:spPr>
-          <a:xfrm>
-            <a:off x="6001506" y="5595393"/>
-            <a:ext cx="755022" cy="317590"/>
-          </a:xfrm>
-          <a:prstGeom prst="straightConnector1">
-            <a:avLst/>
-          </a:prstGeom>
-          <a:ln w="28575">
-            <a:tailEnd type="triangle"/>
-          </a:ln>
-        </p:spPr>
-        <p:style>
-          <a:lnRef idx="1">
-            <a:schemeClr val="accent1"/>
-          </a:lnRef>
-          <a:fillRef idx="0">
-            <a:schemeClr val="accent1"/>
-          </a:fillRef>
-          <a:effectRef idx="0">
-            <a:schemeClr val="accent1"/>
-          </a:effectRef>
-          <a:fontRef idx="minor">
-            <a:schemeClr val="tx1"/>
-          </a:fontRef>
-        </p:style>
-      </p:cxnSp>
     </p:spTree>
     <p:extLst>
       <p:ext uri="{BB962C8B-B14F-4D97-AF65-F5344CB8AC3E}">
@@ -5964,7 +6278,7 @@
 </p:sld>
 </file>
 
-<file path=ppt/slides/slide11.xml><?xml version="1.0" encoding="utf-8"?>
+<file path=ppt/slides/slide13.xml><?xml version="1.0" encoding="utf-8"?>
 <p:sld xmlns:a="http://schemas.openxmlformats.org/drawingml/2006/main" xmlns:r="http://schemas.openxmlformats.org/officeDocument/2006/relationships" xmlns:p="http://schemas.openxmlformats.org/presentationml/2006/main">
   <p:cSld>
     <p:spTree>
@@ -8714,7 +9028,7 @@
 </p:sld>
 </file>
 
-<file path=ppt/slides/slide12.xml><?xml version="1.0" encoding="utf-8"?>
+<file path=ppt/slides/slide14.xml><?xml version="1.0" encoding="utf-8"?>
 <p:sld xmlns:a="http://schemas.openxmlformats.org/drawingml/2006/main" xmlns:r="http://schemas.openxmlformats.org/officeDocument/2006/relationships" xmlns:p="http://schemas.openxmlformats.org/presentationml/2006/main">
   <p:cSld>
     <p:spTree>
@@ -12060,7 +12374,7 @@
 </p:sld>
 </file>
 
-<file path=ppt/slides/slide13.xml><?xml version="1.0" encoding="utf-8"?>
+<file path=ppt/slides/slide15.xml><?xml version="1.0" encoding="utf-8"?>
 <p:sld xmlns:a="http://schemas.openxmlformats.org/drawingml/2006/main" xmlns:r="http://schemas.openxmlformats.org/officeDocument/2006/relationships" xmlns:p="http://schemas.openxmlformats.org/presentationml/2006/main">
   <p:cSld>
     <p:spTree>
@@ -12123,7 +12437,7 @@
 </p:sld>
 </file>
 
-<file path=ppt/slides/slide14.xml><?xml version="1.0" encoding="utf-8"?>
+<file path=ppt/slides/slide16.xml><?xml version="1.0" encoding="utf-8"?>
 <p:sld xmlns:a="http://schemas.openxmlformats.org/drawingml/2006/main" xmlns:r="http://schemas.openxmlformats.org/officeDocument/2006/relationships" xmlns:p="http://schemas.openxmlformats.org/presentationml/2006/main">
   <p:cSld>
     <p:spTree>
@@ -13898,7 +14212,7 @@
             <a:pPr algn="ctr"/>
             <a:r>
               <a:rPr lang="en-ES" b="1" dirty="0"/>
-              <a:t>Multiplicator (enc)</a:t>
+              <a:t>AddRoundKey (enc)</a:t>
             </a:r>
           </a:p>
         </p:txBody>
@@ -20539,7 +20853,7 @@
 </p:sld>
 </file>
 
-<file path=ppt/slides/slide15.xml><?xml version="1.0" encoding="utf-8"?>
+<file path=ppt/slides/slide17.xml><?xml version="1.0" encoding="utf-8"?>
 <p:sld xmlns:a="http://schemas.openxmlformats.org/drawingml/2006/main" xmlns:r="http://schemas.openxmlformats.org/officeDocument/2006/relationships" xmlns:p="http://schemas.openxmlformats.org/presentationml/2006/main">
   <p:cSld>
     <p:spTree>
@@ -21713,7 +22027,7 @@
 </p:sld>
 </file>
 
-<file path=ppt/slides/slide16.xml><?xml version="1.0" encoding="utf-8"?>
+<file path=ppt/slides/slide18.xml><?xml version="1.0" encoding="utf-8"?>
 <p:sld xmlns:a="http://schemas.openxmlformats.org/drawingml/2006/main" xmlns:r="http://schemas.openxmlformats.org/officeDocument/2006/relationships" xmlns:p="http://schemas.openxmlformats.org/presentationml/2006/main">
   <p:cSld>
     <p:spTree>
@@ -21921,7 +22235,7 @@
 </p:sld>
 </file>
 
-<file path=ppt/slides/slide17.xml><?xml version="1.0" encoding="utf-8"?>
+<file path=ppt/slides/slide19.xml><?xml version="1.0" encoding="utf-8"?>
 <p:sld xmlns:a="http://schemas.openxmlformats.org/drawingml/2006/main" xmlns:r="http://schemas.openxmlformats.org/officeDocument/2006/relationships" xmlns:p="http://schemas.openxmlformats.org/presentationml/2006/main">
   <p:cSld>
     <p:spTree>
@@ -22015,7 +22329,71 @@
 </p:sld>
 </file>
 
-<file path=ppt/slides/slide18.xml><?xml version="1.0" encoding="utf-8"?>
+<file path=ppt/slides/slide2.xml><?xml version="1.0" encoding="utf-8"?>
+<p:sld xmlns:a="http://schemas.openxmlformats.org/drawingml/2006/main" xmlns:r="http://schemas.openxmlformats.org/officeDocument/2006/relationships" xmlns:p="http://schemas.openxmlformats.org/presentationml/2006/main">
+  <p:cSld>
+    <p:spTree>
+      <p:nvGrpSpPr>
+        <p:cNvPr id="1" name=""/>
+        <p:cNvGrpSpPr/>
+        <p:nvPr/>
+      </p:nvGrpSpPr>
+      <p:grpSpPr>
+        <a:xfrm>
+          <a:off x="0" y="0"/>
+          <a:ext cx="0" cy="0"/>
+          <a:chOff x="0" y="0"/>
+          <a:chExt cx="0" cy="0"/>
+        </a:xfrm>
+      </p:grpSpPr>
+      <p:sp>
+        <p:nvSpPr>
+          <p:cNvPr id="2" name="Title 1">
+            <a:extLst>
+              <a:ext uri="{FF2B5EF4-FFF2-40B4-BE49-F238E27FC236}">
+                <a16:creationId xmlns:a16="http://schemas.microsoft.com/office/drawing/2014/main" id="{F04B7868-4E6E-5A46-86C0-41925A37830E}"/>
+              </a:ext>
+            </a:extLst>
+          </p:cNvPr>
+          <p:cNvSpPr>
+            <a:spLocks noGrp="1"/>
+          </p:cNvSpPr>
+          <p:nvPr>
+            <p:ph type="title"/>
+          </p:nvPr>
+        </p:nvSpPr>
+        <p:spPr>
+          <a:xfrm>
+            <a:off x="762000" y="2667000"/>
+            <a:ext cx="10668000" cy="1524000"/>
+          </a:xfrm>
+        </p:spPr>
+        <p:txBody>
+          <a:bodyPr/>
+          <a:lstStyle/>
+          <a:p>
+            <a:pPr algn="ctr"/>
+            <a:r>
+              <a:rPr lang="en-ES" dirty="0"/>
+              <a:t>AES algorithm’s steps</a:t>
+            </a:r>
+          </a:p>
+        </p:txBody>
+      </p:sp>
+    </p:spTree>
+    <p:extLst>
+      <p:ext uri="{BB962C8B-B14F-4D97-AF65-F5344CB8AC3E}">
+        <p14:creationId xmlns:p14="http://schemas.microsoft.com/office/powerpoint/2010/main" val="3818424290"/>
+      </p:ext>
+    </p:extLst>
+  </p:cSld>
+  <p:clrMapOvr>
+    <a:masterClrMapping/>
+  </p:clrMapOvr>
+</p:sld>
+</file>
+
+<file path=ppt/slides/slide20.xml><?xml version="1.0" encoding="utf-8"?>
 <p:sld xmlns:a="http://schemas.openxmlformats.org/drawingml/2006/main" xmlns:r="http://schemas.openxmlformats.org/officeDocument/2006/relationships" xmlns:p="http://schemas.openxmlformats.org/presentationml/2006/main">
   <p:cSld>
     <p:spTree>
@@ -22823,70 +23201,6 @@
     <p:extLst>
       <p:ext uri="{BB962C8B-B14F-4D97-AF65-F5344CB8AC3E}">
         <p14:creationId xmlns:p14="http://schemas.microsoft.com/office/powerpoint/2010/main" val="514994113"/>
-      </p:ext>
-    </p:extLst>
-  </p:cSld>
-  <p:clrMapOvr>
-    <a:masterClrMapping/>
-  </p:clrMapOvr>
-</p:sld>
-</file>
-
-<file path=ppt/slides/slide2.xml><?xml version="1.0" encoding="utf-8"?>
-<p:sld xmlns:a="http://schemas.openxmlformats.org/drawingml/2006/main" xmlns:r="http://schemas.openxmlformats.org/officeDocument/2006/relationships" xmlns:p="http://schemas.openxmlformats.org/presentationml/2006/main">
-  <p:cSld>
-    <p:spTree>
-      <p:nvGrpSpPr>
-        <p:cNvPr id="1" name=""/>
-        <p:cNvGrpSpPr/>
-        <p:nvPr/>
-      </p:nvGrpSpPr>
-      <p:grpSpPr>
-        <a:xfrm>
-          <a:off x="0" y="0"/>
-          <a:ext cx="0" cy="0"/>
-          <a:chOff x="0" y="0"/>
-          <a:chExt cx="0" cy="0"/>
-        </a:xfrm>
-      </p:grpSpPr>
-      <p:sp>
-        <p:nvSpPr>
-          <p:cNvPr id="2" name="Title 1">
-            <a:extLst>
-              <a:ext uri="{FF2B5EF4-FFF2-40B4-BE49-F238E27FC236}">
-                <a16:creationId xmlns:a16="http://schemas.microsoft.com/office/drawing/2014/main" id="{F04B7868-4E6E-5A46-86C0-41925A37830E}"/>
-              </a:ext>
-            </a:extLst>
-          </p:cNvPr>
-          <p:cNvSpPr>
-            <a:spLocks noGrp="1"/>
-          </p:cNvSpPr>
-          <p:nvPr>
-            <p:ph type="title"/>
-          </p:nvPr>
-        </p:nvSpPr>
-        <p:spPr>
-          <a:xfrm>
-            <a:off x="762000" y="2667000"/>
-            <a:ext cx="10668000" cy="1524000"/>
-          </a:xfrm>
-        </p:spPr>
-        <p:txBody>
-          <a:bodyPr/>
-          <a:lstStyle/>
-          <a:p>
-            <a:pPr algn="ctr"/>
-            <a:r>
-              <a:rPr lang="en-ES" dirty="0"/>
-              <a:t>AES algorithm’s steps</a:t>
-            </a:r>
-          </a:p>
-        </p:txBody>
-      </p:sp>
-    </p:spTree>
-    <p:extLst>
-      <p:ext uri="{BB962C8B-B14F-4D97-AF65-F5344CB8AC3E}">
-        <p14:creationId xmlns:p14="http://schemas.microsoft.com/office/powerpoint/2010/main" val="3818424290"/>
       </p:ext>
     </p:extLst>
   </p:cSld>
@@ -25455,14 +25769,14 @@
           <p:nvPr>
             <p:extLst>
               <p:ext uri="{D42A27DB-BD31-4B8C-83A1-F6EECF244321}">
-                <p14:modId xmlns:p14="http://schemas.microsoft.com/office/powerpoint/2010/main" val="3728010585"/>
+                <p14:modId xmlns:p14="http://schemas.microsoft.com/office/powerpoint/2010/main" val="3479069125"/>
               </p:ext>
             </p:extLst>
           </p:nvPr>
         </p:nvGraphicFramePr>
         <p:xfrm>
-          <a:off x="4955690" y="1691640"/>
-          <a:ext cx="6396522" cy="2651760"/>
+          <a:off x="4955690" y="1965960"/>
+          <a:ext cx="6396523" cy="2926080"/>
         </p:xfrm>
         <a:graphic>
           <a:graphicData uri="http://schemas.openxmlformats.org/drawingml/2006/table">
@@ -25471,24 +25785,31 @@
                 <a:tableStyleId>{5C22544A-7EE6-4342-B048-85BDC9FD1C3A}</a:tableStyleId>
               </a:tblPr>
               <a:tblGrid>
-                <a:gridCol w="2821523">
+                <a:gridCol w="2834998">
                   <a:extLst>
                     <a:ext uri="{9D8B030D-6E8A-4147-A177-3AD203B41FA5}">
                       <a16:colId xmlns:a16="http://schemas.microsoft.com/office/drawing/2014/main" val="493655489"/>
                     </a:ext>
                   </a:extLst>
                 </a:gridCol>
-                <a:gridCol w="1442825">
+                <a:gridCol w="1060704">
                   <a:extLst>
                     <a:ext uri="{9D8B030D-6E8A-4147-A177-3AD203B41FA5}">
                       <a16:colId xmlns:a16="http://schemas.microsoft.com/office/drawing/2014/main" val="972200265"/>
                     </a:ext>
                   </a:extLst>
                 </a:gridCol>
-                <a:gridCol w="2132174">
+                <a:gridCol w="901690">
                   <a:extLst>
                     <a:ext uri="{9D8B030D-6E8A-4147-A177-3AD203B41FA5}">
                       <a16:colId xmlns:a16="http://schemas.microsoft.com/office/drawing/2014/main" val="250412650"/>
+                    </a:ext>
+                  </a:extLst>
+                </a:gridCol>
+                <a:gridCol w="1599131">
+                  <a:extLst>
+                    <a:ext uri="{9D8B030D-6E8A-4147-A177-3AD203B41FA5}">
+                      <a16:colId xmlns:a16="http://schemas.microsoft.com/office/drawing/2014/main" val="1271647930"/>
                     </a:ext>
                   </a:extLst>
                 </a:gridCol>
@@ -25530,6 +25851,19 @@
                         <a:t>tb</a:t>
                       </a:r>
                       <a:endParaRPr lang="en-ES" sz="1200" dirty="0"/>
+                    </a:p>
+                  </a:txBody>
+                  <a:tcPr/>
+                </a:tc>
+                <a:tc>
+                  <a:txBody>
+                    <a:bodyPr/>
+                    <a:lstStyle/>
+                    <a:p>
+                      <a:r>
+                        <a:rPr lang="en-ES" sz="1200" dirty="0"/>
+                        <a:t>Use of matrices</a:t>
+                      </a:r>
                     </a:p>
                   </a:txBody>
                   <a:tcPr/>
@@ -25584,6 +25918,16 @@
                   </a:txBody>
                   <a:tcPr/>
                 </a:tc>
+                <a:tc>
+                  <a:txBody>
+                    <a:bodyPr/>
+                    <a:lstStyle/>
+                    <a:p>
+                      <a:endParaRPr lang="en-ES" sz="1200" dirty="0"/>
+                    </a:p>
+                  </a:txBody>
+                  <a:tcPr/>
+                </a:tc>
                 <a:extLst>
                   <a:ext uri="{0D108BD9-81ED-4DB2-BD59-A6C34878D82A}">
                     <a16:rowId xmlns:a16="http://schemas.microsoft.com/office/drawing/2014/main" val="703514109"/>
@@ -25603,6 +25947,19 @@
                       <a:r>
                         <a:rPr lang="en-ES" sz="1200" dirty="0"/>
                         <a:t>Shifter (module)</a:t>
+                      </a:r>
+                    </a:p>
+                  </a:txBody>
+                  <a:tcPr/>
+                </a:tc>
+                <a:tc>
+                  <a:txBody>
+                    <a:bodyPr/>
+                    <a:lstStyle/>
+                    <a:p>
+                      <a:r>
+                        <a:rPr lang="en-ES" sz="1200" dirty="0"/>
+                        <a:t>OK</a:t>
                       </a:r>
                     </a:p>
                   </a:txBody>
@@ -25684,6 +26041,16 @@
                   </a:txBody>
                   <a:tcPr/>
                 </a:tc>
+                <a:tc>
+                  <a:txBody>
+                    <a:bodyPr/>
+                    <a:lstStyle/>
+                    <a:p>
+                      <a:endParaRPr lang="en-ES" sz="1200" dirty="0"/>
+                    </a:p>
+                  </a:txBody>
+                  <a:tcPr/>
+                </a:tc>
                 <a:extLst>
                   <a:ext uri="{0D108BD9-81ED-4DB2-BD59-A6C34878D82A}">
                     <a16:rowId xmlns:a16="http://schemas.microsoft.com/office/drawing/2014/main" val="2420015138"/>
@@ -25730,6 +26097,16 @@
                         <a:rPr lang="en-ES" sz="1200" dirty="0"/>
                         <a:t>-</a:t>
                       </a:r>
+                    </a:p>
+                  </a:txBody>
+                  <a:tcPr/>
+                </a:tc>
+                <a:tc>
+                  <a:txBody>
+                    <a:bodyPr/>
+                    <a:lstStyle/>
+                    <a:p>
+                      <a:endParaRPr lang="en-ES" sz="1200" dirty="0"/>
                     </a:p>
                   </a:txBody>
                   <a:tcPr/>
@@ -25784,6 +26161,16 @@
                   </a:txBody>
                   <a:tcPr/>
                 </a:tc>
+                <a:tc>
+                  <a:txBody>
+                    <a:bodyPr/>
+                    <a:lstStyle/>
+                    <a:p>
+                      <a:endParaRPr lang="en-ES" sz="1200" dirty="0"/>
+                    </a:p>
+                  </a:txBody>
+                  <a:tcPr/>
+                </a:tc>
                 <a:extLst>
                   <a:ext uri="{0D108BD9-81ED-4DB2-BD59-A6C34878D82A}">
                     <a16:rowId xmlns:a16="http://schemas.microsoft.com/office/drawing/2014/main" val="555008242"/>
@@ -25834,6 +26221,16 @@
                   </a:txBody>
                   <a:tcPr/>
                 </a:tc>
+                <a:tc>
+                  <a:txBody>
+                    <a:bodyPr/>
+                    <a:lstStyle/>
+                    <a:p>
+                      <a:endParaRPr lang="en-ES" sz="1200" dirty="0"/>
+                    </a:p>
+                  </a:txBody>
+                  <a:tcPr/>
+                </a:tc>
                 <a:extLst>
                   <a:ext uri="{0D108BD9-81ED-4DB2-BD59-A6C34878D82A}">
                     <a16:rowId xmlns:a16="http://schemas.microsoft.com/office/drawing/2014/main" val="2540298072"/>
@@ -25846,7 +26243,7 @@
                     <a:bodyPr/>
                     <a:lstStyle/>
                     <a:p>
-                      <a:pPr marL="285750" indent="-285750">
+                      <a:pPr marL="742950" lvl="1" indent="-285750">
                         <a:buFont typeface="Arial" panose="020B0604020202020204" pitchFamily="34" charset="0"/>
                         <a:buChar char="•"/>
                       </a:pPr>
@@ -25880,6 +26277,16 @@
                         <a:rPr lang="en-ES" sz="1200" dirty="0"/>
                         <a:t>-</a:t>
                       </a:r>
+                    </a:p>
+                  </a:txBody>
+                  <a:tcPr/>
+                </a:tc>
+                <a:tc>
+                  <a:txBody>
+                    <a:bodyPr/>
+                    <a:lstStyle/>
+                    <a:p>
+                      <a:endParaRPr lang="en-ES" sz="1200" dirty="0"/>
                     </a:p>
                   </a:txBody>
                   <a:tcPr/>
@@ -25934,9 +26341,76 @@
                   </a:txBody>
                   <a:tcPr/>
                 </a:tc>
+                <a:tc>
+                  <a:txBody>
+                    <a:bodyPr/>
+                    <a:lstStyle/>
+                    <a:p>
+                      <a:r>
+                        <a:rPr lang="en-ES" sz="1200" dirty="0"/>
+                        <a:t>OK</a:t>
+                      </a:r>
+                    </a:p>
+                  </a:txBody>
+                  <a:tcPr/>
+                </a:tc>
                 <a:extLst>
                   <a:ext uri="{0D108BD9-81ED-4DB2-BD59-A6C34878D82A}">
                     <a16:rowId xmlns:a16="http://schemas.microsoft.com/office/drawing/2014/main" val="4017046328"/>
+                  </a:ext>
+                </a:extLst>
+              </a:tr>
+              <a:tr h="244280">
+                <a:tc>
+                  <a:txBody>
+                    <a:bodyPr/>
+                    <a:lstStyle/>
+                    <a:p>
+                      <a:pPr marL="285750" indent="-285750">
+                        <a:buFont typeface="Arial" panose="020B0604020202020204" pitchFamily="34" charset="0"/>
+                        <a:buChar char="•"/>
+                      </a:pPr>
+                      <a:r>
+                        <a:rPr lang="en-ES" sz="1200" dirty="0"/>
+                        <a:t>ROM</a:t>
+                      </a:r>
+                    </a:p>
+                  </a:txBody>
+                  <a:tcPr/>
+                </a:tc>
+                <a:tc>
+                  <a:txBody>
+                    <a:bodyPr/>
+                    <a:lstStyle/>
+                    <a:p>
+                      <a:endParaRPr lang="en-ES" sz="1200" dirty="0"/>
+                    </a:p>
+                  </a:txBody>
+                  <a:tcPr/>
+                </a:tc>
+                <a:tc>
+                  <a:txBody>
+                    <a:bodyPr/>
+                    <a:lstStyle/>
+                    <a:p>
+                      <a:endParaRPr lang="en-ES" sz="1200" dirty="0"/>
+                    </a:p>
+                  </a:txBody>
+                  <a:tcPr/>
+                </a:tc>
+                <a:tc>
+                  <a:txBody>
+                    <a:bodyPr/>
+                    <a:lstStyle/>
+                    <a:p>
+                      <a:endParaRPr lang="en-ES" sz="1200" dirty="0"/>
+                    </a:p>
+                  </a:txBody>
+                  <a:tcPr/>
+                </a:tc>
+                <a:extLst>
+                  <a:ext uri="{0D108BD9-81ED-4DB2-BD59-A6C34878D82A}">
+                    <a16:rowId xmlns:a16="http://schemas.microsoft.com/office/drawing/2014/main" val="1983586783"/>
                   </a:ext>
                 </a:extLst>
               </a:tr>
@@ -25959,14 +26433,14 @@
           <p:nvPr>
             <p:extLst>
               <p:ext uri="{D42A27DB-BD31-4B8C-83A1-F6EECF244321}">
-                <p14:modId xmlns:p14="http://schemas.microsoft.com/office/powerpoint/2010/main" val="3201806678"/>
+                <p14:modId xmlns:p14="http://schemas.microsoft.com/office/powerpoint/2010/main" val="1715244745"/>
               </p:ext>
             </p:extLst>
           </p:nvPr>
         </p:nvGraphicFramePr>
         <p:xfrm>
-          <a:off x="4955690" y="4533500"/>
-          <a:ext cx="6396522" cy="1097280"/>
+          <a:off x="4955690" y="5158340"/>
+          <a:ext cx="6396523" cy="1097280"/>
         </p:xfrm>
         <a:graphic>
           <a:graphicData uri="http://schemas.openxmlformats.org/drawingml/2006/table">
@@ -25975,29 +26449,36 @@
                 <a:tableStyleId>{5C22544A-7EE6-4342-B048-85BDC9FD1C3A}</a:tableStyleId>
               </a:tblPr>
               <a:tblGrid>
-                <a:gridCol w="2821523">
+                <a:gridCol w="2116142">
                   <a:extLst>
                     <a:ext uri="{9D8B030D-6E8A-4147-A177-3AD203B41FA5}">
                       <a16:colId xmlns:a16="http://schemas.microsoft.com/office/drawing/2014/main" val="493655489"/>
                     </a:ext>
                   </a:extLst>
                 </a:gridCol>
-                <a:gridCol w="1442825">
+                <a:gridCol w="1082119">
                   <a:extLst>
                     <a:ext uri="{9D8B030D-6E8A-4147-A177-3AD203B41FA5}">
                       <a16:colId xmlns:a16="http://schemas.microsoft.com/office/drawing/2014/main" val="972200265"/>
                     </a:ext>
                   </a:extLst>
                 </a:gridCol>
-                <a:gridCol w="2132174">
+                <a:gridCol w="1599131">
                   <a:extLst>
                     <a:ext uri="{9D8B030D-6E8A-4147-A177-3AD203B41FA5}">
                       <a16:colId xmlns:a16="http://schemas.microsoft.com/office/drawing/2014/main" val="250412650"/>
                     </a:ext>
                   </a:extLst>
                 </a:gridCol>
+                <a:gridCol w="1599131">
+                  <a:extLst>
+                    <a:ext uri="{9D8B030D-6E8A-4147-A177-3AD203B41FA5}">
+                      <a16:colId xmlns:a16="http://schemas.microsoft.com/office/drawing/2014/main" val="4118194397"/>
+                    </a:ext>
+                  </a:extLst>
+                </a:gridCol>
               </a:tblGrid>
-              <a:tr h="244280">
+              <a:tr h="224068">
                 <a:tc>
                   <a:txBody>
                     <a:bodyPr/>
@@ -26005,7 +26486,7 @@
                     <a:p>
                       <a:r>
                         <a:rPr lang="en-ES" sz="1200" dirty="0"/>
-                        <a:t>Encryption side (enc)</a:t>
+                        <a:t>Keygen side (keygen)</a:t>
                       </a:r>
                     </a:p>
                   </a:txBody>
@@ -26034,6 +26515,19 @@
                         <a:t>tb</a:t>
                       </a:r>
                       <a:endParaRPr lang="en-ES" sz="1200" dirty="0"/>
+                    </a:p>
+                  </a:txBody>
+                  <a:tcPr/>
+                </a:tc>
+                <a:tc>
+                  <a:txBody>
+                    <a:bodyPr/>
+                    <a:lstStyle/>
+                    <a:p>
+                      <a:r>
+                        <a:rPr lang="en-ES" sz="1200" dirty="0"/>
+                        <a:t>Use of matrices</a:t>
+                      </a:r>
                     </a:p>
                   </a:txBody>
                   <a:tcPr/>
@@ -26069,7 +26563,20 @@
                     <a:p>
                       <a:r>
                         <a:rPr lang="en-ES" sz="1200" dirty="0"/>
-                        <a:t>Y</a:t>
+                        <a:t>OK</a:t>
+                      </a:r>
+                    </a:p>
+                  </a:txBody>
+                  <a:tcPr/>
+                </a:tc>
+                <a:tc>
+                  <a:txBody>
+                    <a:bodyPr/>
+                    <a:lstStyle/>
+                    <a:p>
+                      <a:r>
+                        <a:rPr lang="en-ES" sz="1200" dirty="0"/>
+                        <a:t>Done but not working</a:t>
                       </a:r>
                     </a:p>
                   </a:txBody>
@@ -26138,6 +26645,16 @@
                   </a:txBody>
                   <a:tcPr/>
                 </a:tc>
+                <a:tc>
+                  <a:txBody>
+                    <a:bodyPr/>
+                    <a:lstStyle/>
+                    <a:p>
+                      <a:endParaRPr lang="en-ES" sz="1200" dirty="0"/>
+                    </a:p>
+                  </a:txBody>
+                  <a:tcPr/>
+                </a:tc>
                 <a:extLst>
                   <a:ext uri="{0D108BD9-81ED-4DB2-BD59-A6C34878D82A}">
                     <a16:rowId xmlns:a16="http://schemas.microsoft.com/office/drawing/2014/main" val="132888559"/>
@@ -26188,6 +26705,16 @@
                   </a:txBody>
                   <a:tcPr/>
                 </a:tc>
+                <a:tc>
+                  <a:txBody>
+                    <a:bodyPr/>
+                    <a:lstStyle/>
+                    <a:p>
+                      <a:endParaRPr lang="en-ES" sz="1200" dirty="0"/>
+                    </a:p>
+                  </a:txBody>
+                  <a:tcPr/>
+                </a:tc>
                 <a:extLst>
                   <a:ext uri="{0D108BD9-81ED-4DB2-BD59-A6C34878D82A}">
                     <a16:rowId xmlns:a16="http://schemas.microsoft.com/office/drawing/2014/main" val="2420015138"/>
@@ -26213,14 +26740,14 @@
           <p:nvPr>
             <p:extLst>
               <p:ext uri="{D42A27DB-BD31-4B8C-83A1-F6EECF244321}">
-                <p14:modId xmlns:p14="http://schemas.microsoft.com/office/powerpoint/2010/main" val="3445350748"/>
+                <p14:modId xmlns:p14="http://schemas.microsoft.com/office/powerpoint/2010/main" val="3249795525"/>
               </p:ext>
             </p:extLst>
           </p:nvPr>
         </p:nvGraphicFramePr>
         <p:xfrm>
           <a:off x="4955690" y="952900"/>
-          <a:ext cx="6396522" cy="548640"/>
+          <a:ext cx="6396523" cy="822960"/>
         </p:xfrm>
         <a:graphic>
           <a:graphicData uri="http://schemas.openxmlformats.org/drawingml/2006/table">
@@ -26229,24 +26756,31 @@
                 <a:tableStyleId>{5C22544A-7EE6-4342-B048-85BDC9FD1C3A}</a:tableStyleId>
               </a:tblPr>
               <a:tblGrid>
-                <a:gridCol w="2821523">
+                <a:gridCol w="2116142">
                   <a:extLst>
                     <a:ext uri="{9D8B030D-6E8A-4147-A177-3AD203B41FA5}">
                       <a16:colId xmlns:a16="http://schemas.microsoft.com/office/drawing/2014/main" val="493655489"/>
                     </a:ext>
                   </a:extLst>
                 </a:gridCol>
-                <a:gridCol w="1442825">
+                <a:gridCol w="1082119">
                   <a:extLst>
                     <a:ext uri="{9D8B030D-6E8A-4147-A177-3AD203B41FA5}">
                       <a16:colId xmlns:a16="http://schemas.microsoft.com/office/drawing/2014/main" val="972200265"/>
                     </a:ext>
                   </a:extLst>
                 </a:gridCol>
-                <a:gridCol w="2132174">
+                <a:gridCol w="1599131">
                   <a:extLst>
                     <a:ext uri="{9D8B030D-6E8A-4147-A177-3AD203B41FA5}">
                       <a16:colId xmlns:a16="http://schemas.microsoft.com/office/drawing/2014/main" val="250412650"/>
+                    </a:ext>
+                  </a:extLst>
+                </a:gridCol>
+                <a:gridCol w="1599131">
+                  <a:extLst>
+                    <a:ext uri="{9D8B030D-6E8A-4147-A177-3AD203B41FA5}">
+                      <a16:colId xmlns:a16="http://schemas.microsoft.com/office/drawing/2014/main" val="1886623950"/>
                     </a:ext>
                   </a:extLst>
                 </a:gridCol>
@@ -26259,7 +26793,7 @@
                     <a:p>
                       <a:r>
                         <a:rPr lang="en-ES" sz="1200" dirty="0"/>
-                        <a:t>Encryption side (enc)</a:t>
+                        <a:t>Overall</a:t>
                       </a:r>
                     </a:p>
                   </a:txBody>
@@ -26290,6 +26824,19 @@
                       <a:r>
                         <a:rPr lang="en-ES" sz="1200" dirty="0"/>
                         <a:t> </a:t>
+                      </a:r>
+                    </a:p>
+                  </a:txBody>
+                  <a:tcPr/>
+                </a:tc>
+                <a:tc>
+                  <a:txBody>
+                    <a:bodyPr/>
+                    <a:lstStyle/>
+                    <a:p>
+                      <a:r>
+                        <a:rPr lang="en-ES" sz="1200" dirty="0"/>
+                        <a:t>Use of matrices</a:t>
                       </a:r>
                     </a:p>
                   </a:txBody>
@@ -26345,9 +26892,82 @@
                   </a:txBody>
                   <a:tcPr/>
                 </a:tc>
+                <a:tc>
+                  <a:txBody>
+                    <a:bodyPr/>
+                    <a:lstStyle/>
+                    <a:p>
+                      <a:endParaRPr lang="en-ES" sz="1200" dirty="0"/>
+                    </a:p>
+                  </a:txBody>
+                  <a:tcPr/>
+                </a:tc>
                 <a:extLst>
                   <a:ext uri="{0D108BD9-81ED-4DB2-BD59-A6C34878D82A}">
                     <a16:rowId xmlns:a16="http://schemas.microsoft.com/office/drawing/2014/main" val="703514109"/>
+                  </a:ext>
+                </a:extLst>
+              </a:tr>
+              <a:tr h="244280">
+                <a:tc>
+                  <a:txBody>
+                    <a:bodyPr/>
+                    <a:lstStyle/>
+                    <a:p>
+                      <a:pPr marL="285750" indent="-285750">
+                        <a:buFont typeface="Arial" panose="020B0604020202020204" pitchFamily="34" charset="0"/>
+                        <a:buChar char="•"/>
+                      </a:pPr>
+                      <a:r>
+                        <a:rPr lang="en-ES" sz="1200" dirty="0"/>
+                        <a:t>reg16</a:t>
+                      </a:r>
+                    </a:p>
+                  </a:txBody>
+                  <a:tcPr/>
+                </a:tc>
+                <a:tc>
+                  <a:txBody>
+                    <a:bodyPr/>
+                    <a:lstStyle/>
+                    <a:p>
+                      <a:r>
+                        <a:rPr lang="en-ES" sz="1200" dirty="0"/>
+                        <a:t>OK</a:t>
+                      </a:r>
+                    </a:p>
+                  </a:txBody>
+                  <a:tcPr/>
+                </a:tc>
+                <a:tc>
+                  <a:txBody>
+                    <a:bodyPr/>
+                    <a:lstStyle/>
+                    <a:p>
+                      <a:r>
+                        <a:rPr lang="en-ES" sz="1200" dirty="0"/>
+                        <a:t>OK</a:t>
+                      </a:r>
+                    </a:p>
+                  </a:txBody>
+                  <a:tcPr/>
+                </a:tc>
+                <a:tc>
+                  <a:txBody>
+                    <a:bodyPr/>
+                    <a:lstStyle/>
+                    <a:p>
+                      <a:r>
+                        <a:rPr lang="en-ES" sz="1200" dirty="0"/>
+                        <a:t>OK</a:t>
+                      </a:r>
+                    </a:p>
+                  </a:txBody>
+                  <a:tcPr/>
+                </a:tc>
+                <a:extLst>
+                  <a:ext uri="{0D108BD9-81ED-4DB2-BD59-A6C34878D82A}">
+                    <a16:rowId xmlns:a16="http://schemas.microsoft.com/office/drawing/2014/main" val="2747996473"/>
                   </a:ext>
                 </a:extLst>
               </a:tr>
@@ -26369,6 +26989,154 @@
 </file>
 
 <file path=ppt/slides/slide7.xml><?xml version="1.0" encoding="utf-8"?>
+<p:sld xmlns:a="http://schemas.openxmlformats.org/drawingml/2006/main" xmlns:r="http://schemas.openxmlformats.org/officeDocument/2006/relationships" xmlns:p="http://schemas.openxmlformats.org/presentationml/2006/main">
+  <p:cSld>
+    <p:spTree>
+      <p:nvGrpSpPr>
+        <p:cNvPr id="1" name=""/>
+        <p:cNvGrpSpPr/>
+        <p:nvPr/>
+      </p:nvGrpSpPr>
+      <p:grpSpPr>
+        <a:xfrm>
+          <a:off x="0" y="0"/>
+          <a:ext cx="0" cy="0"/>
+          <a:chOff x="0" y="0"/>
+          <a:chExt cx="0" cy="0"/>
+        </a:xfrm>
+      </p:grpSpPr>
+      <p:sp>
+        <p:nvSpPr>
+          <p:cNvPr id="2" name="Title 1">
+            <a:extLst>
+              <a:ext uri="{FF2B5EF4-FFF2-40B4-BE49-F238E27FC236}">
+                <a16:creationId xmlns:a16="http://schemas.microsoft.com/office/drawing/2014/main" id="{DE2A2D3A-38F7-924F-A6F6-C216F3169A4E}"/>
+              </a:ext>
+            </a:extLst>
+          </p:cNvPr>
+          <p:cNvSpPr>
+            <a:spLocks noGrp="1"/>
+          </p:cNvSpPr>
+          <p:nvPr>
+            <p:ph type="title"/>
+          </p:nvPr>
+        </p:nvSpPr>
+        <p:spPr/>
+        <p:txBody>
+          <a:bodyPr/>
+          <a:lstStyle/>
+          <a:p>
+            <a:pPr algn="ctr"/>
+            <a:r>
+              <a:rPr lang="en-ES" dirty="0"/>
+              <a:t>16-bit register</a:t>
+            </a:r>
+          </a:p>
+        </p:txBody>
+      </p:sp>
+    </p:spTree>
+    <p:extLst>
+      <p:ext uri="{BB962C8B-B14F-4D97-AF65-F5344CB8AC3E}">
+        <p14:creationId xmlns:p14="http://schemas.microsoft.com/office/powerpoint/2010/main" val="3544885727"/>
+      </p:ext>
+    </p:extLst>
+  </p:cSld>
+  <p:clrMapOvr>
+    <a:masterClrMapping/>
+  </p:clrMapOvr>
+</p:sld>
+</file>
+
+<file path=ppt/slides/slide8.xml><?xml version="1.0" encoding="utf-8"?>
+<p:sld xmlns:a="http://schemas.openxmlformats.org/drawingml/2006/main" xmlns:r="http://schemas.openxmlformats.org/officeDocument/2006/relationships" xmlns:p="http://schemas.openxmlformats.org/presentationml/2006/main">
+  <p:cSld>
+    <p:spTree>
+      <p:nvGrpSpPr>
+        <p:cNvPr id="1" name=""/>
+        <p:cNvGrpSpPr/>
+        <p:nvPr/>
+      </p:nvGrpSpPr>
+      <p:grpSpPr>
+        <a:xfrm>
+          <a:off x="0" y="0"/>
+          <a:ext cx="0" cy="0"/>
+          <a:chOff x="0" y="0"/>
+          <a:chExt cx="0" cy="0"/>
+        </a:xfrm>
+      </p:grpSpPr>
+      <p:sp>
+        <p:nvSpPr>
+          <p:cNvPr id="2" name="Title 1">
+            <a:extLst>
+              <a:ext uri="{FF2B5EF4-FFF2-40B4-BE49-F238E27FC236}">
+                <a16:creationId xmlns:a16="http://schemas.microsoft.com/office/drawing/2014/main" id="{F60D851B-D54B-0F41-94A9-C9FCE0DDE8A8}"/>
+              </a:ext>
+            </a:extLst>
+          </p:cNvPr>
+          <p:cNvSpPr>
+            <a:spLocks noGrp="1"/>
+          </p:cNvSpPr>
+          <p:nvPr>
+            <p:ph type="title"/>
+          </p:nvPr>
+        </p:nvSpPr>
+        <p:spPr/>
+        <p:txBody>
+          <a:bodyPr/>
+          <a:lstStyle/>
+          <a:p>
+            <a:pPr algn="ctr"/>
+            <a:r>
+              <a:rPr lang="en-ES" dirty="0"/>
+              <a:t>tb: successful</a:t>
+            </a:r>
+          </a:p>
+        </p:txBody>
+      </p:sp>
+      <p:pic>
+        <p:nvPicPr>
+          <p:cNvPr id="4" name="Picture 3">
+            <a:extLst>
+              <a:ext uri="{FF2B5EF4-FFF2-40B4-BE49-F238E27FC236}">
+                <a16:creationId xmlns:a16="http://schemas.microsoft.com/office/drawing/2014/main" id="{A4C64A09-CFFB-BF46-A4F5-F09718CB3AF0}"/>
+              </a:ext>
+            </a:extLst>
+          </p:cNvPr>
+          <p:cNvPicPr>
+            <a:picLocks noChangeAspect="1"/>
+          </p:cNvPicPr>
+          <p:nvPr/>
+        </p:nvPicPr>
+        <p:blipFill>
+          <a:blip r:embed="rId2"/>
+          <a:stretch>
+            <a:fillRect/>
+          </a:stretch>
+        </p:blipFill>
+        <p:spPr>
+          <a:xfrm>
+            <a:off x="838200" y="2514600"/>
+            <a:ext cx="10515600" cy="1828800"/>
+          </a:xfrm>
+          <a:prstGeom prst="rect">
+            <a:avLst/>
+          </a:prstGeom>
+        </p:spPr>
+      </p:pic>
+    </p:spTree>
+    <p:extLst>
+      <p:ext uri="{BB962C8B-B14F-4D97-AF65-F5344CB8AC3E}">
+        <p14:creationId xmlns:p14="http://schemas.microsoft.com/office/powerpoint/2010/main" val="3832256527"/>
+      </p:ext>
+    </p:extLst>
+  </p:cSld>
+  <p:clrMapOvr>
+    <a:masterClrMapping/>
+  </p:clrMapOvr>
+</p:sld>
+</file>
+
+<file path=ppt/slides/slide9.xml><?xml version="1.0" encoding="utf-8"?>
 <p:sld xmlns:a="http://schemas.openxmlformats.org/drawingml/2006/main" xmlns:r="http://schemas.openxmlformats.org/officeDocument/2006/relationships" xmlns:p="http://schemas.openxmlformats.org/presentationml/2006/main">
   <p:cSld>
     <p:spTree>
@@ -26443,183 +27211,6 @@
     <p:extLst>
       <p:ext uri="{BB962C8B-B14F-4D97-AF65-F5344CB8AC3E}">
         <p14:creationId xmlns:p14="http://schemas.microsoft.com/office/powerpoint/2010/main" val="1881519835"/>
-      </p:ext>
-    </p:extLst>
-  </p:cSld>
-  <p:clrMapOvr>
-    <a:masterClrMapping/>
-  </p:clrMapOvr>
-</p:sld>
-</file>
-
-<file path=ppt/slides/slide8.xml><?xml version="1.0" encoding="utf-8"?>
-<p:sld xmlns:a="http://schemas.openxmlformats.org/drawingml/2006/main" xmlns:r="http://schemas.openxmlformats.org/officeDocument/2006/relationships" xmlns:p="http://schemas.openxmlformats.org/presentationml/2006/main">
-  <p:cSld>
-    <p:spTree>
-      <p:nvGrpSpPr>
-        <p:cNvPr id="1" name=""/>
-        <p:cNvGrpSpPr/>
-        <p:nvPr/>
-      </p:nvGrpSpPr>
-      <p:grpSpPr>
-        <a:xfrm>
-          <a:off x="0" y="0"/>
-          <a:ext cx="0" cy="0"/>
-          <a:chOff x="0" y="0"/>
-          <a:chExt cx="0" cy="0"/>
-        </a:xfrm>
-      </p:grpSpPr>
-      <p:sp>
-        <p:nvSpPr>
-          <p:cNvPr id="2" name="Title 1">
-            <a:extLst>
-              <a:ext uri="{FF2B5EF4-FFF2-40B4-BE49-F238E27FC236}">
-                <a16:creationId xmlns:a16="http://schemas.microsoft.com/office/drawing/2014/main" id="{D8FA3B43-EFAC-114B-AAF8-0D9B06DC0A74}"/>
-              </a:ext>
-            </a:extLst>
-          </p:cNvPr>
-          <p:cNvSpPr>
-            <a:spLocks noGrp="1"/>
-          </p:cNvSpPr>
-          <p:nvPr>
-            <p:ph type="title"/>
-          </p:nvPr>
-        </p:nvSpPr>
-        <p:spPr/>
-        <p:txBody>
-          <a:bodyPr/>
-          <a:lstStyle/>
-          <a:p>
-            <a:pPr algn="ctr"/>
-            <a:r>
-              <a:rPr lang="en-GB" dirty="0"/>
-              <a:t>t</a:t>
-            </a:r>
-            <a:r>
-              <a:rPr lang="en-ES" dirty="0"/>
-              <a:t>b: SUCCESSFUL</a:t>
-            </a:r>
-          </a:p>
-        </p:txBody>
-      </p:sp>
-      <p:sp>
-        <p:nvSpPr>
-          <p:cNvPr id="3" name="Content Placeholder 2">
-            <a:extLst>
-              <a:ext uri="{FF2B5EF4-FFF2-40B4-BE49-F238E27FC236}">
-                <a16:creationId xmlns:a16="http://schemas.microsoft.com/office/drawing/2014/main" id="{BB75D145-0C92-C64A-8DFB-3EF1E1BD9D43}"/>
-              </a:ext>
-            </a:extLst>
-          </p:cNvPr>
-          <p:cNvSpPr>
-            <a:spLocks noGrp="1"/>
-          </p:cNvSpPr>
-          <p:nvPr>
-            <p:ph idx="1"/>
-          </p:nvPr>
-        </p:nvSpPr>
-        <p:spPr/>
-        <p:txBody>
-          <a:bodyPr/>
-          <a:lstStyle/>
-          <a:p>
-            <a:endParaRPr lang="en-ES"/>
-          </a:p>
-        </p:txBody>
-      </p:sp>
-    </p:spTree>
-    <p:extLst>
-      <p:ext uri="{BB962C8B-B14F-4D97-AF65-F5344CB8AC3E}">
-        <p14:creationId xmlns:p14="http://schemas.microsoft.com/office/powerpoint/2010/main" val="980712982"/>
-      </p:ext>
-    </p:extLst>
-  </p:cSld>
-  <p:clrMapOvr>
-    <a:masterClrMapping/>
-  </p:clrMapOvr>
-</p:sld>
-</file>
-
-<file path=ppt/slides/slide9.xml><?xml version="1.0" encoding="utf-8"?>
-<p:sld xmlns:a="http://schemas.openxmlformats.org/drawingml/2006/main" xmlns:r="http://schemas.openxmlformats.org/officeDocument/2006/relationships" xmlns:p="http://schemas.openxmlformats.org/presentationml/2006/main">
-  <p:cSld>
-    <p:spTree>
-      <p:nvGrpSpPr>
-        <p:cNvPr id="1" name=""/>
-        <p:cNvGrpSpPr/>
-        <p:nvPr/>
-      </p:nvGrpSpPr>
-      <p:grpSpPr>
-        <a:xfrm>
-          <a:off x="0" y="0"/>
-          <a:ext cx="0" cy="0"/>
-          <a:chOff x="0" y="0"/>
-          <a:chExt cx="0" cy="0"/>
-        </a:xfrm>
-      </p:grpSpPr>
-      <p:sp>
-        <p:nvSpPr>
-          <p:cNvPr id="2" name="Title 1">
-            <a:extLst>
-              <a:ext uri="{FF2B5EF4-FFF2-40B4-BE49-F238E27FC236}">
-                <a16:creationId xmlns:a16="http://schemas.microsoft.com/office/drawing/2014/main" id="{C9F88D1A-B037-CD46-ABE5-CFBA0A4E2CC3}"/>
-              </a:ext>
-            </a:extLst>
-          </p:cNvPr>
-          <p:cNvSpPr>
-            <a:spLocks noGrp="1"/>
-          </p:cNvSpPr>
-          <p:nvPr>
-            <p:ph type="title"/>
-          </p:nvPr>
-        </p:nvSpPr>
-        <p:spPr/>
-        <p:txBody>
-          <a:bodyPr/>
-          <a:lstStyle/>
-          <a:p>
-            <a:pPr algn="ctr"/>
-            <a:r>
-              <a:rPr lang="en-ES" dirty="0"/>
-              <a:t>Shifter (enc)</a:t>
-            </a:r>
-          </a:p>
-        </p:txBody>
-      </p:sp>
-      <p:pic>
-        <p:nvPicPr>
-          <p:cNvPr id="4" name="Picture 3" descr="Chart&#10;&#10;Description automatically generated">
-            <a:extLst>
-              <a:ext uri="{FF2B5EF4-FFF2-40B4-BE49-F238E27FC236}">
-                <a16:creationId xmlns:a16="http://schemas.microsoft.com/office/drawing/2014/main" id="{9E7F06C5-4384-F247-B0EE-BAA9FA66B30D}"/>
-              </a:ext>
-            </a:extLst>
-          </p:cNvPr>
-          <p:cNvPicPr>
-            <a:picLocks noChangeAspect="1"/>
-          </p:cNvPicPr>
-          <p:nvPr/>
-        </p:nvPicPr>
-        <p:blipFill>
-          <a:blip r:embed="rId2"/>
-          <a:stretch>
-            <a:fillRect/>
-          </a:stretch>
-        </p:blipFill>
-        <p:spPr>
-          <a:xfrm>
-            <a:off x="2383189" y="1610679"/>
-            <a:ext cx="7425621" cy="5247321"/>
-          </a:xfrm>
-          <a:prstGeom prst="rect">
-            <a:avLst/>
-          </a:prstGeom>
-        </p:spPr>
-      </p:pic>
-    </p:spTree>
-    <p:extLst>
-      <p:ext uri="{BB962C8B-B14F-4D97-AF65-F5344CB8AC3E}">
-        <p14:creationId xmlns:p14="http://schemas.microsoft.com/office/powerpoint/2010/main" val="3833323351"/>
       </p:ext>
     </p:extLst>
   </p:cSld>

--- a/ASIC_hardware_blockLevelStructure.pptx
+++ b/ASIC_hardware_blockLevelStructure.pptx
@@ -5,7 +5,7 @@
     <p:sldMasterId id="2147483700" r:id="rId1"/>
   </p:sldMasterIdLst>
   <p:notesMasterIdLst>
-    <p:notesMasterId r:id="rId22"/>
+    <p:notesMasterId r:id="rId24"/>
   </p:notesMasterIdLst>
   <p:sldIdLst>
     <p:sldId id="256" r:id="rId2"/>
@@ -17,17 +17,19 @@
     <p:sldId id="275" r:id="rId8"/>
     <p:sldId id="276" r:id="rId9"/>
     <p:sldId id="271" r:id="rId10"/>
-    <p:sldId id="272" r:id="rId11"/>
-    <p:sldId id="263" r:id="rId12"/>
-    <p:sldId id="264" r:id="rId13"/>
-    <p:sldId id="261" r:id="rId14"/>
-    <p:sldId id="262" r:id="rId15"/>
-    <p:sldId id="267" r:id="rId16"/>
-    <p:sldId id="268" r:id="rId17"/>
-    <p:sldId id="269" r:id="rId18"/>
-    <p:sldId id="270" r:id="rId19"/>
-    <p:sldId id="265" r:id="rId20"/>
-    <p:sldId id="266" r:id="rId21"/>
+    <p:sldId id="278" r:id="rId11"/>
+    <p:sldId id="277" r:id="rId12"/>
+    <p:sldId id="272" r:id="rId13"/>
+    <p:sldId id="263" r:id="rId14"/>
+    <p:sldId id="264" r:id="rId15"/>
+    <p:sldId id="261" r:id="rId16"/>
+    <p:sldId id="262" r:id="rId17"/>
+    <p:sldId id="267" r:id="rId18"/>
+    <p:sldId id="268" r:id="rId19"/>
+    <p:sldId id="269" r:id="rId20"/>
+    <p:sldId id="270" r:id="rId21"/>
+    <p:sldId id="265" r:id="rId22"/>
+    <p:sldId id="266" r:id="rId23"/>
   </p:sldIdLst>
   <p:sldSz cx="12192000" cy="6858000"/>
   <p:notesSz cx="6858000" cy="9144000"/>
@@ -216,7 +218,7 @@
           <a:p>
             <a:fld id="{49C78CC3-DFEA-A54D-97A6-ADF4A47AA041}" type="datetimeFigureOut">
               <a:rPr lang="en-ES" smtClean="0"/>
-              <a:t>13/8/21</a:t>
+              <a:t>15/8/21</a:t>
             </a:fld>
             <a:endParaRPr lang="en-ES"/>
           </a:p>
@@ -958,6 +960,255 @@
           <a:bodyPr/>
           <a:lstStyle/>
           <a:p>
+            <a:endParaRPr lang="en-ES" dirty="0"/>
+          </a:p>
+        </p:txBody>
+      </p:sp>
+      <p:sp>
+        <p:nvSpPr>
+          <p:cNvPr id="4" name="Slide Number Placeholder 3"/>
+          <p:cNvSpPr>
+            <a:spLocks noGrp="1"/>
+          </p:cNvSpPr>
+          <p:nvPr>
+            <p:ph type="sldNum" sz="quarter" idx="5"/>
+          </p:nvPr>
+        </p:nvSpPr>
+        <p:spPr/>
+        <p:txBody>
+          <a:bodyPr/>
+          <a:lstStyle/>
+          <a:p>
+            <a:fld id="{99A03F45-CC4C-8641-8D32-38B5EE8AEF68}" type="slidenum">
+              <a:rPr lang="en-ES" smtClean="0"/>
+              <a:t>10</a:t>
+            </a:fld>
+            <a:endParaRPr lang="en-ES"/>
+          </a:p>
+        </p:txBody>
+      </p:sp>
+    </p:spTree>
+    <p:extLst>
+      <p:ext uri="{BB962C8B-B14F-4D97-AF65-F5344CB8AC3E}">
+        <p14:creationId xmlns:p14="http://schemas.microsoft.com/office/powerpoint/2010/main" val="3245119861"/>
+      </p:ext>
+    </p:extLst>
+  </p:cSld>
+  <p:clrMapOvr>
+    <a:masterClrMapping/>
+  </p:clrMapOvr>
+</p:notes>
+</file>
+
+<file path=ppt/notesSlides/notesSlide5.xml><?xml version="1.0" encoding="utf-8"?>
+<p:notes xmlns:a="http://schemas.openxmlformats.org/drawingml/2006/main" xmlns:r="http://schemas.openxmlformats.org/officeDocument/2006/relationships" xmlns:p="http://schemas.openxmlformats.org/presentationml/2006/main">
+  <p:cSld>
+    <p:spTree>
+      <p:nvGrpSpPr>
+        <p:cNvPr id="1" name=""/>
+        <p:cNvGrpSpPr/>
+        <p:nvPr/>
+      </p:nvGrpSpPr>
+      <p:grpSpPr>
+        <a:xfrm>
+          <a:off x="0" y="0"/>
+          <a:ext cx="0" cy="0"/>
+          <a:chOff x="0" y="0"/>
+          <a:chExt cx="0" cy="0"/>
+        </a:xfrm>
+      </p:grpSpPr>
+      <p:sp>
+        <p:nvSpPr>
+          <p:cNvPr id="2" name="Slide Image Placeholder 1"/>
+          <p:cNvSpPr>
+            <a:spLocks noGrp="1" noRot="1" noChangeAspect="1"/>
+          </p:cNvSpPr>
+          <p:nvPr>
+            <p:ph type="sldImg"/>
+          </p:nvPr>
+        </p:nvSpPr>
+        <p:spPr/>
+      </p:sp>
+      <p:sp>
+        <p:nvSpPr>
+          <p:cNvPr id="3" name="Notes Placeholder 2"/>
+          <p:cNvSpPr>
+            <a:spLocks noGrp="1"/>
+          </p:cNvSpPr>
+          <p:nvPr>
+            <p:ph type="body" idx="1"/>
+          </p:nvPr>
+        </p:nvSpPr>
+        <p:spPr/>
+        <p:txBody>
+          <a:bodyPr/>
+          <a:lstStyle/>
+          <a:p>
+            <a:r>
+              <a:rPr lang="en-ES" dirty="0"/>
+              <a:t>Creating a ROM verilog: </a:t>
+            </a:r>
+          </a:p>
+          <a:p>
+            <a:pPr marL="171450" indent="-171450">
+              <a:buFont typeface="Arial" panose="020B0604020202020204" pitchFamily="34" charset="0"/>
+              <a:buChar char="•"/>
+            </a:pPr>
+            <a:r>
+              <a:rPr lang="en-GB" dirty="0"/>
+              <a:t>https://</a:t>
+            </a:r>
+            <a:r>
+              <a:rPr lang="en-GB" dirty="0" err="1"/>
+              <a:t>vlsiworld-asic.blogspot.com</a:t>
+            </a:r>
+            <a:r>
+              <a:rPr lang="en-GB" dirty="0"/>
+              <a:t>/2012/02/</a:t>
+            </a:r>
+            <a:r>
+              <a:rPr lang="en-GB" dirty="0" err="1"/>
+              <a:t>verilog</a:t>
+            </a:r>
+            <a:r>
+              <a:rPr lang="en-GB" dirty="0"/>
+              <a:t>-code-for-ram-</a:t>
+            </a:r>
+            <a:r>
+              <a:rPr lang="en-GB" dirty="0" err="1"/>
+              <a:t>rom.html</a:t>
+            </a:r>
+            <a:endParaRPr lang="en-GB" dirty="0"/>
+          </a:p>
+          <a:p>
+            <a:pPr marL="171450" indent="-171450">
+              <a:buFont typeface="Arial" panose="020B0604020202020204" pitchFamily="34" charset="0"/>
+              <a:buChar char="•"/>
+            </a:pPr>
+            <a:r>
+              <a:rPr lang="en-GB"/>
+              <a:t>https</a:t>
+            </a:r>
+            <a:r>
+              <a:rPr lang="en-GB" dirty="0"/>
+              <a:t>://</a:t>
+            </a:r>
+            <a:r>
+              <a:rPr lang="en-GB" dirty="0" err="1"/>
+              <a:t>github.com</a:t>
+            </a:r>
+            <a:r>
+              <a:rPr lang="en-GB" dirty="0"/>
+              <a:t>/</a:t>
+            </a:r>
+            <a:r>
+              <a:rPr lang="en-GB" dirty="0" err="1"/>
+              <a:t>Obijuan</a:t>
+            </a:r>
+            <a:r>
+              <a:rPr lang="en-GB" dirty="0"/>
+              <a:t>/open-</a:t>
+            </a:r>
+            <a:r>
+              <a:rPr lang="en-GB" dirty="0" err="1"/>
+              <a:t>fpga</a:t>
+            </a:r>
+            <a:r>
+              <a:rPr lang="en-GB" dirty="0"/>
+              <a:t>-</a:t>
+            </a:r>
+            <a:r>
+              <a:rPr lang="en-GB" dirty="0" err="1"/>
+              <a:t>verilog</a:t>
+            </a:r>
+            <a:r>
+              <a:rPr lang="en-GB" dirty="0"/>
+              <a:t>-tutorial/wiki/Cap%C3%ADtulo-26:-Memoria-ROM</a:t>
+            </a:r>
+            <a:endParaRPr lang="en-ES" dirty="0"/>
+          </a:p>
+        </p:txBody>
+      </p:sp>
+      <p:sp>
+        <p:nvSpPr>
+          <p:cNvPr id="4" name="Slide Number Placeholder 3"/>
+          <p:cNvSpPr>
+            <a:spLocks noGrp="1"/>
+          </p:cNvSpPr>
+          <p:nvPr>
+            <p:ph type="sldNum" sz="quarter" idx="5"/>
+          </p:nvPr>
+        </p:nvSpPr>
+        <p:spPr/>
+        <p:txBody>
+          <a:bodyPr/>
+          <a:lstStyle/>
+          <a:p>
+            <a:fld id="{99A03F45-CC4C-8641-8D32-38B5EE8AEF68}" type="slidenum">
+              <a:rPr lang="en-ES" smtClean="0"/>
+              <a:t>11</a:t>
+            </a:fld>
+            <a:endParaRPr lang="en-ES"/>
+          </a:p>
+        </p:txBody>
+      </p:sp>
+    </p:spTree>
+    <p:extLst>
+      <p:ext uri="{BB962C8B-B14F-4D97-AF65-F5344CB8AC3E}">
+        <p14:creationId xmlns:p14="http://schemas.microsoft.com/office/powerpoint/2010/main" val="762639556"/>
+      </p:ext>
+    </p:extLst>
+  </p:cSld>
+  <p:clrMapOvr>
+    <a:masterClrMapping/>
+  </p:clrMapOvr>
+</p:notes>
+</file>
+
+<file path=ppt/notesSlides/notesSlide6.xml><?xml version="1.0" encoding="utf-8"?>
+<p:notes xmlns:a="http://schemas.openxmlformats.org/drawingml/2006/main" xmlns:r="http://schemas.openxmlformats.org/officeDocument/2006/relationships" xmlns:p="http://schemas.openxmlformats.org/presentationml/2006/main">
+  <p:cSld>
+    <p:spTree>
+      <p:nvGrpSpPr>
+        <p:cNvPr id="1" name=""/>
+        <p:cNvGrpSpPr/>
+        <p:nvPr/>
+      </p:nvGrpSpPr>
+      <p:grpSpPr>
+        <a:xfrm>
+          <a:off x="0" y="0"/>
+          <a:ext cx="0" cy="0"/>
+          <a:chOff x="0" y="0"/>
+          <a:chExt cx="0" cy="0"/>
+        </a:xfrm>
+      </p:grpSpPr>
+      <p:sp>
+        <p:nvSpPr>
+          <p:cNvPr id="2" name="Slide Image Placeholder 1"/>
+          <p:cNvSpPr>
+            <a:spLocks noGrp="1" noRot="1" noChangeAspect="1"/>
+          </p:cNvSpPr>
+          <p:nvPr>
+            <p:ph type="sldImg"/>
+          </p:nvPr>
+        </p:nvSpPr>
+        <p:spPr/>
+      </p:sp>
+      <p:sp>
+        <p:nvSpPr>
+          <p:cNvPr id="3" name="Notes Placeholder 2"/>
+          <p:cNvSpPr>
+            <a:spLocks noGrp="1"/>
+          </p:cNvSpPr>
+          <p:nvPr>
+            <p:ph type="body" idx="1"/>
+          </p:nvPr>
+        </p:nvSpPr>
+        <p:spPr/>
+        <p:txBody>
+          <a:bodyPr/>
+          <a:lstStyle/>
+          <a:p>
             <a:r>
               <a:rPr lang="en-ES" dirty="0"/>
               <a:t>Doubt 1: The output for the XOR modules, having an input of two 8-bit numbers, will be 8-bit or 16-bit?</a:t>
@@ -982,7 +1233,7 @@
           <a:p>
             <a:fld id="{99A03F45-CC4C-8641-8D32-38B5EE8AEF68}" type="slidenum">
               <a:rPr lang="en-ES" smtClean="0"/>
-              <a:t>16</a:t>
+              <a:t>18</a:t>
             </a:fld>
             <a:endParaRPr lang="en-ES"/>
           </a:p>
@@ -1001,7 +1252,7 @@
 </p:notes>
 </file>
 
-<file path=ppt/notesSlides/notesSlide5.xml><?xml version="1.0" encoding="utf-8"?>
+<file path=ppt/notesSlides/notesSlide7.xml><?xml version="1.0" encoding="utf-8"?>
 <p:notes xmlns:a="http://schemas.openxmlformats.org/drawingml/2006/main" xmlns:r="http://schemas.openxmlformats.org/officeDocument/2006/relationships" xmlns:p="http://schemas.openxmlformats.org/presentationml/2006/main">
   <p:cSld>
     <p:spTree>
@@ -1100,7 +1351,7 @@
           <a:p>
             <a:fld id="{99A03F45-CC4C-8641-8D32-38B5EE8AEF68}" type="slidenum">
               <a:rPr lang="en-ES" smtClean="0"/>
-              <a:t>17</a:t>
+              <a:t>19</a:t>
             </a:fld>
             <a:endParaRPr lang="en-ES"/>
           </a:p>
@@ -1119,7 +1370,7 @@
 </p:notes>
 </file>
 
-<file path=ppt/notesSlides/notesSlide6.xml><?xml version="1.0" encoding="utf-8"?>
+<file path=ppt/notesSlides/notesSlide8.xml><?xml version="1.0" encoding="utf-8"?>
 <p:notes xmlns:a="http://schemas.openxmlformats.org/drawingml/2006/main" xmlns:r="http://schemas.openxmlformats.org/officeDocument/2006/relationships" xmlns:p="http://schemas.openxmlformats.org/presentationml/2006/main">
   <p:cSld>
     <p:spTree>
@@ -1184,7 +1435,7 @@
           <a:p>
             <a:fld id="{99A03F45-CC4C-8641-8D32-38B5EE8AEF68}" type="slidenum">
               <a:rPr lang="en-ES" smtClean="0"/>
-              <a:t>18</a:t>
+              <a:t>20</a:t>
             </a:fld>
             <a:endParaRPr lang="en-ES"/>
           </a:p>
@@ -1352,7 +1603,7 @@
           <a:p>
             <a:fld id="{76969C88-B244-455D-A017-012B25B1ACDD}" type="datetimeFigureOut">
               <a:rPr lang="en-US" smtClean="0"/>
-              <a:t>8/13/21</a:t>
+              <a:t>8/15/21</a:t>
             </a:fld>
             <a:endParaRPr lang="en-US"/>
           </a:p>
@@ -1552,7 +1803,7 @@
           <a:p>
             <a:fld id="{76969C88-B244-455D-A017-012B25B1ACDD}" type="datetimeFigureOut">
               <a:rPr lang="en-US" smtClean="0"/>
-              <a:t>8/13/21</a:t>
+              <a:t>8/15/21</a:t>
             </a:fld>
             <a:endParaRPr lang="en-US"/>
           </a:p>
@@ -1762,7 +2013,7 @@
           <a:p>
             <a:fld id="{76969C88-B244-455D-A017-012B25B1ACDD}" type="datetimeFigureOut">
               <a:rPr lang="en-US" smtClean="0"/>
-              <a:t>8/13/21</a:t>
+              <a:t>8/15/21</a:t>
             </a:fld>
             <a:endParaRPr lang="en-US"/>
           </a:p>
@@ -1962,7 +2213,7 @@
           <a:p>
             <a:fld id="{76969C88-B244-455D-A017-012B25B1ACDD}" type="datetimeFigureOut">
               <a:rPr lang="en-US" smtClean="0"/>
-              <a:t>8/13/21</a:t>
+              <a:t>8/15/21</a:t>
             </a:fld>
             <a:endParaRPr lang="en-US"/>
           </a:p>
@@ -2238,7 +2489,7 @@
           <a:p>
             <a:fld id="{76969C88-B244-455D-A017-012B25B1ACDD}" type="datetimeFigureOut">
               <a:rPr lang="en-US" smtClean="0"/>
-              <a:t>8/13/21</a:t>
+              <a:t>8/15/21</a:t>
             </a:fld>
             <a:endParaRPr lang="en-US"/>
           </a:p>
@@ -2506,7 +2757,7 @@
           <a:p>
             <a:fld id="{76969C88-B244-455D-A017-012B25B1ACDD}" type="datetimeFigureOut">
               <a:rPr lang="en-US" smtClean="0"/>
-              <a:t>8/13/21</a:t>
+              <a:t>8/15/21</a:t>
             </a:fld>
             <a:endParaRPr lang="en-US"/>
           </a:p>
@@ -2921,7 +3172,7 @@
           <a:p>
             <a:fld id="{76969C88-B244-455D-A017-012B25B1ACDD}" type="datetimeFigureOut">
               <a:rPr lang="en-US" smtClean="0"/>
-              <a:t>8/13/21</a:t>
+              <a:t>8/15/21</a:t>
             </a:fld>
             <a:endParaRPr lang="en-US"/>
           </a:p>
@@ -3063,7 +3314,7 @@
           <a:p>
             <a:fld id="{76969C88-B244-455D-A017-012B25B1ACDD}" type="datetimeFigureOut">
               <a:rPr lang="en-US" smtClean="0"/>
-              <a:t>8/13/21</a:t>
+              <a:t>8/15/21</a:t>
             </a:fld>
             <a:endParaRPr lang="en-US"/>
           </a:p>
@@ -3176,7 +3427,7 @@
           <a:p>
             <a:fld id="{76969C88-B244-455D-A017-012B25B1ACDD}" type="datetimeFigureOut">
               <a:rPr lang="en-US" smtClean="0"/>
-              <a:t>8/13/21</a:t>
+              <a:t>8/15/21</a:t>
             </a:fld>
             <a:endParaRPr lang="en-US"/>
           </a:p>
@@ -3489,7 +3740,7 @@
           <a:p>
             <a:fld id="{76969C88-B244-455D-A017-012B25B1ACDD}" type="datetimeFigureOut">
               <a:rPr lang="en-US" smtClean="0"/>
-              <a:t>8/13/21</a:t>
+              <a:t>8/15/21</a:t>
             </a:fld>
             <a:endParaRPr lang="en-US"/>
           </a:p>
@@ -3778,7 +4029,7 @@
           <a:p>
             <a:fld id="{76969C88-B244-455D-A017-012B25B1ACDD}" type="datetimeFigureOut">
               <a:rPr lang="en-US" smtClean="0"/>
-              <a:t>8/13/21</a:t>
+              <a:t>8/15/21</a:t>
             </a:fld>
             <a:endParaRPr lang="en-US"/>
           </a:p>
@@ -4022,7 +4273,7 @@
             <a:fld id="{76969C88-B244-455D-A017-012B25B1ACDD}" type="datetimeFigureOut">
               <a:rPr lang="en-US" smtClean="0"/>
               <a:pPr/>
-              <a:t>8/13/21</a:t>
+              <a:t>8/15/21</a:t>
             </a:fld>
             <a:endParaRPr lang="en-US"/>
           </a:p>
@@ -4625,6 +4876,290 @@
           <p:cNvPr id="2" name="Title 1">
             <a:extLst>
               <a:ext uri="{FF2B5EF4-FFF2-40B4-BE49-F238E27FC236}">
+                <a16:creationId xmlns:a16="http://schemas.microsoft.com/office/drawing/2014/main" id="{8E81B27D-7BAB-4E43-81CC-9D387B31CEEA}"/>
+              </a:ext>
+            </a:extLst>
+          </p:cNvPr>
+          <p:cNvSpPr>
+            <a:spLocks noGrp="1"/>
+          </p:cNvSpPr>
+          <p:nvPr>
+            <p:ph type="title"/>
+          </p:nvPr>
+        </p:nvSpPr>
+        <p:spPr/>
+        <p:txBody>
+          <a:bodyPr/>
+          <a:lstStyle/>
+          <a:p>
+            <a:pPr algn="ctr"/>
+            <a:r>
+              <a:rPr lang="en-GB" dirty="0"/>
+              <a:t>Tb: successful</a:t>
+            </a:r>
+            <a:endParaRPr lang="en-ES" dirty="0"/>
+          </a:p>
+        </p:txBody>
+      </p:sp>
+      <p:pic>
+        <p:nvPicPr>
+          <p:cNvPr id="4" name="Picture 3">
+            <a:extLst>
+              <a:ext uri="{FF2B5EF4-FFF2-40B4-BE49-F238E27FC236}">
+                <a16:creationId xmlns:a16="http://schemas.microsoft.com/office/drawing/2014/main" id="{1CC4A3A3-0DC1-3049-8169-402A0B8B7DA0}"/>
+              </a:ext>
+            </a:extLst>
+          </p:cNvPr>
+          <p:cNvPicPr>
+            <a:picLocks noChangeAspect="1"/>
+          </p:cNvPicPr>
+          <p:nvPr/>
+        </p:nvPicPr>
+        <p:blipFill>
+          <a:blip r:embed="rId3"/>
+          <a:stretch>
+            <a:fillRect/>
+          </a:stretch>
+        </p:blipFill>
+        <p:spPr>
+          <a:xfrm>
+            <a:off x="850900" y="4758944"/>
+            <a:ext cx="10490200" cy="1498600"/>
+          </a:xfrm>
+          <a:prstGeom prst="rect">
+            <a:avLst/>
+          </a:prstGeom>
+        </p:spPr>
+      </p:pic>
+      <p:pic>
+        <p:nvPicPr>
+          <p:cNvPr id="5" name="Picture 4">
+            <a:extLst>
+              <a:ext uri="{FF2B5EF4-FFF2-40B4-BE49-F238E27FC236}">
+                <a16:creationId xmlns:a16="http://schemas.microsoft.com/office/drawing/2014/main" id="{6C7ACD7D-E410-FE40-961F-DD2D766E6A27}"/>
+              </a:ext>
+            </a:extLst>
+          </p:cNvPr>
+          <p:cNvPicPr>
+            <a:picLocks noChangeAspect="1"/>
+          </p:cNvPicPr>
+          <p:nvPr/>
+        </p:nvPicPr>
+        <p:blipFill>
+          <a:blip r:embed="rId4"/>
+          <a:stretch>
+            <a:fillRect/>
+          </a:stretch>
+        </p:blipFill>
+        <p:spPr>
+          <a:xfrm>
+            <a:off x="1428750" y="2411254"/>
+            <a:ext cx="9334500" cy="1460500"/>
+          </a:xfrm>
+          <a:prstGeom prst="rect">
+            <a:avLst/>
+          </a:prstGeom>
+        </p:spPr>
+      </p:pic>
+      <p:sp>
+        <p:nvSpPr>
+          <p:cNvPr id="6" name="TextBox 5">
+            <a:extLst>
+              <a:ext uri="{FF2B5EF4-FFF2-40B4-BE49-F238E27FC236}">
+                <a16:creationId xmlns:a16="http://schemas.microsoft.com/office/drawing/2014/main" id="{2157B05D-28F6-0447-BF10-A1B023EBFD64}"/>
+              </a:ext>
+            </a:extLst>
+          </p:cNvPr>
+          <p:cNvSpPr txBox="1"/>
+          <p:nvPr/>
+        </p:nvSpPr>
+        <p:spPr>
+          <a:xfrm>
+            <a:off x="850900" y="1764951"/>
+            <a:ext cx="3063240" cy="369332"/>
+          </a:xfrm>
+          <a:prstGeom prst="rect">
+            <a:avLst/>
+          </a:prstGeom>
+          <a:noFill/>
+          <a:ln>
+            <a:solidFill>
+              <a:schemeClr val="accent1"/>
+            </a:solidFill>
+          </a:ln>
+        </p:spPr>
+        <p:txBody>
+          <a:bodyPr wrap="square" rtlCol="0">
+            <a:spAutoFit/>
+          </a:bodyPr>
+          <a:lstStyle/>
+          <a:p>
+            <a:r>
+              <a:rPr lang="en-ES" dirty="0"/>
+              <a:t>ROM v1.0 (reading from file)</a:t>
+            </a:r>
+          </a:p>
+        </p:txBody>
+      </p:sp>
+      <p:sp>
+        <p:nvSpPr>
+          <p:cNvPr id="7" name="TextBox 6">
+            <a:extLst>
+              <a:ext uri="{FF2B5EF4-FFF2-40B4-BE49-F238E27FC236}">
+                <a16:creationId xmlns:a16="http://schemas.microsoft.com/office/drawing/2014/main" id="{289C0498-AC82-A648-972F-BAF8F7F457D5}"/>
+              </a:ext>
+            </a:extLst>
+          </p:cNvPr>
+          <p:cNvSpPr txBox="1"/>
+          <p:nvPr/>
+        </p:nvSpPr>
+        <p:spPr>
+          <a:xfrm>
+            <a:off x="838200" y="4184198"/>
+            <a:ext cx="3368040" cy="369332"/>
+          </a:xfrm>
+          <a:prstGeom prst="rect">
+            <a:avLst/>
+          </a:prstGeom>
+          <a:noFill/>
+          <a:ln>
+            <a:solidFill>
+              <a:schemeClr val="accent1"/>
+            </a:solidFill>
+          </a:ln>
+        </p:spPr>
+        <p:txBody>
+          <a:bodyPr wrap="square" rtlCol="0">
+            <a:spAutoFit/>
+          </a:bodyPr>
+          <a:lstStyle/>
+          <a:p>
+            <a:r>
+              <a:rPr lang="en-ES" dirty="0"/>
+              <a:t>ROM v2.0 (hardcoded Sbox table)</a:t>
+            </a:r>
+          </a:p>
+        </p:txBody>
+      </p:sp>
+    </p:spTree>
+    <p:extLst>
+      <p:ext uri="{BB962C8B-B14F-4D97-AF65-F5344CB8AC3E}">
+        <p14:creationId xmlns:p14="http://schemas.microsoft.com/office/powerpoint/2010/main" val="3020270487"/>
+      </p:ext>
+    </p:extLst>
+  </p:cSld>
+  <p:clrMapOvr>
+    <a:masterClrMapping/>
+  </p:clrMapOvr>
+</p:sld>
+</file>
+
+<file path=ppt/slides/slide11.xml><?xml version="1.0" encoding="utf-8"?>
+<p:sld xmlns:a="http://schemas.openxmlformats.org/drawingml/2006/main" xmlns:r="http://schemas.openxmlformats.org/officeDocument/2006/relationships" xmlns:p="http://schemas.openxmlformats.org/presentationml/2006/main">
+  <p:cSld>
+    <p:spTree>
+      <p:nvGrpSpPr>
+        <p:cNvPr id="1" name=""/>
+        <p:cNvGrpSpPr/>
+        <p:nvPr/>
+      </p:nvGrpSpPr>
+      <p:grpSpPr>
+        <a:xfrm>
+          <a:off x="0" y="0"/>
+          <a:ext cx="0" cy="0"/>
+          <a:chOff x="0" y="0"/>
+          <a:chExt cx="0" cy="0"/>
+        </a:xfrm>
+      </p:grpSpPr>
+      <p:sp>
+        <p:nvSpPr>
+          <p:cNvPr id="2" name="Title 1">
+            <a:extLst>
+              <a:ext uri="{FF2B5EF4-FFF2-40B4-BE49-F238E27FC236}">
+                <a16:creationId xmlns:a16="http://schemas.microsoft.com/office/drawing/2014/main" id="{DE2A2D3A-38F7-924F-A6F6-C216F3169A4E}"/>
+              </a:ext>
+            </a:extLst>
+          </p:cNvPr>
+          <p:cNvSpPr>
+            <a:spLocks noGrp="1"/>
+          </p:cNvSpPr>
+          <p:nvPr>
+            <p:ph type="title"/>
+          </p:nvPr>
+        </p:nvSpPr>
+        <p:spPr/>
+        <p:txBody>
+          <a:bodyPr/>
+          <a:lstStyle/>
+          <a:p>
+            <a:pPr algn="ctr"/>
+            <a:r>
+              <a:rPr lang="en-ES" dirty="0"/>
+              <a:t>Substitution (module, enc &amp; keygen)</a:t>
+            </a:r>
+          </a:p>
+        </p:txBody>
+      </p:sp>
+      <p:sp>
+        <p:nvSpPr>
+          <p:cNvPr id="3" name="Content Placeholder 2">
+            <a:extLst>
+              <a:ext uri="{FF2B5EF4-FFF2-40B4-BE49-F238E27FC236}">
+                <a16:creationId xmlns:a16="http://schemas.microsoft.com/office/drawing/2014/main" id="{B8228337-7EEA-4248-B5AE-AE67E1E1F152}"/>
+              </a:ext>
+            </a:extLst>
+          </p:cNvPr>
+          <p:cNvSpPr>
+            <a:spLocks noGrp="1"/>
+          </p:cNvSpPr>
+          <p:nvPr>
+            <p:ph idx="1"/>
+          </p:nvPr>
+        </p:nvSpPr>
+        <p:spPr/>
+        <p:txBody>
+          <a:bodyPr/>
+          <a:lstStyle/>
+          <a:p>
+            <a:endParaRPr lang="en-ES"/>
+          </a:p>
+        </p:txBody>
+      </p:sp>
+    </p:spTree>
+    <p:extLst>
+      <p:ext uri="{BB962C8B-B14F-4D97-AF65-F5344CB8AC3E}">
+        <p14:creationId xmlns:p14="http://schemas.microsoft.com/office/powerpoint/2010/main" val="1066385574"/>
+      </p:ext>
+    </p:extLst>
+  </p:cSld>
+  <p:clrMapOvr>
+    <a:masterClrMapping/>
+  </p:clrMapOvr>
+</p:sld>
+</file>
+
+<file path=ppt/slides/slide12.xml><?xml version="1.0" encoding="utf-8"?>
+<p:sld xmlns:a="http://schemas.openxmlformats.org/drawingml/2006/main" xmlns:r="http://schemas.openxmlformats.org/officeDocument/2006/relationships" xmlns:p="http://schemas.openxmlformats.org/presentationml/2006/main">
+  <p:cSld>
+    <p:spTree>
+      <p:nvGrpSpPr>
+        <p:cNvPr id="1" name=""/>
+        <p:cNvGrpSpPr/>
+        <p:nvPr/>
+      </p:nvGrpSpPr>
+      <p:grpSpPr>
+        <a:xfrm>
+          <a:off x="0" y="0"/>
+          <a:ext cx="0" cy="0"/>
+          <a:chOff x="0" y="0"/>
+          <a:chExt cx="0" cy="0"/>
+        </a:xfrm>
+      </p:grpSpPr>
+      <p:sp>
+        <p:nvSpPr>
+          <p:cNvPr id="2" name="Title 1">
+            <a:extLst>
+              <a:ext uri="{FF2B5EF4-FFF2-40B4-BE49-F238E27FC236}">
                 <a16:creationId xmlns:a16="http://schemas.microsoft.com/office/drawing/2014/main" id="{D8FA3B43-EFAC-114B-AAF8-0D9B06DC0A74}"/>
               </a:ext>
             </a:extLst>
@@ -4691,7 +5226,7 @@
 </p:sld>
 </file>
 
-<file path=ppt/slides/slide11.xml><?xml version="1.0" encoding="utf-8"?>
+<file path=ppt/slides/slide13.xml><?xml version="1.0" encoding="utf-8"?>
 <p:sld xmlns:a="http://schemas.openxmlformats.org/drawingml/2006/main" xmlns:r="http://schemas.openxmlformats.org/officeDocument/2006/relationships" xmlns:p="http://schemas.openxmlformats.org/presentationml/2006/main">
   <p:cSld>
     <p:spTree>
@@ -4780,7 +5315,7 @@
 </p:sld>
 </file>
 
-<file path=ppt/slides/slide12.xml><?xml version="1.0" encoding="utf-8"?>
+<file path=ppt/slides/slide14.xml><?xml version="1.0" encoding="utf-8"?>
 <p:sld xmlns:a="http://schemas.openxmlformats.org/drawingml/2006/main" xmlns:r="http://schemas.openxmlformats.org/officeDocument/2006/relationships" xmlns:p="http://schemas.openxmlformats.org/presentationml/2006/main">
   <p:cSld>
     <p:spTree>
@@ -6278,7 +6813,7 @@
 </p:sld>
 </file>
 
-<file path=ppt/slides/slide13.xml><?xml version="1.0" encoding="utf-8"?>
+<file path=ppt/slides/slide15.xml><?xml version="1.0" encoding="utf-8"?>
 <p:sld xmlns:a="http://schemas.openxmlformats.org/drawingml/2006/main" xmlns:r="http://schemas.openxmlformats.org/officeDocument/2006/relationships" xmlns:p="http://schemas.openxmlformats.org/presentationml/2006/main">
   <p:cSld>
     <p:spTree>
@@ -9028,7 +9563,7 @@
 </p:sld>
 </file>
 
-<file path=ppt/slides/slide14.xml><?xml version="1.0" encoding="utf-8"?>
+<file path=ppt/slides/slide16.xml><?xml version="1.0" encoding="utf-8"?>
 <p:sld xmlns:a="http://schemas.openxmlformats.org/drawingml/2006/main" xmlns:r="http://schemas.openxmlformats.org/officeDocument/2006/relationships" xmlns:p="http://schemas.openxmlformats.org/presentationml/2006/main">
   <p:cSld>
     <p:spTree>
@@ -12374,7 +12909,7 @@
 </p:sld>
 </file>
 
-<file path=ppt/slides/slide15.xml><?xml version="1.0" encoding="utf-8"?>
+<file path=ppt/slides/slide17.xml><?xml version="1.0" encoding="utf-8"?>
 <p:sld xmlns:a="http://schemas.openxmlformats.org/drawingml/2006/main" xmlns:r="http://schemas.openxmlformats.org/officeDocument/2006/relationships" xmlns:p="http://schemas.openxmlformats.org/presentationml/2006/main">
   <p:cSld>
     <p:spTree>
@@ -12437,7 +12972,7 @@
 </p:sld>
 </file>
 
-<file path=ppt/slides/slide16.xml><?xml version="1.0" encoding="utf-8"?>
+<file path=ppt/slides/slide18.xml><?xml version="1.0" encoding="utf-8"?>
 <p:sld xmlns:a="http://schemas.openxmlformats.org/drawingml/2006/main" xmlns:r="http://schemas.openxmlformats.org/officeDocument/2006/relationships" xmlns:p="http://schemas.openxmlformats.org/presentationml/2006/main">
   <p:cSld>
     <p:spTree>
@@ -20853,7 +21388,7 @@
 </p:sld>
 </file>
 
-<file path=ppt/slides/slide17.xml><?xml version="1.0" encoding="utf-8"?>
+<file path=ppt/slides/slide19.xml><?xml version="1.0" encoding="utf-8"?>
 <p:sld xmlns:a="http://schemas.openxmlformats.org/drawingml/2006/main" xmlns:r="http://schemas.openxmlformats.org/officeDocument/2006/relationships" xmlns:p="http://schemas.openxmlformats.org/presentationml/2006/main">
   <p:cSld>
     <p:spTree>
@@ -22027,7 +22562,71 @@
 </p:sld>
 </file>
 
-<file path=ppt/slides/slide18.xml><?xml version="1.0" encoding="utf-8"?>
+<file path=ppt/slides/slide2.xml><?xml version="1.0" encoding="utf-8"?>
+<p:sld xmlns:a="http://schemas.openxmlformats.org/drawingml/2006/main" xmlns:r="http://schemas.openxmlformats.org/officeDocument/2006/relationships" xmlns:p="http://schemas.openxmlformats.org/presentationml/2006/main">
+  <p:cSld>
+    <p:spTree>
+      <p:nvGrpSpPr>
+        <p:cNvPr id="1" name=""/>
+        <p:cNvGrpSpPr/>
+        <p:nvPr/>
+      </p:nvGrpSpPr>
+      <p:grpSpPr>
+        <a:xfrm>
+          <a:off x="0" y="0"/>
+          <a:ext cx="0" cy="0"/>
+          <a:chOff x="0" y="0"/>
+          <a:chExt cx="0" cy="0"/>
+        </a:xfrm>
+      </p:grpSpPr>
+      <p:sp>
+        <p:nvSpPr>
+          <p:cNvPr id="2" name="Title 1">
+            <a:extLst>
+              <a:ext uri="{FF2B5EF4-FFF2-40B4-BE49-F238E27FC236}">
+                <a16:creationId xmlns:a16="http://schemas.microsoft.com/office/drawing/2014/main" id="{F04B7868-4E6E-5A46-86C0-41925A37830E}"/>
+              </a:ext>
+            </a:extLst>
+          </p:cNvPr>
+          <p:cNvSpPr>
+            <a:spLocks noGrp="1"/>
+          </p:cNvSpPr>
+          <p:nvPr>
+            <p:ph type="title"/>
+          </p:nvPr>
+        </p:nvSpPr>
+        <p:spPr>
+          <a:xfrm>
+            <a:off x="762000" y="2667000"/>
+            <a:ext cx="10668000" cy="1524000"/>
+          </a:xfrm>
+        </p:spPr>
+        <p:txBody>
+          <a:bodyPr/>
+          <a:lstStyle/>
+          <a:p>
+            <a:pPr algn="ctr"/>
+            <a:r>
+              <a:rPr lang="en-ES" dirty="0"/>
+              <a:t>AES algorithm’s steps</a:t>
+            </a:r>
+          </a:p>
+        </p:txBody>
+      </p:sp>
+    </p:spTree>
+    <p:extLst>
+      <p:ext uri="{BB962C8B-B14F-4D97-AF65-F5344CB8AC3E}">
+        <p14:creationId xmlns:p14="http://schemas.microsoft.com/office/powerpoint/2010/main" val="3818424290"/>
+      </p:ext>
+    </p:extLst>
+  </p:cSld>
+  <p:clrMapOvr>
+    <a:masterClrMapping/>
+  </p:clrMapOvr>
+</p:sld>
+</file>
+
+<file path=ppt/slides/slide20.xml><?xml version="1.0" encoding="utf-8"?>
 <p:sld xmlns:a="http://schemas.openxmlformats.org/drawingml/2006/main" xmlns:r="http://schemas.openxmlformats.org/officeDocument/2006/relationships" xmlns:p="http://schemas.openxmlformats.org/presentationml/2006/main">
   <p:cSld>
     <p:spTree>
@@ -22235,7 +22834,7 @@
 </p:sld>
 </file>
 
-<file path=ppt/slides/slide19.xml><?xml version="1.0" encoding="utf-8"?>
+<file path=ppt/slides/slide21.xml><?xml version="1.0" encoding="utf-8"?>
 <p:sld xmlns:a="http://schemas.openxmlformats.org/drawingml/2006/main" xmlns:r="http://schemas.openxmlformats.org/officeDocument/2006/relationships" xmlns:p="http://schemas.openxmlformats.org/presentationml/2006/main">
   <p:cSld>
     <p:spTree>
@@ -22329,71 +22928,7 @@
 </p:sld>
 </file>
 
-<file path=ppt/slides/slide2.xml><?xml version="1.0" encoding="utf-8"?>
-<p:sld xmlns:a="http://schemas.openxmlformats.org/drawingml/2006/main" xmlns:r="http://schemas.openxmlformats.org/officeDocument/2006/relationships" xmlns:p="http://schemas.openxmlformats.org/presentationml/2006/main">
-  <p:cSld>
-    <p:spTree>
-      <p:nvGrpSpPr>
-        <p:cNvPr id="1" name=""/>
-        <p:cNvGrpSpPr/>
-        <p:nvPr/>
-      </p:nvGrpSpPr>
-      <p:grpSpPr>
-        <a:xfrm>
-          <a:off x="0" y="0"/>
-          <a:ext cx="0" cy="0"/>
-          <a:chOff x="0" y="0"/>
-          <a:chExt cx="0" cy="0"/>
-        </a:xfrm>
-      </p:grpSpPr>
-      <p:sp>
-        <p:nvSpPr>
-          <p:cNvPr id="2" name="Title 1">
-            <a:extLst>
-              <a:ext uri="{FF2B5EF4-FFF2-40B4-BE49-F238E27FC236}">
-                <a16:creationId xmlns:a16="http://schemas.microsoft.com/office/drawing/2014/main" id="{F04B7868-4E6E-5A46-86C0-41925A37830E}"/>
-              </a:ext>
-            </a:extLst>
-          </p:cNvPr>
-          <p:cNvSpPr>
-            <a:spLocks noGrp="1"/>
-          </p:cNvSpPr>
-          <p:nvPr>
-            <p:ph type="title"/>
-          </p:nvPr>
-        </p:nvSpPr>
-        <p:spPr>
-          <a:xfrm>
-            <a:off x="762000" y="2667000"/>
-            <a:ext cx="10668000" cy="1524000"/>
-          </a:xfrm>
-        </p:spPr>
-        <p:txBody>
-          <a:bodyPr/>
-          <a:lstStyle/>
-          <a:p>
-            <a:pPr algn="ctr"/>
-            <a:r>
-              <a:rPr lang="en-ES" dirty="0"/>
-              <a:t>AES algorithm’s steps</a:t>
-            </a:r>
-          </a:p>
-        </p:txBody>
-      </p:sp>
-    </p:spTree>
-    <p:extLst>
-      <p:ext uri="{BB962C8B-B14F-4D97-AF65-F5344CB8AC3E}">
-        <p14:creationId xmlns:p14="http://schemas.microsoft.com/office/powerpoint/2010/main" val="3818424290"/>
-      </p:ext>
-    </p:extLst>
-  </p:cSld>
-  <p:clrMapOvr>
-    <a:masterClrMapping/>
-  </p:clrMapOvr>
-</p:sld>
-</file>
-
-<file path=ppt/slides/slide20.xml><?xml version="1.0" encoding="utf-8"?>
+<file path=ppt/slides/slide22.xml><?xml version="1.0" encoding="utf-8"?>
 <p:sld xmlns:a="http://schemas.openxmlformats.org/drawingml/2006/main" xmlns:r="http://schemas.openxmlformats.org/officeDocument/2006/relationships" xmlns:p="http://schemas.openxmlformats.org/presentationml/2006/main">
   <p:cSld>
     <p:spTree>
@@ -25769,7 +26304,7 @@
           <p:nvPr>
             <p:extLst>
               <p:ext uri="{D42A27DB-BD31-4B8C-83A1-F6EECF244321}">
-                <p14:modId xmlns:p14="http://schemas.microsoft.com/office/powerpoint/2010/main" val="3479069125"/>
+                <p14:modId xmlns:p14="http://schemas.microsoft.com/office/powerpoint/2010/main" val="1188656228"/>
               </p:ext>
             </p:extLst>
           </p:nvPr>
@@ -25899,7 +26434,7 @@
                     <a:p>
                       <a:r>
                         <a:rPr lang="en-ES" sz="1200" dirty="0"/>
-                        <a:t>progress</a:t>
+                        <a:t>OK</a:t>
                       </a:r>
                     </a:p>
                   </a:txBody>
@@ -26226,6 +26761,10 @@
                     <a:bodyPr/>
                     <a:lstStyle/>
                     <a:p>
+                      <a:r>
+                        <a:rPr lang="en-ES" sz="1200"/>
+                        <a:t>OK</a:t>
+                      </a:r>
                       <a:endParaRPr lang="en-ES" sz="1200" dirty="0"/>
                     </a:p>
                   </a:txBody>
@@ -26383,7 +26922,10 @@
                     <a:bodyPr/>
                     <a:lstStyle/>
                     <a:p>
-                      <a:endParaRPr lang="en-ES" sz="1200" dirty="0"/>
+                      <a:r>
+                        <a:rPr lang="en-ES" sz="1200" dirty="0"/>
+                        <a:t>OK</a:t>
+                      </a:r>
                     </a:p>
                   </a:txBody>
                   <a:tcPr/>
@@ -26393,7 +26935,10 @@
                     <a:bodyPr/>
                     <a:lstStyle/>
                     <a:p>
-                      <a:endParaRPr lang="en-ES" sz="1200" dirty="0"/>
+                      <a:r>
+                        <a:rPr lang="en-ES" sz="1200" dirty="0"/>
+                        <a:t>OK</a:t>
+                      </a:r>
                     </a:p>
                   </a:txBody>
                   <a:tcPr/>
@@ -26403,7 +26948,10 @@
                     <a:bodyPr/>
                     <a:lstStyle/>
                     <a:p>
-                      <a:endParaRPr lang="en-ES" sz="1200" dirty="0"/>
+                      <a:r>
+                        <a:rPr lang="en-ES" sz="1200" dirty="0"/>
+                        <a:t>OK</a:t>
+                      </a:r>
                     </a:p>
                   </a:txBody>
                   <a:tcPr/>
@@ -26433,7 +26981,7 @@
           <p:nvPr>
             <p:extLst>
               <p:ext uri="{D42A27DB-BD31-4B8C-83A1-F6EECF244321}">
-                <p14:modId xmlns:p14="http://schemas.microsoft.com/office/powerpoint/2010/main" val="1715244745"/>
+                <p14:modId xmlns:p14="http://schemas.microsoft.com/office/powerpoint/2010/main" val="281372253"/>
               </p:ext>
             </p:extLst>
           </p:nvPr>
@@ -26626,7 +27174,7 @@
                     <a:p>
                       <a:r>
                         <a:rPr lang="en-ES" sz="1200" dirty="0"/>
-                        <a:t>progress</a:t>
+                        <a:t>OK</a:t>
                       </a:r>
                     </a:p>
                   </a:txBody>
@@ -27177,7 +27725,7 @@
             <a:pPr algn="ctr"/>
             <a:r>
               <a:rPr lang="en-ES" dirty="0"/>
-              <a:t>Substitution (module, enc &amp; keygen)</a:t>
+              <a:t>ROM (module)</a:t>
             </a:r>
           </a:p>
         </p:txBody>

--- a/ASIC_hardware_blockLevelStructure.pptx
+++ b/ASIC_hardware_blockLevelStructure.pptx
@@ -5,7 +5,7 @@
     <p:sldMasterId id="2147483700" r:id="rId1"/>
   </p:sldMasterIdLst>
   <p:notesMasterIdLst>
-    <p:notesMasterId r:id="rId24"/>
+    <p:notesMasterId r:id="rId22"/>
   </p:notesMasterIdLst>
   <p:sldIdLst>
     <p:sldId id="256" r:id="rId2"/>
@@ -18,18 +18,16 @@
     <p:sldId id="276" r:id="rId9"/>
     <p:sldId id="271" r:id="rId10"/>
     <p:sldId id="278" r:id="rId11"/>
-    <p:sldId id="277" r:id="rId12"/>
-    <p:sldId id="272" r:id="rId13"/>
-    <p:sldId id="263" r:id="rId14"/>
-    <p:sldId id="264" r:id="rId15"/>
-    <p:sldId id="261" r:id="rId16"/>
-    <p:sldId id="262" r:id="rId17"/>
-    <p:sldId id="267" r:id="rId18"/>
-    <p:sldId id="268" r:id="rId19"/>
-    <p:sldId id="269" r:id="rId20"/>
-    <p:sldId id="270" r:id="rId21"/>
-    <p:sldId id="265" r:id="rId22"/>
-    <p:sldId id="266" r:id="rId23"/>
+    <p:sldId id="263" r:id="rId12"/>
+    <p:sldId id="264" r:id="rId13"/>
+    <p:sldId id="261" r:id="rId14"/>
+    <p:sldId id="262" r:id="rId15"/>
+    <p:sldId id="267" r:id="rId16"/>
+    <p:sldId id="268" r:id="rId17"/>
+    <p:sldId id="269" r:id="rId18"/>
+    <p:sldId id="270" r:id="rId19"/>
+    <p:sldId id="265" r:id="rId20"/>
+    <p:sldId id="266" r:id="rId21"/>
   </p:sldIdLst>
   <p:sldSz cx="12192000" cy="6858000"/>
   <p:notesSz cx="6858000" cy="9144000"/>
@@ -218,7 +216,7 @@
           <a:p>
             <a:fld id="{49C78CC3-DFEA-A54D-97A6-ADF4A47AA041}" type="datetimeFigureOut">
               <a:rPr lang="en-ES" smtClean="0"/>
-              <a:t>15/8/21</a:t>
+              <a:t>18/8/21</a:t>
             </a:fld>
             <a:endParaRPr lang="en-ES"/>
           </a:p>
@@ -1046,171 +1044,6 @@
           <a:p>
             <a:r>
               <a:rPr lang="en-ES" dirty="0"/>
-              <a:t>Creating a ROM verilog: </a:t>
-            </a:r>
-          </a:p>
-          <a:p>
-            <a:pPr marL="171450" indent="-171450">
-              <a:buFont typeface="Arial" panose="020B0604020202020204" pitchFamily="34" charset="0"/>
-              <a:buChar char="•"/>
-            </a:pPr>
-            <a:r>
-              <a:rPr lang="en-GB" dirty="0"/>
-              <a:t>https://</a:t>
-            </a:r>
-            <a:r>
-              <a:rPr lang="en-GB" dirty="0" err="1"/>
-              <a:t>vlsiworld-asic.blogspot.com</a:t>
-            </a:r>
-            <a:r>
-              <a:rPr lang="en-GB" dirty="0"/>
-              <a:t>/2012/02/</a:t>
-            </a:r>
-            <a:r>
-              <a:rPr lang="en-GB" dirty="0" err="1"/>
-              <a:t>verilog</a:t>
-            </a:r>
-            <a:r>
-              <a:rPr lang="en-GB" dirty="0"/>
-              <a:t>-code-for-ram-</a:t>
-            </a:r>
-            <a:r>
-              <a:rPr lang="en-GB" dirty="0" err="1"/>
-              <a:t>rom.html</a:t>
-            </a:r>
-            <a:endParaRPr lang="en-GB" dirty="0"/>
-          </a:p>
-          <a:p>
-            <a:pPr marL="171450" indent="-171450">
-              <a:buFont typeface="Arial" panose="020B0604020202020204" pitchFamily="34" charset="0"/>
-              <a:buChar char="•"/>
-            </a:pPr>
-            <a:r>
-              <a:rPr lang="en-GB"/>
-              <a:t>https</a:t>
-            </a:r>
-            <a:r>
-              <a:rPr lang="en-GB" dirty="0"/>
-              <a:t>://</a:t>
-            </a:r>
-            <a:r>
-              <a:rPr lang="en-GB" dirty="0" err="1"/>
-              <a:t>github.com</a:t>
-            </a:r>
-            <a:r>
-              <a:rPr lang="en-GB" dirty="0"/>
-              <a:t>/</a:t>
-            </a:r>
-            <a:r>
-              <a:rPr lang="en-GB" dirty="0" err="1"/>
-              <a:t>Obijuan</a:t>
-            </a:r>
-            <a:r>
-              <a:rPr lang="en-GB" dirty="0"/>
-              <a:t>/open-</a:t>
-            </a:r>
-            <a:r>
-              <a:rPr lang="en-GB" dirty="0" err="1"/>
-              <a:t>fpga</a:t>
-            </a:r>
-            <a:r>
-              <a:rPr lang="en-GB" dirty="0"/>
-              <a:t>-</a:t>
-            </a:r>
-            <a:r>
-              <a:rPr lang="en-GB" dirty="0" err="1"/>
-              <a:t>verilog</a:t>
-            </a:r>
-            <a:r>
-              <a:rPr lang="en-GB" dirty="0"/>
-              <a:t>-tutorial/wiki/Cap%C3%ADtulo-26:-Memoria-ROM</a:t>
-            </a:r>
-            <a:endParaRPr lang="en-ES" dirty="0"/>
-          </a:p>
-        </p:txBody>
-      </p:sp>
-      <p:sp>
-        <p:nvSpPr>
-          <p:cNvPr id="4" name="Slide Number Placeholder 3"/>
-          <p:cNvSpPr>
-            <a:spLocks noGrp="1"/>
-          </p:cNvSpPr>
-          <p:nvPr>
-            <p:ph type="sldNum" sz="quarter" idx="5"/>
-          </p:nvPr>
-        </p:nvSpPr>
-        <p:spPr/>
-        <p:txBody>
-          <a:bodyPr/>
-          <a:lstStyle/>
-          <a:p>
-            <a:fld id="{99A03F45-CC4C-8641-8D32-38B5EE8AEF68}" type="slidenum">
-              <a:rPr lang="en-ES" smtClean="0"/>
-              <a:t>11</a:t>
-            </a:fld>
-            <a:endParaRPr lang="en-ES"/>
-          </a:p>
-        </p:txBody>
-      </p:sp>
-    </p:spTree>
-    <p:extLst>
-      <p:ext uri="{BB962C8B-B14F-4D97-AF65-F5344CB8AC3E}">
-        <p14:creationId xmlns:p14="http://schemas.microsoft.com/office/powerpoint/2010/main" val="762639556"/>
-      </p:ext>
-    </p:extLst>
-  </p:cSld>
-  <p:clrMapOvr>
-    <a:masterClrMapping/>
-  </p:clrMapOvr>
-</p:notes>
-</file>
-
-<file path=ppt/notesSlides/notesSlide6.xml><?xml version="1.0" encoding="utf-8"?>
-<p:notes xmlns:a="http://schemas.openxmlformats.org/drawingml/2006/main" xmlns:r="http://schemas.openxmlformats.org/officeDocument/2006/relationships" xmlns:p="http://schemas.openxmlformats.org/presentationml/2006/main">
-  <p:cSld>
-    <p:spTree>
-      <p:nvGrpSpPr>
-        <p:cNvPr id="1" name=""/>
-        <p:cNvGrpSpPr/>
-        <p:nvPr/>
-      </p:nvGrpSpPr>
-      <p:grpSpPr>
-        <a:xfrm>
-          <a:off x="0" y="0"/>
-          <a:ext cx="0" cy="0"/>
-          <a:chOff x="0" y="0"/>
-          <a:chExt cx="0" cy="0"/>
-        </a:xfrm>
-      </p:grpSpPr>
-      <p:sp>
-        <p:nvSpPr>
-          <p:cNvPr id="2" name="Slide Image Placeholder 1"/>
-          <p:cNvSpPr>
-            <a:spLocks noGrp="1" noRot="1" noChangeAspect="1"/>
-          </p:cNvSpPr>
-          <p:nvPr>
-            <p:ph type="sldImg"/>
-          </p:nvPr>
-        </p:nvSpPr>
-        <p:spPr/>
-      </p:sp>
-      <p:sp>
-        <p:nvSpPr>
-          <p:cNvPr id="3" name="Notes Placeholder 2"/>
-          <p:cNvSpPr>
-            <a:spLocks noGrp="1"/>
-          </p:cNvSpPr>
-          <p:nvPr>
-            <p:ph type="body" idx="1"/>
-          </p:nvPr>
-        </p:nvSpPr>
-        <p:spPr/>
-        <p:txBody>
-          <a:bodyPr/>
-          <a:lstStyle/>
-          <a:p>
-            <a:r>
-              <a:rPr lang="en-ES" dirty="0"/>
               <a:t>Doubt 1: The output for the XOR modules, having an input of two 8-bit numbers, will be 8-bit or 16-bit?</a:t>
             </a:r>
           </a:p>
@@ -1233,7 +1066,7 @@
           <a:p>
             <a:fld id="{99A03F45-CC4C-8641-8D32-38B5EE8AEF68}" type="slidenum">
               <a:rPr lang="en-ES" smtClean="0"/>
-              <a:t>18</a:t>
+              <a:t>16</a:t>
             </a:fld>
             <a:endParaRPr lang="en-ES"/>
           </a:p>
@@ -1252,7 +1085,7 @@
 </p:notes>
 </file>
 
-<file path=ppt/notesSlides/notesSlide7.xml><?xml version="1.0" encoding="utf-8"?>
+<file path=ppt/notesSlides/notesSlide6.xml><?xml version="1.0" encoding="utf-8"?>
 <p:notes xmlns:a="http://schemas.openxmlformats.org/drawingml/2006/main" xmlns:r="http://schemas.openxmlformats.org/officeDocument/2006/relationships" xmlns:p="http://schemas.openxmlformats.org/presentationml/2006/main">
   <p:cSld>
     <p:spTree>
@@ -1351,7 +1184,7 @@
           <a:p>
             <a:fld id="{99A03F45-CC4C-8641-8D32-38B5EE8AEF68}" type="slidenum">
               <a:rPr lang="en-ES" smtClean="0"/>
-              <a:t>19</a:t>
+              <a:t>17</a:t>
             </a:fld>
             <a:endParaRPr lang="en-ES"/>
           </a:p>
@@ -1370,7 +1203,7 @@
 </p:notes>
 </file>
 
-<file path=ppt/notesSlides/notesSlide8.xml><?xml version="1.0" encoding="utf-8"?>
+<file path=ppt/notesSlides/notesSlide7.xml><?xml version="1.0" encoding="utf-8"?>
 <p:notes xmlns:a="http://schemas.openxmlformats.org/drawingml/2006/main" xmlns:r="http://schemas.openxmlformats.org/officeDocument/2006/relationships" xmlns:p="http://schemas.openxmlformats.org/presentationml/2006/main">
   <p:cSld>
     <p:spTree>
@@ -1435,7 +1268,7 @@
           <a:p>
             <a:fld id="{99A03F45-CC4C-8641-8D32-38B5EE8AEF68}" type="slidenum">
               <a:rPr lang="en-ES" smtClean="0"/>
-              <a:t>20</a:t>
+              <a:t>18</a:t>
             </a:fld>
             <a:endParaRPr lang="en-ES"/>
           </a:p>
@@ -1603,7 +1436,7 @@
           <a:p>
             <a:fld id="{76969C88-B244-455D-A017-012B25B1ACDD}" type="datetimeFigureOut">
               <a:rPr lang="en-US" smtClean="0"/>
-              <a:t>8/15/21</a:t>
+              <a:t>8/18/21</a:t>
             </a:fld>
             <a:endParaRPr lang="en-US"/>
           </a:p>
@@ -1803,7 +1636,7 @@
           <a:p>
             <a:fld id="{76969C88-B244-455D-A017-012B25B1ACDD}" type="datetimeFigureOut">
               <a:rPr lang="en-US" smtClean="0"/>
-              <a:t>8/15/21</a:t>
+              <a:t>8/18/21</a:t>
             </a:fld>
             <a:endParaRPr lang="en-US"/>
           </a:p>
@@ -2013,7 +1846,7 @@
           <a:p>
             <a:fld id="{76969C88-B244-455D-A017-012B25B1ACDD}" type="datetimeFigureOut">
               <a:rPr lang="en-US" smtClean="0"/>
-              <a:t>8/15/21</a:t>
+              <a:t>8/18/21</a:t>
             </a:fld>
             <a:endParaRPr lang="en-US"/>
           </a:p>
@@ -2213,7 +2046,7 @@
           <a:p>
             <a:fld id="{76969C88-B244-455D-A017-012B25B1ACDD}" type="datetimeFigureOut">
               <a:rPr lang="en-US" smtClean="0"/>
-              <a:t>8/15/21</a:t>
+              <a:t>8/18/21</a:t>
             </a:fld>
             <a:endParaRPr lang="en-US"/>
           </a:p>
@@ -2489,7 +2322,7 @@
           <a:p>
             <a:fld id="{76969C88-B244-455D-A017-012B25B1ACDD}" type="datetimeFigureOut">
               <a:rPr lang="en-US" smtClean="0"/>
-              <a:t>8/15/21</a:t>
+              <a:t>8/18/21</a:t>
             </a:fld>
             <a:endParaRPr lang="en-US"/>
           </a:p>
@@ -2757,7 +2590,7 @@
           <a:p>
             <a:fld id="{76969C88-B244-455D-A017-012B25B1ACDD}" type="datetimeFigureOut">
               <a:rPr lang="en-US" smtClean="0"/>
-              <a:t>8/15/21</a:t>
+              <a:t>8/18/21</a:t>
             </a:fld>
             <a:endParaRPr lang="en-US"/>
           </a:p>
@@ -3172,7 +3005,7 @@
           <a:p>
             <a:fld id="{76969C88-B244-455D-A017-012B25B1ACDD}" type="datetimeFigureOut">
               <a:rPr lang="en-US" smtClean="0"/>
-              <a:t>8/15/21</a:t>
+              <a:t>8/18/21</a:t>
             </a:fld>
             <a:endParaRPr lang="en-US"/>
           </a:p>
@@ -3314,7 +3147,7 @@
           <a:p>
             <a:fld id="{76969C88-B244-455D-A017-012B25B1ACDD}" type="datetimeFigureOut">
               <a:rPr lang="en-US" smtClean="0"/>
-              <a:t>8/15/21</a:t>
+              <a:t>8/18/21</a:t>
             </a:fld>
             <a:endParaRPr lang="en-US"/>
           </a:p>
@@ -3427,7 +3260,7 @@
           <a:p>
             <a:fld id="{76969C88-B244-455D-A017-012B25B1ACDD}" type="datetimeFigureOut">
               <a:rPr lang="en-US" smtClean="0"/>
-              <a:t>8/15/21</a:t>
+              <a:t>8/18/21</a:t>
             </a:fld>
             <a:endParaRPr lang="en-US"/>
           </a:p>
@@ -3740,7 +3573,7 @@
           <a:p>
             <a:fld id="{76969C88-B244-455D-A017-012B25B1ACDD}" type="datetimeFigureOut">
               <a:rPr lang="en-US" smtClean="0"/>
-              <a:t>8/15/21</a:t>
+              <a:t>8/18/21</a:t>
             </a:fld>
             <a:endParaRPr lang="en-US"/>
           </a:p>
@@ -4029,7 +3862,7 @@
           <a:p>
             <a:fld id="{76969C88-B244-455D-A017-012B25B1ACDD}" type="datetimeFigureOut">
               <a:rPr lang="en-US" smtClean="0"/>
-              <a:t>8/15/21</a:t>
+              <a:t>8/18/21</a:t>
             </a:fld>
             <a:endParaRPr lang="en-US"/>
           </a:p>
@@ -4273,7 +4106,7 @@
             <a:fld id="{76969C88-B244-455D-A017-012B25B1ACDD}" type="datetimeFigureOut">
               <a:rPr lang="en-US" smtClean="0"/>
               <a:pPr/>
-              <a:t>8/15/21</a:t>
+              <a:t>8/18/21</a:t>
             </a:fld>
             <a:endParaRPr lang="en-US"/>
           </a:p>
@@ -4903,10 +4736,10 @@
       </p:sp>
       <p:pic>
         <p:nvPicPr>
-          <p:cNvPr id="4" name="Picture 3">
+          <p:cNvPr id="5" name="Picture 4">
             <a:extLst>
               <a:ext uri="{FF2B5EF4-FFF2-40B4-BE49-F238E27FC236}">
-                <a16:creationId xmlns:a16="http://schemas.microsoft.com/office/drawing/2014/main" id="{1CC4A3A3-0DC1-3049-8169-402A0B8B7DA0}"/>
+                <a16:creationId xmlns:a16="http://schemas.microsoft.com/office/drawing/2014/main" id="{6C7ACD7D-E410-FE40-961F-DD2D766E6A27}"/>
               </a:ext>
             </a:extLst>
           </p:cNvPr>
@@ -4923,37 +4756,7 @@
         </p:blipFill>
         <p:spPr>
           <a:xfrm>
-            <a:off x="850900" y="4758944"/>
-            <a:ext cx="10490200" cy="1498600"/>
-          </a:xfrm>
-          <a:prstGeom prst="rect">
-            <a:avLst/>
-          </a:prstGeom>
-        </p:spPr>
-      </p:pic>
-      <p:pic>
-        <p:nvPicPr>
-          <p:cNvPr id="5" name="Picture 4">
-            <a:extLst>
-              <a:ext uri="{FF2B5EF4-FFF2-40B4-BE49-F238E27FC236}">
-                <a16:creationId xmlns:a16="http://schemas.microsoft.com/office/drawing/2014/main" id="{6C7ACD7D-E410-FE40-961F-DD2D766E6A27}"/>
-              </a:ext>
-            </a:extLst>
-          </p:cNvPr>
-          <p:cNvPicPr>
-            <a:picLocks noChangeAspect="1"/>
-          </p:cNvPicPr>
-          <p:nvPr/>
-        </p:nvPicPr>
-        <p:blipFill>
-          <a:blip r:embed="rId4"/>
-          <a:stretch>
-            <a:fillRect/>
-          </a:stretch>
-        </p:blipFill>
-        <p:spPr>
-          <a:xfrm>
-            <a:off x="1428750" y="2411254"/>
+            <a:off x="1602004" y="2921393"/>
             <a:ext cx="9334500" cy="1460500"/>
           </a:xfrm>
           <a:prstGeom prst="rect">
@@ -4975,7 +4778,7 @@
         </p:nvSpPr>
         <p:spPr>
           <a:xfrm>
-            <a:off x="850900" y="1764951"/>
+            <a:off x="1024154" y="2275090"/>
             <a:ext cx="3063240" cy="369332"/>
           </a:xfrm>
           <a:prstGeom prst="rect">
@@ -4997,46 +4800,6 @@
             <a:r>
               <a:rPr lang="en-ES" dirty="0"/>
               <a:t>ROM v1.0 (reading from file)</a:t>
-            </a:r>
-          </a:p>
-        </p:txBody>
-      </p:sp>
-      <p:sp>
-        <p:nvSpPr>
-          <p:cNvPr id="7" name="TextBox 6">
-            <a:extLst>
-              <a:ext uri="{FF2B5EF4-FFF2-40B4-BE49-F238E27FC236}">
-                <a16:creationId xmlns:a16="http://schemas.microsoft.com/office/drawing/2014/main" id="{289C0498-AC82-A648-972F-BAF8F7F457D5}"/>
-              </a:ext>
-            </a:extLst>
-          </p:cNvPr>
-          <p:cNvSpPr txBox="1"/>
-          <p:nvPr/>
-        </p:nvSpPr>
-        <p:spPr>
-          <a:xfrm>
-            <a:off x="838200" y="4184198"/>
-            <a:ext cx="3368040" cy="369332"/>
-          </a:xfrm>
-          <a:prstGeom prst="rect">
-            <a:avLst/>
-          </a:prstGeom>
-          <a:noFill/>
-          <a:ln>
-            <a:solidFill>
-              <a:schemeClr val="accent1"/>
-            </a:solidFill>
-          </a:ln>
-        </p:spPr>
-        <p:txBody>
-          <a:bodyPr wrap="square" rtlCol="0">
-            <a:spAutoFit/>
-          </a:bodyPr>
-          <a:lstStyle/>
-          <a:p>
-            <a:r>
-              <a:rPr lang="en-ES" dirty="0"/>
-              <a:t>ROM v2.0 (hardcoded Sbox table)</a:t>
             </a:r>
           </a:p>
         </p:txBody>
@@ -5055,178 +4818,6 @@
 </file>
 
 <file path=ppt/slides/slide11.xml><?xml version="1.0" encoding="utf-8"?>
-<p:sld xmlns:a="http://schemas.openxmlformats.org/drawingml/2006/main" xmlns:r="http://schemas.openxmlformats.org/officeDocument/2006/relationships" xmlns:p="http://schemas.openxmlformats.org/presentationml/2006/main">
-  <p:cSld>
-    <p:spTree>
-      <p:nvGrpSpPr>
-        <p:cNvPr id="1" name=""/>
-        <p:cNvGrpSpPr/>
-        <p:nvPr/>
-      </p:nvGrpSpPr>
-      <p:grpSpPr>
-        <a:xfrm>
-          <a:off x="0" y="0"/>
-          <a:ext cx="0" cy="0"/>
-          <a:chOff x="0" y="0"/>
-          <a:chExt cx="0" cy="0"/>
-        </a:xfrm>
-      </p:grpSpPr>
-      <p:sp>
-        <p:nvSpPr>
-          <p:cNvPr id="2" name="Title 1">
-            <a:extLst>
-              <a:ext uri="{FF2B5EF4-FFF2-40B4-BE49-F238E27FC236}">
-                <a16:creationId xmlns:a16="http://schemas.microsoft.com/office/drawing/2014/main" id="{DE2A2D3A-38F7-924F-A6F6-C216F3169A4E}"/>
-              </a:ext>
-            </a:extLst>
-          </p:cNvPr>
-          <p:cNvSpPr>
-            <a:spLocks noGrp="1"/>
-          </p:cNvSpPr>
-          <p:nvPr>
-            <p:ph type="title"/>
-          </p:nvPr>
-        </p:nvSpPr>
-        <p:spPr/>
-        <p:txBody>
-          <a:bodyPr/>
-          <a:lstStyle/>
-          <a:p>
-            <a:pPr algn="ctr"/>
-            <a:r>
-              <a:rPr lang="en-ES" dirty="0"/>
-              <a:t>Substitution (module, enc &amp; keygen)</a:t>
-            </a:r>
-          </a:p>
-        </p:txBody>
-      </p:sp>
-      <p:sp>
-        <p:nvSpPr>
-          <p:cNvPr id="3" name="Content Placeholder 2">
-            <a:extLst>
-              <a:ext uri="{FF2B5EF4-FFF2-40B4-BE49-F238E27FC236}">
-                <a16:creationId xmlns:a16="http://schemas.microsoft.com/office/drawing/2014/main" id="{B8228337-7EEA-4248-B5AE-AE67E1E1F152}"/>
-              </a:ext>
-            </a:extLst>
-          </p:cNvPr>
-          <p:cNvSpPr>
-            <a:spLocks noGrp="1"/>
-          </p:cNvSpPr>
-          <p:nvPr>
-            <p:ph idx="1"/>
-          </p:nvPr>
-        </p:nvSpPr>
-        <p:spPr/>
-        <p:txBody>
-          <a:bodyPr/>
-          <a:lstStyle/>
-          <a:p>
-            <a:endParaRPr lang="en-ES"/>
-          </a:p>
-        </p:txBody>
-      </p:sp>
-    </p:spTree>
-    <p:extLst>
-      <p:ext uri="{BB962C8B-B14F-4D97-AF65-F5344CB8AC3E}">
-        <p14:creationId xmlns:p14="http://schemas.microsoft.com/office/powerpoint/2010/main" val="1066385574"/>
-      </p:ext>
-    </p:extLst>
-  </p:cSld>
-  <p:clrMapOvr>
-    <a:masterClrMapping/>
-  </p:clrMapOvr>
-</p:sld>
-</file>
-
-<file path=ppt/slides/slide12.xml><?xml version="1.0" encoding="utf-8"?>
-<p:sld xmlns:a="http://schemas.openxmlformats.org/drawingml/2006/main" xmlns:r="http://schemas.openxmlformats.org/officeDocument/2006/relationships" xmlns:p="http://schemas.openxmlformats.org/presentationml/2006/main">
-  <p:cSld>
-    <p:spTree>
-      <p:nvGrpSpPr>
-        <p:cNvPr id="1" name=""/>
-        <p:cNvGrpSpPr/>
-        <p:nvPr/>
-      </p:nvGrpSpPr>
-      <p:grpSpPr>
-        <a:xfrm>
-          <a:off x="0" y="0"/>
-          <a:ext cx="0" cy="0"/>
-          <a:chOff x="0" y="0"/>
-          <a:chExt cx="0" cy="0"/>
-        </a:xfrm>
-      </p:grpSpPr>
-      <p:sp>
-        <p:nvSpPr>
-          <p:cNvPr id="2" name="Title 1">
-            <a:extLst>
-              <a:ext uri="{FF2B5EF4-FFF2-40B4-BE49-F238E27FC236}">
-                <a16:creationId xmlns:a16="http://schemas.microsoft.com/office/drawing/2014/main" id="{D8FA3B43-EFAC-114B-AAF8-0D9B06DC0A74}"/>
-              </a:ext>
-            </a:extLst>
-          </p:cNvPr>
-          <p:cNvSpPr>
-            <a:spLocks noGrp="1"/>
-          </p:cNvSpPr>
-          <p:nvPr>
-            <p:ph type="title"/>
-          </p:nvPr>
-        </p:nvSpPr>
-        <p:spPr/>
-        <p:txBody>
-          <a:bodyPr/>
-          <a:lstStyle/>
-          <a:p>
-            <a:pPr algn="ctr"/>
-            <a:r>
-              <a:rPr lang="en-GB" dirty="0"/>
-              <a:t>t</a:t>
-            </a:r>
-            <a:r>
-              <a:rPr lang="en-ES" dirty="0"/>
-              <a:t>b: SUCCESSFUL</a:t>
-            </a:r>
-          </a:p>
-        </p:txBody>
-      </p:sp>
-      <p:sp>
-        <p:nvSpPr>
-          <p:cNvPr id="3" name="Content Placeholder 2">
-            <a:extLst>
-              <a:ext uri="{FF2B5EF4-FFF2-40B4-BE49-F238E27FC236}">
-                <a16:creationId xmlns:a16="http://schemas.microsoft.com/office/drawing/2014/main" id="{BB75D145-0C92-C64A-8DFB-3EF1E1BD9D43}"/>
-              </a:ext>
-            </a:extLst>
-          </p:cNvPr>
-          <p:cNvSpPr>
-            <a:spLocks noGrp="1"/>
-          </p:cNvSpPr>
-          <p:nvPr>
-            <p:ph idx="1"/>
-          </p:nvPr>
-        </p:nvSpPr>
-        <p:spPr/>
-        <p:txBody>
-          <a:bodyPr/>
-          <a:lstStyle/>
-          <a:p>
-            <a:endParaRPr lang="en-ES"/>
-          </a:p>
-        </p:txBody>
-      </p:sp>
-    </p:spTree>
-    <p:extLst>
-      <p:ext uri="{BB962C8B-B14F-4D97-AF65-F5344CB8AC3E}">
-        <p14:creationId xmlns:p14="http://schemas.microsoft.com/office/powerpoint/2010/main" val="980712982"/>
-      </p:ext>
-    </p:extLst>
-  </p:cSld>
-  <p:clrMapOvr>
-    <a:masterClrMapping/>
-  </p:clrMapOvr>
-</p:sld>
-</file>
-
-<file path=ppt/slides/slide13.xml><?xml version="1.0" encoding="utf-8"?>
 <p:sld xmlns:a="http://schemas.openxmlformats.org/drawingml/2006/main" xmlns:r="http://schemas.openxmlformats.org/officeDocument/2006/relationships" xmlns:p="http://schemas.openxmlformats.org/presentationml/2006/main">
   <p:cSld>
     <p:spTree>
@@ -5286,16 +4877,15 @@
           </p:cNvPicPr>
           <p:nvPr/>
         </p:nvPicPr>
-        <p:blipFill>
+        <p:blipFill rotWithShape="1">
           <a:blip r:embed="rId2"/>
-          <a:stretch>
-            <a:fillRect/>
-          </a:stretch>
+          <a:srcRect t="14978" b="11649"/>
+          <a:stretch/>
         </p:blipFill>
         <p:spPr>
           <a:xfrm>
-            <a:off x="2383189" y="1610679"/>
-            <a:ext cx="7425621" cy="5247321"/>
+            <a:off x="2383189" y="1886552"/>
+            <a:ext cx="7425621" cy="3850105"/>
           </a:xfrm>
           <a:prstGeom prst="rect">
             <a:avLst/>
@@ -5315,7 +4905,7 @@
 </p:sld>
 </file>
 
-<file path=ppt/slides/slide14.xml><?xml version="1.0" encoding="utf-8"?>
+<file path=ppt/slides/slide12.xml><?xml version="1.0" encoding="utf-8"?>
 <p:sld xmlns:a="http://schemas.openxmlformats.org/drawingml/2006/main" xmlns:r="http://schemas.openxmlformats.org/officeDocument/2006/relationships" xmlns:p="http://schemas.openxmlformats.org/presentationml/2006/main">
   <p:cSld>
     <p:spTree>
@@ -6813,7 +6403,7 @@
 </p:sld>
 </file>
 
-<file path=ppt/slides/slide15.xml><?xml version="1.0" encoding="utf-8"?>
+<file path=ppt/slides/slide13.xml><?xml version="1.0" encoding="utf-8"?>
 <p:sld xmlns:a="http://schemas.openxmlformats.org/drawingml/2006/main" xmlns:r="http://schemas.openxmlformats.org/officeDocument/2006/relationships" xmlns:p="http://schemas.openxmlformats.org/presentationml/2006/main">
   <p:cSld>
     <p:spTree>
@@ -9563,7 +9153,7 @@
 </p:sld>
 </file>
 
-<file path=ppt/slides/slide16.xml><?xml version="1.0" encoding="utf-8"?>
+<file path=ppt/slides/slide14.xml><?xml version="1.0" encoding="utf-8"?>
 <p:sld xmlns:a="http://schemas.openxmlformats.org/drawingml/2006/main" xmlns:r="http://schemas.openxmlformats.org/officeDocument/2006/relationships" xmlns:p="http://schemas.openxmlformats.org/presentationml/2006/main">
   <p:cSld>
     <p:spTree>
@@ -12909,7 +12499,7 @@
 </p:sld>
 </file>
 
-<file path=ppt/slides/slide17.xml><?xml version="1.0" encoding="utf-8"?>
+<file path=ppt/slides/slide15.xml><?xml version="1.0" encoding="utf-8"?>
 <p:sld xmlns:a="http://schemas.openxmlformats.org/drawingml/2006/main" xmlns:r="http://schemas.openxmlformats.org/officeDocument/2006/relationships" xmlns:p="http://schemas.openxmlformats.org/presentationml/2006/main">
   <p:cSld>
     <p:spTree>
@@ -12972,7 +12562,7 @@
 </p:sld>
 </file>
 
-<file path=ppt/slides/slide18.xml><?xml version="1.0" encoding="utf-8"?>
+<file path=ppt/slides/slide16.xml><?xml version="1.0" encoding="utf-8"?>
 <p:sld xmlns:a="http://schemas.openxmlformats.org/drawingml/2006/main" xmlns:r="http://schemas.openxmlformats.org/officeDocument/2006/relationships" xmlns:p="http://schemas.openxmlformats.org/presentationml/2006/main">
   <p:cSld>
     <p:spTree>
@@ -21388,7 +20978,7 @@
 </p:sld>
 </file>
 
-<file path=ppt/slides/slide19.xml><?xml version="1.0" encoding="utf-8"?>
+<file path=ppt/slides/slide17.xml><?xml version="1.0" encoding="utf-8"?>
 <p:sld xmlns:a="http://schemas.openxmlformats.org/drawingml/2006/main" xmlns:r="http://schemas.openxmlformats.org/officeDocument/2006/relationships" xmlns:p="http://schemas.openxmlformats.org/presentationml/2006/main">
   <p:cSld>
     <p:spTree>
@@ -22562,71 +22152,7 @@
 </p:sld>
 </file>
 
-<file path=ppt/slides/slide2.xml><?xml version="1.0" encoding="utf-8"?>
-<p:sld xmlns:a="http://schemas.openxmlformats.org/drawingml/2006/main" xmlns:r="http://schemas.openxmlformats.org/officeDocument/2006/relationships" xmlns:p="http://schemas.openxmlformats.org/presentationml/2006/main">
-  <p:cSld>
-    <p:spTree>
-      <p:nvGrpSpPr>
-        <p:cNvPr id="1" name=""/>
-        <p:cNvGrpSpPr/>
-        <p:nvPr/>
-      </p:nvGrpSpPr>
-      <p:grpSpPr>
-        <a:xfrm>
-          <a:off x="0" y="0"/>
-          <a:ext cx="0" cy="0"/>
-          <a:chOff x="0" y="0"/>
-          <a:chExt cx="0" cy="0"/>
-        </a:xfrm>
-      </p:grpSpPr>
-      <p:sp>
-        <p:nvSpPr>
-          <p:cNvPr id="2" name="Title 1">
-            <a:extLst>
-              <a:ext uri="{FF2B5EF4-FFF2-40B4-BE49-F238E27FC236}">
-                <a16:creationId xmlns:a16="http://schemas.microsoft.com/office/drawing/2014/main" id="{F04B7868-4E6E-5A46-86C0-41925A37830E}"/>
-              </a:ext>
-            </a:extLst>
-          </p:cNvPr>
-          <p:cNvSpPr>
-            <a:spLocks noGrp="1"/>
-          </p:cNvSpPr>
-          <p:nvPr>
-            <p:ph type="title"/>
-          </p:nvPr>
-        </p:nvSpPr>
-        <p:spPr>
-          <a:xfrm>
-            <a:off x="762000" y="2667000"/>
-            <a:ext cx="10668000" cy="1524000"/>
-          </a:xfrm>
-        </p:spPr>
-        <p:txBody>
-          <a:bodyPr/>
-          <a:lstStyle/>
-          <a:p>
-            <a:pPr algn="ctr"/>
-            <a:r>
-              <a:rPr lang="en-ES" dirty="0"/>
-              <a:t>AES algorithm’s steps</a:t>
-            </a:r>
-          </a:p>
-        </p:txBody>
-      </p:sp>
-    </p:spTree>
-    <p:extLst>
-      <p:ext uri="{BB962C8B-B14F-4D97-AF65-F5344CB8AC3E}">
-        <p14:creationId xmlns:p14="http://schemas.microsoft.com/office/powerpoint/2010/main" val="3818424290"/>
-      </p:ext>
-    </p:extLst>
-  </p:cSld>
-  <p:clrMapOvr>
-    <a:masterClrMapping/>
-  </p:clrMapOvr>
-</p:sld>
-</file>
-
-<file path=ppt/slides/slide20.xml><?xml version="1.0" encoding="utf-8"?>
+<file path=ppt/slides/slide18.xml><?xml version="1.0" encoding="utf-8"?>
 <p:sld xmlns:a="http://schemas.openxmlformats.org/drawingml/2006/main" xmlns:r="http://schemas.openxmlformats.org/officeDocument/2006/relationships" xmlns:p="http://schemas.openxmlformats.org/presentationml/2006/main">
   <p:cSld>
     <p:spTree>
@@ -22834,7 +22360,7 @@
 </p:sld>
 </file>
 
-<file path=ppt/slides/slide21.xml><?xml version="1.0" encoding="utf-8"?>
+<file path=ppt/slides/slide19.xml><?xml version="1.0" encoding="utf-8"?>
 <p:sld xmlns:a="http://schemas.openxmlformats.org/drawingml/2006/main" xmlns:r="http://schemas.openxmlformats.org/officeDocument/2006/relationships" xmlns:p="http://schemas.openxmlformats.org/presentationml/2006/main">
   <p:cSld>
     <p:spTree>
@@ -22928,7 +22454,71 @@
 </p:sld>
 </file>
 
-<file path=ppt/slides/slide22.xml><?xml version="1.0" encoding="utf-8"?>
+<file path=ppt/slides/slide2.xml><?xml version="1.0" encoding="utf-8"?>
+<p:sld xmlns:a="http://schemas.openxmlformats.org/drawingml/2006/main" xmlns:r="http://schemas.openxmlformats.org/officeDocument/2006/relationships" xmlns:p="http://schemas.openxmlformats.org/presentationml/2006/main">
+  <p:cSld>
+    <p:spTree>
+      <p:nvGrpSpPr>
+        <p:cNvPr id="1" name=""/>
+        <p:cNvGrpSpPr/>
+        <p:nvPr/>
+      </p:nvGrpSpPr>
+      <p:grpSpPr>
+        <a:xfrm>
+          <a:off x="0" y="0"/>
+          <a:ext cx="0" cy="0"/>
+          <a:chOff x="0" y="0"/>
+          <a:chExt cx="0" cy="0"/>
+        </a:xfrm>
+      </p:grpSpPr>
+      <p:sp>
+        <p:nvSpPr>
+          <p:cNvPr id="2" name="Title 1">
+            <a:extLst>
+              <a:ext uri="{FF2B5EF4-FFF2-40B4-BE49-F238E27FC236}">
+                <a16:creationId xmlns:a16="http://schemas.microsoft.com/office/drawing/2014/main" id="{F04B7868-4E6E-5A46-86C0-41925A37830E}"/>
+              </a:ext>
+            </a:extLst>
+          </p:cNvPr>
+          <p:cNvSpPr>
+            <a:spLocks noGrp="1"/>
+          </p:cNvSpPr>
+          <p:nvPr>
+            <p:ph type="title"/>
+          </p:nvPr>
+        </p:nvSpPr>
+        <p:spPr>
+          <a:xfrm>
+            <a:off x="762000" y="2667000"/>
+            <a:ext cx="10668000" cy="1524000"/>
+          </a:xfrm>
+        </p:spPr>
+        <p:txBody>
+          <a:bodyPr/>
+          <a:lstStyle/>
+          <a:p>
+            <a:pPr algn="ctr"/>
+            <a:r>
+              <a:rPr lang="en-ES" dirty="0"/>
+              <a:t>AES algorithm’s steps</a:t>
+            </a:r>
+          </a:p>
+        </p:txBody>
+      </p:sp>
+    </p:spTree>
+    <p:extLst>
+      <p:ext uri="{BB962C8B-B14F-4D97-AF65-F5344CB8AC3E}">
+        <p14:creationId xmlns:p14="http://schemas.microsoft.com/office/powerpoint/2010/main" val="3818424290"/>
+      </p:ext>
+    </p:extLst>
+  </p:cSld>
+  <p:clrMapOvr>
+    <a:masterClrMapping/>
+  </p:clrMapOvr>
+</p:sld>
+</file>
+
+<file path=ppt/slides/slide20.xml><?xml version="1.0" encoding="utf-8"?>
 <p:sld xmlns:a="http://schemas.openxmlformats.org/drawingml/2006/main" xmlns:r="http://schemas.openxmlformats.org/officeDocument/2006/relationships" xmlns:p="http://schemas.openxmlformats.org/presentationml/2006/main">
   <p:cSld>
     <p:spTree>
@@ -27577,11 +27167,40 @@
             <a:pPr algn="ctr"/>
             <a:r>
               <a:rPr lang="en-ES" dirty="0"/>
-              <a:t>16-bit register</a:t>
+              <a:t>16-byte register</a:t>
             </a:r>
           </a:p>
         </p:txBody>
       </p:sp>
+      <p:pic>
+        <p:nvPicPr>
+          <p:cNvPr id="4" name="Picture 3" descr="Diagram&#10;&#10;Description automatically generated">
+            <a:extLst>
+              <a:ext uri="{FF2B5EF4-FFF2-40B4-BE49-F238E27FC236}">
+                <a16:creationId xmlns:a16="http://schemas.microsoft.com/office/drawing/2014/main" id="{F37B9F55-B261-7545-AF79-BF7808B803DD}"/>
+              </a:ext>
+            </a:extLst>
+          </p:cNvPr>
+          <p:cNvPicPr>
+            <a:picLocks noChangeAspect="1"/>
+          </p:cNvPicPr>
+          <p:nvPr/>
+        </p:nvPicPr>
+        <p:blipFill rotWithShape="1">
+          <a:blip r:embed="rId3"/>
+          <a:srcRect l="17833" t="30035" r="16410" b="29404"/>
+          <a:stretch/>
+        </p:blipFill>
+        <p:spPr>
+          <a:xfrm>
+            <a:off x="2905225" y="2038149"/>
+            <a:ext cx="6381550" cy="2781701"/>
+          </a:xfrm>
+          <a:prstGeom prst="rect">
+            <a:avLst/>
+          </a:prstGeom>
+        </p:spPr>
+      </p:pic>
     </p:spTree>
     <p:extLst>
       <p:ext uri="{BB962C8B-B14F-4D97-AF65-F5344CB8AC3E}">
@@ -27730,31 +27349,35 @@
           </a:p>
         </p:txBody>
       </p:sp>
-      <p:sp>
-        <p:nvSpPr>
-          <p:cNvPr id="3" name="Content Placeholder 2">
+      <p:pic>
+        <p:nvPicPr>
+          <p:cNvPr id="5" name="Picture 4" descr="Diagram&#10;&#10;Description automatically generated">
             <a:extLst>
               <a:ext uri="{FF2B5EF4-FFF2-40B4-BE49-F238E27FC236}">
-                <a16:creationId xmlns:a16="http://schemas.microsoft.com/office/drawing/2014/main" id="{B8228337-7EEA-4248-B5AE-AE67E1E1F152}"/>
+                <a16:creationId xmlns:a16="http://schemas.microsoft.com/office/drawing/2014/main" id="{FC27BCC1-7581-AF45-A6AB-08D550857C95}"/>
               </a:ext>
             </a:extLst>
           </p:cNvPr>
-          <p:cNvSpPr>
-            <a:spLocks noGrp="1"/>
-          </p:cNvSpPr>
-          <p:nvPr>
-            <p:ph idx="1"/>
-          </p:nvPr>
-        </p:nvSpPr>
-        <p:spPr/>
-        <p:txBody>
-          <a:bodyPr/>
-          <a:lstStyle/>
-          <a:p>
-            <a:endParaRPr lang="en-ES"/>
-          </a:p>
-        </p:txBody>
-      </p:sp>
+          <p:cNvPicPr>
+            <a:picLocks noChangeAspect="1"/>
+          </p:cNvPicPr>
+          <p:nvPr/>
+        </p:nvPicPr>
+        <p:blipFill rotWithShape="1">
+          <a:blip r:embed="rId3"/>
+          <a:srcRect l="29139" t="16842" r="28511" b="31789"/>
+          <a:stretch/>
+        </p:blipFill>
+        <p:spPr>
+          <a:xfrm>
+            <a:off x="4041005" y="1925053"/>
+            <a:ext cx="4109989" cy="3522846"/>
+          </a:xfrm>
+          <a:prstGeom prst="rect">
+            <a:avLst/>
+          </a:prstGeom>
+        </p:spPr>
+      </p:pic>
     </p:spTree>
     <p:extLst>
       <p:ext uri="{BB962C8B-B14F-4D97-AF65-F5344CB8AC3E}">

--- a/ASIC_hardware_blockLevelStructure.pptx
+++ b/ASIC_hardware_blockLevelStructure.pptx
@@ -5,7 +5,7 @@
     <p:sldMasterId id="2147483700" r:id="rId1"/>
   </p:sldMasterIdLst>
   <p:notesMasterIdLst>
-    <p:notesMasterId r:id="rId22"/>
+    <p:notesMasterId r:id="rId23"/>
   </p:notesMasterIdLst>
   <p:sldIdLst>
     <p:sldId id="256" r:id="rId2"/>
@@ -14,20 +14,21 @@
     <p:sldId id="257" r:id="rId5"/>
     <p:sldId id="260" r:id="rId6"/>
     <p:sldId id="274" r:id="rId7"/>
-    <p:sldId id="275" r:id="rId8"/>
-    <p:sldId id="276" r:id="rId9"/>
-    <p:sldId id="271" r:id="rId10"/>
-    <p:sldId id="278" r:id="rId11"/>
-    <p:sldId id="263" r:id="rId12"/>
-    <p:sldId id="264" r:id="rId13"/>
-    <p:sldId id="261" r:id="rId14"/>
-    <p:sldId id="262" r:id="rId15"/>
-    <p:sldId id="267" r:id="rId16"/>
-    <p:sldId id="268" r:id="rId17"/>
-    <p:sldId id="269" r:id="rId18"/>
-    <p:sldId id="270" r:id="rId19"/>
-    <p:sldId id="265" r:id="rId20"/>
-    <p:sldId id="266" r:id="rId21"/>
+    <p:sldId id="279" r:id="rId8"/>
+    <p:sldId id="275" r:id="rId9"/>
+    <p:sldId id="276" r:id="rId10"/>
+    <p:sldId id="271" r:id="rId11"/>
+    <p:sldId id="278" r:id="rId12"/>
+    <p:sldId id="263" r:id="rId13"/>
+    <p:sldId id="264" r:id="rId14"/>
+    <p:sldId id="261" r:id="rId15"/>
+    <p:sldId id="262" r:id="rId16"/>
+    <p:sldId id="267" r:id="rId17"/>
+    <p:sldId id="268" r:id="rId18"/>
+    <p:sldId id="269" r:id="rId19"/>
+    <p:sldId id="270" r:id="rId20"/>
+    <p:sldId id="265" r:id="rId21"/>
+    <p:sldId id="266" r:id="rId22"/>
   </p:sldIdLst>
   <p:sldSz cx="12192000" cy="6858000"/>
   <p:notesSz cx="6858000" cy="9144000"/>
@@ -134,6 +135,32 @@
 </p:presentation>
 </file>
 
+<file path=ppt/commentAuthors.xml><?xml version="1.0" encoding="utf-8"?>
+<p:cmAuthorLst xmlns:a="http://schemas.openxmlformats.org/drawingml/2006/main" xmlns:r="http://schemas.openxmlformats.org/officeDocument/2006/relationships" xmlns:p="http://schemas.openxmlformats.org/presentationml/2006/main">
+  <p:cmAuthor id="1" name="Adrià Carcan" initials="AC" lastIdx="1" clrIdx="0">
+    <p:extLst>
+      <p:ext uri="{19B8F6BF-5375-455C-9EA6-DF929625EA0E}">
+        <p15:presenceInfo xmlns:p15="http://schemas.microsoft.com/office/powerpoint/2012/main" userId="7dbf9a2ab5808429" providerId="Windows Live"/>
+      </p:ext>
+    </p:extLst>
+  </p:cmAuthor>
+</p:cmAuthorLst>
+</file>
+
+<file path=ppt/comments/comment1.xml><?xml version="1.0" encoding="utf-8"?>
+<p:cmLst xmlns:a="http://schemas.openxmlformats.org/drawingml/2006/main" xmlns:r="http://schemas.openxmlformats.org/officeDocument/2006/relationships" xmlns:p="http://schemas.openxmlformats.org/presentationml/2006/main">
+  <p:cm authorId="1" dt="2021-08-24T19:51:29.732" idx="1">
+    <p:pos x="4177" y="2480"/>
+    <p:text>The output does not correspond to the one outputed by some websites, but it does for others... weird. </p:text>
+    <p:extLst>
+      <p:ext uri="{C676402C-5697-4E1C-873F-D02D1690AC5C}">
+        <p15:threadingInfo xmlns:p15="http://schemas.microsoft.com/office/powerpoint/2012/main" timeZoneBias="-120"/>
+      </p:ext>
+    </p:extLst>
+  </p:cm>
+</p:cmLst>
+</file>
+
 <file path=ppt/notesMasters/notesMaster1.xml><?xml version="1.0" encoding="utf-8"?>
 <p:notesMaster xmlns:a="http://schemas.openxmlformats.org/drawingml/2006/main" xmlns:r="http://schemas.openxmlformats.org/officeDocument/2006/relationships" xmlns:p="http://schemas.openxmlformats.org/presentationml/2006/main">
   <p:cSld>
@@ -216,7 +243,7 @@
           <a:p>
             <a:fld id="{49C78CC3-DFEA-A54D-97A6-ADF4A47AA041}" type="datetimeFigureOut">
               <a:rPr lang="en-ES" smtClean="0"/>
-              <a:t>18/8/21</a:t>
+              <a:t>23/8/21</a:t>
             </a:fld>
             <a:endParaRPr lang="en-ES"/>
           </a:p>
@@ -670,12 +697,8 @@
               <a:buChar char="•"/>
             </a:pPr>
             <a:r>
-              <a:rPr lang="en-GB"/>
-              <a:t>https</a:t>
-            </a:r>
-            <a:r>
               <a:rPr lang="en-GB" dirty="0"/>
-              <a:t>://</a:t>
+              <a:t>https://</a:t>
             </a:r>
             <a:r>
               <a:rPr lang="en-GB" dirty="0" err="1"/>
@@ -730,7 +753,7 @@
           <a:p>
             <a:fld id="{99A03F45-CC4C-8641-8D32-38B5EE8AEF68}" type="slidenum">
               <a:rPr lang="en-ES" smtClean="0"/>
-              <a:t>7</a:t>
+              <a:t>8</a:t>
             </a:fld>
             <a:endParaRPr lang="en-ES"/>
           </a:p>
@@ -895,7 +918,7 @@
           <a:p>
             <a:fld id="{99A03F45-CC4C-8641-8D32-38B5EE8AEF68}" type="slidenum">
               <a:rPr lang="en-ES" smtClean="0"/>
-              <a:t>9</a:t>
+              <a:t>10</a:t>
             </a:fld>
             <a:endParaRPr lang="en-ES"/>
           </a:p>
@@ -979,7 +1002,7 @@
           <a:p>
             <a:fld id="{99A03F45-CC4C-8641-8D32-38B5EE8AEF68}" type="slidenum">
               <a:rPr lang="en-ES" smtClean="0"/>
-              <a:t>10</a:t>
+              <a:t>11</a:t>
             </a:fld>
             <a:endParaRPr lang="en-ES"/>
           </a:p>
@@ -1066,7 +1089,7 @@
           <a:p>
             <a:fld id="{99A03F45-CC4C-8641-8D32-38B5EE8AEF68}" type="slidenum">
               <a:rPr lang="en-ES" smtClean="0"/>
-              <a:t>16</a:t>
+              <a:t>17</a:t>
             </a:fld>
             <a:endParaRPr lang="en-ES"/>
           </a:p>
@@ -1184,7 +1207,7 @@
           <a:p>
             <a:fld id="{99A03F45-CC4C-8641-8D32-38B5EE8AEF68}" type="slidenum">
               <a:rPr lang="en-ES" smtClean="0"/>
-              <a:t>17</a:t>
+              <a:t>18</a:t>
             </a:fld>
             <a:endParaRPr lang="en-ES"/>
           </a:p>
@@ -1268,7 +1291,7 @@
           <a:p>
             <a:fld id="{99A03F45-CC4C-8641-8D32-38B5EE8AEF68}" type="slidenum">
               <a:rPr lang="en-ES" smtClean="0"/>
-              <a:t>18</a:t>
+              <a:t>19</a:t>
             </a:fld>
             <a:endParaRPr lang="en-ES"/>
           </a:p>
@@ -1436,7 +1459,7 @@
           <a:p>
             <a:fld id="{76969C88-B244-455D-A017-012B25B1ACDD}" type="datetimeFigureOut">
               <a:rPr lang="en-US" smtClean="0"/>
-              <a:t>8/18/21</a:t>
+              <a:t>8/23/21</a:t>
             </a:fld>
             <a:endParaRPr lang="en-US"/>
           </a:p>
@@ -1636,7 +1659,7 @@
           <a:p>
             <a:fld id="{76969C88-B244-455D-A017-012B25B1ACDD}" type="datetimeFigureOut">
               <a:rPr lang="en-US" smtClean="0"/>
-              <a:t>8/18/21</a:t>
+              <a:t>8/23/21</a:t>
             </a:fld>
             <a:endParaRPr lang="en-US"/>
           </a:p>
@@ -1846,7 +1869,7 @@
           <a:p>
             <a:fld id="{76969C88-B244-455D-A017-012B25B1ACDD}" type="datetimeFigureOut">
               <a:rPr lang="en-US" smtClean="0"/>
-              <a:t>8/18/21</a:t>
+              <a:t>8/23/21</a:t>
             </a:fld>
             <a:endParaRPr lang="en-US"/>
           </a:p>
@@ -2046,7 +2069,7 @@
           <a:p>
             <a:fld id="{76969C88-B244-455D-A017-012B25B1ACDD}" type="datetimeFigureOut">
               <a:rPr lang="en-US" smtClean="0"/>
-              <a:t>8/18/21</a:t>
+              <a:t>8/23/21</a:t>
             </a:fld>
             <a:endParaRPr lang="en-US"/>
           </a:p>
@@ -2322,7 +2345,7 @@
           <a:p>
             <a:fld id="{76969C88-B244-455D-A017-012B25B1ACDD}" type="datetimeFigureOut">
               <a:rPr lang="en-US" smtClean="0"/>
-              <a:t>8/18/21</a:t>
+              <a:t>8/23/21</a:t>
             </a:fld>
             <a:endParaRPr lang="en-US"/>
           </a:p>
@@ -2590,7 +2613,7 @@
           <a:p>
             <a:fld id="{76969C88-B244-455D-A017-012B25B1ACDD}" type="datetimeFigureOut">
               <a:rPr lang="en-US" smtClean="0"/>
-              <a:t>8/18/21</a:t>
+              <a:t>8/23/21</a:t>
             </a:fld>
             <a:endParaRPr lang="en-US"/>
           </a:p>
@@ -3005,7 +3028,7 @@
           <a:p>
             <a:fld id="{76969C88-B244-455D-A017-012B25B1ACDD}" type="datetimeFigureOut">
               <a:rPr lang="en-US" smtClean="0"/>
-              <a:t>8/18/21</a:t>
+              <a:t>8/23/21</a:t>
             </a:fld>
             <a:endParaRPr lang="en-US"/>
           </a:p>
@@ -3147,7 +3170,7 @@
           <a:p>
             <a:fld id="{76969C88-B244-455D-A017-012B25B1ACDD}" type="datetimeFigureOut">
               <a:rPr lang="en-US" smtClean="0"/>
-              <a:t>8/18/21</a:t>
+              <a:t>8/23/21</a:t>
             </a:fld>
             <a:endParaRPr lang="en-US"/>
           </a:p>
@@ -3260,7 +3283,7 @@
           <a:p>
             <a:fld id="{76969C88-B244-455D-A017-012B25B1ACDD}" type="datetimeFigureOut">
               <a:rPr lang="en-US" smtClean="0"/>
-              <a:t>8/18/21</a:t>
+              <a:t>8/23/21</a:t>
             </a:fld>
             <a:endParaRPr lang="en-US"/>
           </a:p>
@@ -3573,7 +3596,7 @@
           <a:p>
             <a:fld id="{76969C88-B244-455D-A017-012B25B1ACDD}" type="datetimeFigureOut">
               <a:rPr lang="en-US" smtClean="0"/>
-              <a:t>8/18/21</a:t>
+              <a:t>8/23/21</a:t>
             </a:fld>
             <a:endParaRPr lang="en-US"/>
           </a:p>
@@ -3862,7 +3885,7 @@
           <a:p>
             <a:fld id="{76969C88-B244-455D-A017-012B25B1ACDD}" type="datetimeFigureOut">
               <a:rPr lang="en-US" smtClean="0"/>
-              <a:t>8/18/21</a:t>
+              <a:t>8/23/21</a:t>
             </a:fld>
             <a:endParaRPr lang="en-US"/>
           </a:p>
@@ -4106,7 +4129,7 @@
             <a:fld id="{76969C88-B244-455D-A017-012B25B1ACDD}" type="datetimeFigureOut">
               <a:rPr lang="en-US" smtClean="0"/>
               <a:pPr/>
-              <a:t>8/18/21</a:t>
+              <a:t>8/23/21</a:t>
             </a:fld>
             <a:endParaRPr lang="en-US"/>
           </a:p>
@@ -4626,7 +4649,7 @@
         <p:spPr>
           <a:xfrm>
             <a:off x="2" y="732510"/>
-            <a:ext cx="5333999" cy="6125491"/>
+            <a:ext cx="5333999" cy="4474757"/>
           </a:xfrm>
           <a:custGeom>
             <a:avLst/>
@@ -4688,6 +4711,94 @@
 </file>
 
 <file path=ppt/slides/slide10.xml><?xml version="1.0" encoding="utf-8"?>
+<p:sld xmlns:a="http://schemas.openxmlformats.org/drawingml/2006/main" xmlns:r="http://schemas.openxmlformats.org/officeDocument/2006/relationships" xmlns:p="http://schemas.openxmlformats.org/presentationml/2006/main">
+  <p:cSld>
+    <p:spTree>
+      <p:nvGrpSpPr>
+        <p:cNvPr id="1" name=""/>
+        <p:cNvGrpSpPr/>
+        <p:nvPr/>
+      </p:nvGrpSpPr>
+      <p:grpSpPr>
+        <a:xfrm>
+          <a:off x="0" y="0"/>
+          <a:ext cx="0" cy="0"/>
+          <a:chOff x="0" y="0"/>
+          <a:chExt cx="0" cy="0"/>
+        </a:xfrm>
+      </p:grpSpPr>
+      <p:sp>
+        <p:nvSpPr>
+          <p:cNvPr id="2" name="Title 1">
+            <a:extLst>
+              <a:ext uri="{FF2B5EF4-FFF2-40B4-BE49-F238E27FC236}">
+                <a16:creationId xmlns:a16="http://schemas.microsoft.com/office/drawing/2014/main" id="{DE2A2D3A-38F7-924F-A6F6-C216F3169A4E}"/>
+              </a:ext>
+            </a:extLst>
+          </p:cNvPr>
+          <p:cNvSpPr>
+            <a:spLocks noGrp="1"/>
+          </p:cNvSpPr>
+          <p:nvPr>
+            <p:ph type="title"/>
+          </p:nvPr>
+        </p:nvSpPr>
+        <p:spPr/>
+        <p:txBody>
+          <a:bodyPr/>
+          <a:lstStyle/>
+          <a:p>
+            <a:pPr algn="ctr"/>
+            <a:r>
+              <a:rPr lang="en-ES" dirty="0"/>
+              <a:t>ROM (module)</a:t>
+            </a:r>
+          </a:p>
+        </p:txBody>
+      </p:sp>
+      <p:pic>
+        <p:nvPicPr>
+          <p:cNvPr id="5" name="Picture 4" descr="Diagram&#10;&#10;Description automatically generated">
+            <a:extLst>
+              <a:ext uri="{FF2B5EF4-FFF2-40B4-BE49-F238E27FC236}">
+                <a16:creationId xmlns:a16="http://schemas.microsoft.com/office/drawing/2014/main" id="{FC27BCC1-7581-AF45-A6AB-08D550857C95}"/>
+              </a:ext>
+            </a:extLst>
+          </p:cNvPr>
+          <p:cNvPicPr>
+            <a:picLocks noChangeAspect="1"/>
+          </p:cNvPicPr>
+          <p:nvPr/>
+        </p:nvPicPr>
+        <p:blipFill rotWithShape="1">
+          <a:blip r:embed="rId3"/>
+          <a:srcRect l="29139" t="16842" r="28511" b="31789"/>
+          <a:stretch/>
+        </p:blipFill>
+        <p:spPr>
+          <a:xfrm>
+            <a:off x="4041005" y="1925053"/>
+            <a:ext cx="4109989" cy="3522846"/>
+          </a:xfrm>
+          <a:prstGeom prst="rect">
+            <a:avLst/>
+          </a:prstGeom>
+        </p:spPr>
+      </p:pic>
+    </p:spTree>
+    <p:extLst>
+      <p:ext uri="{BB962C8B-B14F-4D97-AF65-F5344CB8AC3E}">
+        <p14:creationId xmlns:p14="http://schemas.microsoft.com/office/powerpoint/2010/main" val="1881519835"/>
+      </p:ext>
+    </p:extLst>
+  </p:cSld>
+  <p:clrMapOvr>
+    <a:masterClrMapping/>
+  </p:clrMapOvr>
+</p:sld>
+</file>
+
+<file path=ppt/slides/slide11.xml><?xml version="1.0" encoding="utf-8"?>
 <p:sld xmlns:a="http://schemas.openxmlformats.org/drawingml/2006/main" xmlns:r="http://schemas.openxmlformats.org/officeDocument/2006/relationships" xmlns:p="http://schemas.openxmlformats.org/presentationml/2006/main">
   <p:cSld>
     <p:spTree>
@@ -4817,7 +4928,7 @@
 </p:sld>
 </file>
 
-<file path=ppt/slides/slide11.xml><?xml version="1.0" encoding="utf-8"?>
+<file path=ppt/slides/slide12.xml><?xml version="1.0" encoding="utf-8"?>
 <p:sld xmlns:a="http://schemas.openxmlformats.org/drawingml/2006/main" xmlns:r="http://schemas.openxmlformats.org/officeDocument/2006/relationships" xmlns:p="http://schemas.openxmlformats.org/presentationml/2006/main">
   <p:cSld>
     <p:spTree>
@@ -4905,7 +5016,7 @@
 </p:sld>
 </file>
 
-<file path=ppt/slides/slide12.xml><?xml version="1.0" encoding="utf-8"?>
+<file path=ppt/slides/slide13.xml><?xml version="1.0" encoding="utf-8"?>
 <p:sld xmlns:a="http://schemas.openxmlformats.org/drawingml/2006/main" xmlns:r="http://schemas.openxmlformats.org/officeDocument/2006/relationships" xmlns:p="http://schemas.openxmlformats.org/presentationml/2006/main">
   <p:cSld>
     <p:spTree>
@@ -6403,7 +6514,7 @@
 </p:sld>
 </file>
 
-<file path=ppt/slides/slide13.xml><?xml version="1.0" encoding="utf-8"?>
+<file path=ppt/slides/slide14.xml><?xml version="1.0" encoding="utf-8"?>
 <p:sld xmlns:a="http://schemas.openxmlformats.org/drawingml/2006/main" xmlns:r="http://schemas.openxmlformats.org/officeDocument/2006/relationships" xmlns:p="http://schemas.openxmlformats.org/presentationml/2006/main">
   <p:cSld>
     <p:spTree>
@@ -9153,7 +9264,7 @@
 </p:sld>
 </file>
 
-<file path=ppt/slides/slide14.xml><?xml version="1.0" encoding="utf-8"?>
+<file path=ppt/slides/slide15.xml><?xml version="1.0" encoding="utf-8"?>
 <p:sld xmlns:a="http://schemas.openxmlformats.org/drawingml/2006/main" xmlns:r="http://schemas.openxmlformats.org/officeDocument/2006/relationships" xmlns:p="http://schemas.openxmlformats.org/presentationml/2006/main">
   <p:cSld>
     <p:spTree>
@@ -12499,7 +12610,7 @@
 </p:sld>
 </file>
 
-<file path=ppt/slides/slide15.xml><?xml version="1.0" encoding="utf-8"?>
+<file path=ppt/slides/slide16.xml><?xml version="1.0" encoding="utf-8"?>
 <p:sld xmlns:a="http://schemas.openxmlformats.org/drawingml/2006/main" xmlns:r="http://schemas.openxmlformats.org/officeDocument/2006/relationships" xmlns:p="http://schemas.openxmlformats.org/presentationml/2006/main">
   <p:cSld>
     <p:spTree>
@@ -12562,7 +12673,7 @@
 </p:sld>
 </file>
 
-<file path=ppt/slides/slide16.xml><?xml version="1.0" encoding="utf-8"?>
+<file path=ppt/slides/slide17.xml><?xml version="1.0" encoding="utf-8"?>
 <p:sld xmlns:a="http://schemas.openxmlformats.org/drawingml/2006/main" xmlns:r="http://schemas.openxmlformats.org/officeDocument/2006/relationships" xmlns:p="http://schemas.openxmlformats.org/presentationml/2006/main">
   <p:cSld>
     <p:spTree>
@@ -20978,7 +21089,7 @@
 </p:sld>
 </file>
 
-<file path=ppt/slides/slide17.xml><?xml version="1.0" encoding="utf-8"?>
+<file path=ppt/slides/slide18.xml><?xml version="1.0" encoding="utf-8"?>
 <p:sld xmlns:a="http://schemas.openxmlformats.org/drawingml/2006/main" xmlns:r="http://schemas.openxmlformats.org/officeDocument/2006/relationships" xmlns:p="http://schemas.openxmlformats.org/presentationml/2006/main">
   <p:cSld>
     <p:spTree>
@@ -22152,7 +22263,7 @@
 </p:sld>
 </file>
 
-<file path=ppt/slides/slide18.xml><?xml version="1.0" encoding="utf-8"?>
+<file path=ppt/slides/slide19.xml><?xml version="1.0" encoding="utf-8"?>
 <p:sld xmlns:a="http://schemas.openxmlformats.org/drawingml/2006/main" xmlns:r="http://schemas.openxmlformats.org/officeDocument/2006/relationships" xmlns:p="http://schemas.openxmlformats.org/presentationml/2006/main">
   <p:cSld>
     <p:spTree>
@@ -22214,7 +22325,7 @@
           <p:nvPr/>
         </p:nvPicPr>
         <p:blipFill>
-          <a:blip r:embed="rId4"/>
+          <a:blip r:embed="rId3"/>
           <a:stretch>
             <a:fillRect/>
           </a:stretch>
@@ -22244,7 +22355,7 @@
           <p:nvPr/>
         </p:nvPicPr>
         <p:blipFill>
-          <a:blip r:embed="rId5"/>
+          <a:blip r:embed="rId3"/>
           <a:stretch>
             <a:fillRect/>
           </a:stretch>
@@ -22360,7 +22471,71 @@
 </p:sld>
 </file>
 
-<file path=ppt/slides/slide19.xml><?xml version="1.0" encoding="utf-8"?>
+<file path=ppt/slides/slide2.xml><?xml version="1.0" encoding="utf-8"?>
+<p:sld xmlns:a="http://schemas.openxmlformats.org/drawingml/2006/main" xmlns:r="http://schemas.openxmlformats.org/officeDocument/2006/relationships" xmlns:p="http://schemas.openxmlformats.org/presentationml/2006/main">
+  <p:cSld>
+    <p:spTree>
+      <p:nvGrpSpPr>
+        <p:cNvPr id="1" name=""/>
+        <p:cNvGrpSpPr/>
+        <p:nvPr/>
+      </p:nvGrpSpPr>
+      <p:grpSpPr>
+        <a:xfrm>
+          <a:off x="0" y="0"/>
+          <a:ext cx="0" cy="0"/>
+          <a:chOff x="0" y="0"/>
+          <a:chExt cx="0" cy="0"/>
+        </a:xfrm>
+      </p:grpSpPr>
+      <p:sp>
+        <p:nvSpPr>
+          <p:cNvPr id="2" name="Title 1">
+            <a:extLst>
+              <a:ext uri="{FF2B5EF4-FFF2-40B4-BE49-F238E27FC236}">
+                <a16:creationId xmlns:a16="http://schemas.microsoft.com/office/drawing/2014/main" id="{F04B7868-4E6E-5A46-86C0-41925A37830E}"/>
+              </a:ext>
+            </a:extLst>
+          </p:cNvPr>
+          <p:cNvSpPr>
+            <a:spLocks noGrp="1"/>
+          </p:cNvSpPr>
+          <p:nvPr>
+            <p:ph type="title"/>
+          </p:nvPr>
+        </p:nvSpPr>
+        <p:spPr>
+          <a:xfrm>
+            <a:off x="762000" y="2667000"/>
+            <a:ext cx="10668000" cy="1524000"/>
+          </a:xfrm>
+        </p:spPr>
+        <p:txBody>
+          <a:bodyPr/>
+          <a:lstStyle/>
+          <a:p>
+            <a:pPr algn="ctr"/>
+            <a:r>
+              <a:rPr lang="en-ES" dirty="0"/>
+              <a:t>AES algorithm’s steps</a:t>
+            </a:r>
+          </a:p>
+        </p:txBody>
+      </p:sp>
+    </p:spTree>
+    <p:extLst>
+      <p:ext uri="{BB962C8B-B14F-4D97-AF65-F5344CB8AC3E}">
+        <p14:creationId xmlns:p14="http://schemas.microsoft.com/office/powerpoint/2010/main" val="3818424290"/>
+      </p:ext>
+    </p:extLst>
+  </p:cSld>
+  <p:clrMapOvr>
+    <a:masterClrMapping/>
+  </p:clrMapOvr>
+</p:sld>
+</file>
+
+<file path=ppt/slides/slide20.xml><?xml version="1.0" encoding="utf-8"?>
 <p:sld xmlns:a="http://schemas.openxmlformats.org/drawingml/2006/main" xmlns:r="http://schemas.openxmlformats.org/officeDocument/2006/relationships" xmlns:p="http://schemas.openxmlformats.org/presentationml/2006/main">
   <p:cSld>
     <p:spTree>
@@ -22454,71 +22629,7 @@
 </p:sld>
 </file>
 
-<file path=ppt/slides/slide2.xml><?xml version="1.0" encoding="utf-8"?>
-<p:sld xmlns:a="http://schemas.openxmlformats.org/drawingml/2006/main" xmlns:r="http://schemas.openxmlformats.org/officeDocument/2006/relationships" xmlns:p="http://schemas.openxmlformats.org/presentationml/2006/main">
-  <p:cSld>
-    <p:spTree>
-      <p:nvGrpSpPr>
-        <p:cNvPr id="1" name=""/>
-        <p:cNvGrpSpPr/>
-        <p:nvPr/>
-      </p:nvGrpSpPr>
-      <p:grpSpPr>
-        <a:xfrm>
-          <a:off x="0" y="0"/>
-          <a:ext cx="0" cy="0"/>
-          <a:chOff x="0" y="0"/>
-          <a:chExt cx="0" cy="0"/>
-        </a:xfrm>
-      </p:grpSpPr>
-      <p:sp>
-        <p:nvSpPr>
-          <p:cNvPr id="2" name="Title 1">
-            <a:extLst>
-              <a:ext uri="{FF2B5EF4-FFF2-40B4-BE49-F238E27FC236}">
-                <a16:creationId xmlns:a16="http://schemas.microsoft.com/office/drawing/2014/main" id="{F04B7868-4E6E-5A46-86C0-41925A37830E}"/>
-              </a:ext>
-            </a:extLst>
-          </p:cNvPr>
-          <p:cNvSpPr>
-            <a:spLocks noGrp="1"/>
-          </p:cNvSpPr>
-          <p:nvPr>
-            <p:ph type="title"/>
-          </p:nvPr>
-        </p:nvSpPr>
-        <p:spPr>
-          <a:xfrm>
-            <a:off x="762000" y="2667000"/>
-            <a:ext cx="10668000" cy="1524000"/>
-          </a:xfrm>
-        </p:spPr>
-        <p:txBody>
-          <a:bodyPr/>
-          <a:lstStyle/>
-          <a:p>
-            <a:pPr algn="ctr"/>
-            <a:r>
-              <a:rPr lang="en-ES" dirty="0"/>
-              <a:t>AES algorithm’s steps</a:t>
-            </a:r>
-          </a:p>
-        </p:txBody>
-      </p:sp>
-    </p:spTree>
-    <p:extLst>
-      <p:ext uri="{BB962C8B-B14F-4D97-AF65-F5344CB8AC3E}">
-        <p14:creationId xmlns:p14="http://schemas.microsoft.com/office/powerpoint/2010/main" val="3818424290"/>
-      </p:ext>
-    </p:extLst>
-  </p:cSld>
-  <p:clrMapOvr>
-    <a:masterClrMapping/>
-  </p:clrMapOvr>
-</p:sld>
-</file>
-
-<file path=ppt/slides/slide20.xml><?xml version="1.0" encoding="utf-8"?>
+<file path=ppt/slides/slide21.xml><?xml version="1.0" encoding="utf-8"?>
 <p:sld xmlns:a="http://schemas.openxmlformats.org/drawingml/2006/main" xmlns:r="http://schemas.openxmlformats.org/officeDocument/2006/relationships" xmlns:p="http://schemas.openxmlformats.org/presentationml/2006/main">
   <p:cSld>
     <p:spTree>
@@ -22933,7 +23044,7 @@
           <p:nvPr/>
         </p:nvPicPr>
         <p:blipFill>
-          <a:blip r:embed="rId3"/>
+          <a:blip r:embed="rId2"/>
           <a:stretch>
             <a:fillRect/>
           </a:stretch>
@@ -25894,14 +26005,14 @@
           <p:nvPr>
             <p:extLst>
               <p:ext uri="{D42A27DB-BD31-4B8C-83A1-F6EECF244321}">
-                <p14:modId xmlns:p14="http://schemas.microsoft.com/office/powerpoint/2010/main" val="1188656228"/>
+                <p14:modId xmlns:p14="http://schemas.microsoft.com/office/powerpoint/2010/main" val="3246874237"/>
               </p:ext>
             </p:extLst>
           </p:nvPr>
         </p:nvGraphicFramePr>
         <p:xfrm>
-          <a:off x="4955690" y="1965960"/>
-          <a:ext cx="6396523" cy="2926080"/>
+          <a:off x="4955689" y="3246120"/>
+          <a:ext cx="6396523" cy="1645920"/>
         </p:xfrm>
         <a:graphic>
           <a:graphicData uri="http://schemas.openxmlformats.org/drawingml/2006/table">
@@ -25987,7 +26098,7 @@
                     <a:p>
                       <a:r>
                         <a:rPr lang="en-ES" sz="1200" dirty="0"/>
-                        <a:t>Use of matrices</a:t>
+                        <a:t>Working properly</a:t>
                       </a:r>
                     </a:p>
                   </a:txBody>
@@ -25996,66 +26107,6 @@
                 <a:extLst>
                   <a:ext uri="{0D108BD9-81ED-4DB2-BD59-A6C34878D82A}">
                     <a16:rowId xmlns:a16="http://schemas.microsoft.com/office/drawing/2014/main" val="2982092012"/>
-                  </a:ext>
-                </a:extLst>
-              </a:tr>
-              <a:tr h="244280">
-                <a:tc>
-                  <a:txBody>
-                    <a:bodyPr/>
-                    <a:lstStyle/>
-                    <a:p>
-                      <a:pPr marL="285750" indent="-285750">
-                        <a:buFont typeface="Arial" panose="020B0604020202020204" pitchFamily="34" charset="0"/>
-                        <a:buChar char="•"/>
-                      </a:pPr>
-                      <a:r>
-                        <a:rPr lang="en-ES" sz="1200" dirty="0"/>
-                        <a:t>Subsitution (module)</a:t>
-                      </a:r>
-                    </a:p>
-                  </a:txBody>
-                  <a:tcPr/>
-                </a:tc>
-                <a:tc>
-                  <a:txBody>
-                    <a:bodyPr/>
-                    <a:lstStyle/>
-                    <a:p>
-                      <a:r>
-                        <a:rPr lang="en-ES" sz="1200" dirty="0"/>
-                        <a:t>OK</a:t>
-                      </a:r>
-                    </a:p>
-                  </a:txBody>
-                  <a:tcPr/>
-                </a:tc>
-                <a:tc>
-                  <a:txBody>
-                    <a:bodyPr/>
-                    <a:lstStyle/>
-                    <a:p>
-                      <a:r>
-                        <a:rPr lang="en-ES" sz="1200" dirty="0"/>
-                        <a:t>-</a:t>
-                      </a:r>
-                    </a:p>
-                  </a:txBody>
-                  <a:tcPr/>
-                </a:tc>
-                <a:tc>
-                  <a:txBody>
-                    <a:bodyPr/>
-                    <a:lstStyle/>
-                    <a:p>
-                      <a:endParaRPr lang="en-ES" sz="1200" dirty="0"/>
-                    </a:p>
-                  </a:txBody>
-                  <a:tcPr/>
-                </a:tc>
-                <a:extLst>
-                  <a:ext uri="{0D108BD9-81ED-4DB2-BD59-A6C34878D82A}">
-                    <a16:rowId xmlns:a16="http://schemas.microsoft.com/office/drawing/2014/main" val="703514109"/>
                   </a:ext>
                 </a:extLst>
               </a:tr>
@@ -26147,54 +26198,7 @@
                     <a:p>
                       <a:r>
                         <a:rPr lang="en-ES" sz="1200" dirty="0"/>
-                        <a:t>-</a:t>
-                      </a:r>
-                    </a:p>
-                  </a:txBody>
-                  <a:tcPr/>
-                </a:tc>
-                <a:tc>
-                  <a:txBody>
-                    <a:bodyPr/>
-                    <a:lstStyle/>
-                    <a:p>
-                      <a:r>
-                        <a:rPr lang="en-ES" sz="1200" dirty="0"/>
-                        <a:t>-</a:t>
-                      </a:r>
-                    </a:p>
-                  </a:txBody>
-                  <a:tcPr/>
-                </a:tc>
-                <a:tc>
-                  <a:txBody>
-                    <a:bodyPr/>
-                    <a:lstStyle/>
-                    <a:p>
-                      <a:endParaRPr lang="en-ES" sz="1200" dirty="0"/>
-                    </a:p>
-                  </a:txBody>
-                  <a:tcPr/>
-                </a:tc>
-                <a:extLst>
-                  <a:ext uri="{0D108BD9-81ED-4DB2-BD59-A6C34878D82A}">
-                    <a16:rowId xmlns:a16="http://schemas.microsoft.com/office/drawing/2014/main" val="2420015138"/>
-                  </a:ext>
-                </a:extLst>
-              </a:tr>
-              <a:tr h="244280">
-                <a:tc>
-                  <a:txBody>
-                    <a:bodyPr/>
-                    <a:lstStyle/>
-                    <a:p>
-                      <a:pPr marL="742950" lvl="1" indent="-285750">
-                        <a:buFont typeface="Arial" panose="020B0604020202020204" pitchFamily="34" charset="0"/>
-                        <a:buChar char="•"/>
-                      </a:pPr>
-                      <a:r>
-                        <a:rPr lang="en-ES" sz="1200" dirty="0"/>
-                        <a:t>Multiplicator (module)</a:t>
+                        <a:t>OK</a:t>
                       </a:r>
                     </a:p>
                   </a:txBody>
@@ -26220,209 +26224,15 @@
                     <a:p>
                       <a:r>
                         <a:rPr lang="en-ES" sz="1200" dirty="0"/>
-                        <a:t>-</a:t>
+                        <a:t>OK</a:t>
                       </a:r>
-                    </a:p>
-                  </a:txBody>
-                  <a:tcPr/>
-                </a:tc>
-                <a:tc>
-                  <a:txBody>
-                    <a:bodyPr/>
-                    <a:lstStyle/>
-                    <a:p>
-                      <a:endParaRPr lang="en-ES" sz="1200" dirty="0"/>
                     </a:p>
                   </a:txBody>
                   <a:tcPr/>
                 </a:tc>
                 <a:extLst>
                   <a:ext uri="{0D108BD9-81ED-4DB2-BD59-A6C34878D82A}">
-                    <a16:rowId xmlns:a16="http://schemas.microsoft.com/office/drawing/2014/main" val="3706067541"/>
-                  </a:ext>
-                </a:extLst>
-              </a:tr>
-              <a:tr h="244280">
-                <a:tc>
-                  <a:txBody>
-                    <a:bodyPr/>
-                    <a:lstStyle/>
-                    <a:p>
-                      <a:pPr marL="1200150" lvl="2" indent="-285750">
-                        <a:buFont typeface="Arial" panose="020B0604020202020204" pitchFamily="34" charset="0"/>
-                        <a:buChar char="•"/>
-                      </a:pPr>
-                      <a:r>
-                        <a:rPr lang="en-ES" sz="1200" dirty="0"/>
-                        <a:t>Multiplicator (component)</a:t>
-                      </a:r>
-                    </a:p>
-                  </a:txBody>
-                  <a:tcPr/>
-                </a:tc>
-                <a:tc>
-                  <a:txBody>
-                    <a:bodyPr/>
-                    <a:lstStyle/>
-                    <a:p>
-                      <a:r>
-                        <a:rPr lang="en-ES" sz="1200" dirty="0"/>
-                        <a:t>OK</a:t>
-                      </a:r>
-                    </a:p>
-                  </a:txBody>
-                  <a:tcPr/>
-                </a:tc>
-                <a:tc>
-                  <a:txBody>
-                    <a:bodyPr/>
-                    <a:lstStyle/>
-                    <a:p>
-                      <a:r>
-                        <a:rPr lang="en-ES" sz="1200" dirty="0"/>
-                        <a:t>-</a:t>
-                      </a:r>
-                    </a:p>
-                  </a:txBody>
-                  <a:tcPr/>
-                </a:tc>
-                <a:tc>
-                  <a:txBody>
-                    <a:bodyPr/>
-                    <a:lstStyle/>
-                    <a:p>
-                      <a:endParaRPr lang="en-ES" sz="1200" dirty="0"/>
-                    </a:p>
-                  </a:txBody>
-                  <a:tcPr/>
-                </a:tc>
-                <a:extLst>
-                  <a:ext uri="{0D108BD9-81ED-4DB2-BD59-A6C34878D82A}">
-                    <a16:rowId xmlns:a16="http://schemas.microsoft.com/office/drawing/2014/main" val="555008242"/>
-                  </a:ext>
-                </a:extLst>
-              </a:tr>
-              <a:tr h="244280">
-                <a:tc>
-                  <a:txBody>
-                    <a:bodyPr/>
-                    <a:lstStyle/>
-                    <a:p>
-                      <a:pPr marL="1200150" lvl="2" indent="-285750">
-                        <a:buFont typeface="Arial" panose="020B0604020202020204" pitchFamily="34" charset="0"/>
-                        <a:buChar char="•"/>
-                      </a:pPr>
-                      <a:r>
-                        <a:rPr lang="en-ES" sz="1200" dirty="0"/>
-                        <a:t>Adder (component)</a:t>
-                      </a:r>
-                    </a:p>
-                  </a:txBody>
-                  <a:tcPr/>
-                </a:tc>
-                <a:tc>
-                  <a:txBody>
-                    <a:bodyPr/>
-                    <a:lstStyle/>
-                    <a:p>
-                      <a:r>
-                        <a:rPr lang="en-ES" sz="1200" dirty="0"/>
-                        <a:t>OK</a:t>
-                      </a:r>
-                    </a:p>
-                  </a:txBody>
-                  <a:tcPr/>
-                </a:tc>
-                <a:tc>
-                  <a:txBody>
-                    <a:bodyPr/>
-                    <a:lstStyle/>
-                    <a:p>
-                      <a:r>
-                        <a:rPr lang="en-ES" sz="1200" dirty="0"/>
-                        <a:t>-</a:t>
-                      </a:r>
-                    </a:p>
-                  </a:txBody>
-                  <a:tcPr/>
-                </a:tc>
-                <a:tc>
-                  <a:txBody>
-                    <a:bodyPr/>
-                    <a:lstStyle/>
-                    <a:p>
-                      <a:r>
-                        <a:rPr lang="en-ES" sz="1200"/>
-                        <a:t>OK</a:t>
-                      </a:r>
-                      <a:endParaRPr lang="en-ES" sz="1200" dirty="0"/>
-                    </a:p>
-                  </a:txBody>
-                  <a:tcPr/>
-                </a:tc>
-                <a:extLst>
-                  <a:ext uri="{0D108BD9-81ED-4DB2-BD59-A6C34878D82A}">
-                    <a16:rowId xmlns:a16="http://schemas.microsoft.com/office/drawing/2014/main" val="2540298072"/>
-                  </a:ext>
-                </a:extLst>
-              </a:tr>
-              <a:tr h="244280">
-                <a:tc>
-                  <a:txBody>
-                    <a:bodyPr/>
-                    <a:lstStyle/>
-                    <a:p>
-                      <a:pPr marL="742950" lvl="1" indent="-285750">
-                        <a:buFont typeface="Arial" panose="020B0604020202020204" pitchFamily="34" charset="0"/>
-                        <a:buChar char="•"/>
-                      </a:pPr>
-                      <a:r>
-                        <a:rPr lang="en-ES" sz="1200" dirty="0"/>
-                        <a:t>Galois operator (module)</a:t>
-                      </a:r>
-                    </a:p>
-                  </a:txBody>
-                  <a:tcPr/>
-                </a:tc>
-                <a:tc>
-                  <a:txBody>
-                    <a:bodyPr/>
-                    <a:lstStyle/>
-                    <a:p>
-                      <a:r>
-                        <a:rPr lang="en-ES" sz="1200" dirty="0"/>
-                        <a:t>-</a:t>
-                      </a:r>
-                    </a:p>
-                  </a:txBody>
-                  <a:tcPr/>
-                </a:tc>
-                <a:tc>
-                  <a:txBody>
-                    <a:bodyPr/>
-                    <a:lstStyle/>
-                    <a:p>
-                      <a:r>
-                        <a:rPr lang="en-ES" sz="1200" dirty="0"/>
-                        <a:t>-</a:t>
-                      </a:r>
-                    </a:p>
-                  </a:txBody>
-                  <a:tcPr/>
-                </a:tc>
-                <a:tc>
-                  <a:txBody>
-                    <a:bodyPr/>
-                    <a:lstStyle/>
-                    <a:p>
-                      <a:endParaRPr lang="en-ES" sz="1200" dirty="0"/>
-                    </a:p>
-                  </a:txBody>
-                  <a:tcPr/>
-                </a:tc>
-                <a:extLst>
-                  <a:ext uri="{0D108BD9-81ED-4DB2-BD59-A6C34878D82A}">
-                    <a16:rowId xmlns:a16="http://schemas.microsoft.com/office/drawing/2014/main" val="2383858618"/>
+                    <a16:rowId xmlns:a16="http://schemas.microsoft.com/office/drawing/2014/main" val="2420015138"/>
                   </a:ext>
                 </a:extLst>
               </a:tr>
@@ -26501,7 +26311,7 @@
                       </a:pPr>
                       <a:r>
                         <a:rPr lang="en-ES" sz="1200" dirty="0"/>
-                        <a:t>ROM</a:t>
+                        <a:t>ROM (S-box, 256 bits)</a:t>
                       </a:r>
                     </a:p>
                   </a:txBody>
@@ -26552,16 +26362,79 @@
                   </a:ext>
                 </a:extLst>
               </a:tr>
+              <a:tr h="244280">
+                <a:tc>
+                  <a:txBody>
+                    <a:bodyPr/>
+                    <a:lstStyle/>
+                    <a:p>
+                      <a:pPr marL="285750" indent="-285750">
+                        <a:buFont typeface="Arial" panose="020B0604020202020204" pitchFamily="34" charset="0"/>
+                        <a:buChar char="•"/>
+                      </a:pPr>
+                      <a:r>
+                        <a:rPr lang="en-ES" sz="1200" dirty="0"/>
+                        <a:t>ROM (key)</a:t>
+                      </a:r>
+                    </a:p>
+                  </a:txBody>
+                  <a:tcPr/>
+                </a:tc>
+                <a:tc>
+                  <a:txBody>
+                    <a:bodyPr/>
+                    <a:lstStyle/>
+                    <a:p>
+                      <a:r>
+                        <a:rPr lang="en-ES" sz="1200" dirty="0"/>
+                        <a:t>OK</a:t>
+                      </a:r>
+                    </a:p>
+                  </a:txBody>
+                  <a:tcPr/>
+                </a:tc>
+                <a:tc>
+                  <a:txBody>
+                    <a:bodyPr/>
+                    <a:lstStyle/>
+                    <a:p>
+                      <a:r>
+                        <a:rPr lang="en-ES" sz="1200" dirty="0"/>
+                        <a:t>OK</a:t>
+                      </a:r>
+                    </a:p>
+                  </a:txBody>
+                  <a:tcPr/>
+                </a:tc>
+                <a:tc>
+                  <a:txBody>
+                    <a:bodyPr/>
+                    <a:lstStyle/>
+                    <a:p>
+                      <a:r>
+                        <a:rPr lang="en-ES" sz="1200" dirty="0"/>
+                        <a:t>OK</a:t>
+                      </a:r>
+                    </a:p>
+                  </a:txBody>
+                  <a:tcPr/>
+                </a:tc>
+                <a:extLst>
+                  <a:ext uri="{0D108BD9-81ED-4DB2-BD59-A6C34878D82A}">
+                    <a16:rowId xmlns:a16="http://schemas.microsoft.com/office/drawing/2014/main" val="1163596338"/>
+                  </a:ext>
+                </a:extLst>
+              </a:tr>
             </a:tbl>
           </a:graphicData>
         </a:graphic>
       </p:graphicFrame>
       <p:graphicFrame>
         <p:nvGraphicFramePr>
-          <p:cNvPr id="7" name="Table 5">
+          <p:cNvPr id="8" name="Table 5">
             <a:extLst>
               <a:ext uri="{FF2B5EF4-FFF2-40B4-BE49-F238E27FC236}">
-                <a16:creationId xmlns:a16="http://schemas.microsoft.com/office/drawing/2014/main" id="{1EACBC9D-728E-6642-BCB8-F10448C28B67}"/>
+                <a16:creationId xmlns:a16="http://schemas.microsoft.com/office/drawing/2014/main" id="{CB021FDB-9A36-2A47-9B3A-ED7E5A7DA497}"/>
               </a:ext>
             </a:extLst>
           </p:cNvPr>
@@ -26571,14 +26444,14 @@
           <p:nvPr>
             <p:extLst>
               <p:ext uri="{D42A27DB-BD31-4B8C-83A1-F6EECF244321}">
-                <p14:modId xmlns:p14="http://schemas.microsoft.com/office/powerpoint/2010/main" val="281372253"/>
+                <p14:modId xmlns:p14="http://schemas.microsoft.com/office/powerpoint/2010/main" val="970015589"/>
               </p:ext>
             </p:extLst>
           </p:nvPr>
         </p:nvGraphicFramePr>
         <p:xfrm>
-          <a:off x="4955690" y="5158340"/>
-          <a:ext cx="6396523" cy="1097280"/>
+          <a:off x="4955690" y="952900"/>
+          <a:ext cx="6396523" cy="1920240"/>
         </p:xfrm>
         <a:graphic>
           <a:graphicData uri="http://schemas.openxmlformats.org/drawingml/2006/table">
@@ -26611,314 +26484,7 @@
                 <a:gridCol w="1599131">
                   <a:extLst>
                     <a:ext uri="{9D8B030D-6E8A-4147-A177-3AD203B41FA5}">
-                      <a16:colId xmlns:a16="http://schemas.microsoft.com/office/drawing/2014/main" val="4118194397"/>
-                    </a:ext>
-                  </a:extLst>
-                </a:gridCol>
-              </a:tblGrid>
-              <a:tr h="224068">
-                <a:tc>
-                  <a:txBody>
-                    <a:bodyPr/>
-                    <a:lstStyle/>
-                    <a:p>
-                      <a:r>
-                        <a:rPr lang="en-ES" sz="1200" dirty="0"/>
-                        <a:t>Keygen side (keygen)</a:t>
-                      </a:r>
-                    </a:p>
-                  </a:txBody>
-                  <a:tcPr/>
-                </a:tc>
-                <a:tc>
-                  <a:txBody>
-                    <a:bodyPr/>
-                    <a:lstStyle/>
-                    <a:p>
-                      <a:r>
-                        <a:rPr lang="en-ES" sz="1200" dirty="0"/>
-                        <a:t>.sv done</a:t>
-                      </a:r>
-                    </a:p>
-                  </a:txBody>
-                  <a:tcPr/>
-                </a:tc>
-                <a:tc>
-                  <a:txBody>
-                    <a:bodyPr/>
-                    <a:lstStyle/>
-                    <a:p>
-                      <a:r>
-                        <a:rPr lang="en-GB" sz="1200" dirty="0"/>
-                        <a:t>tb</a:t>
-                      </a:r>
-                      <a:endParaRPr lang="en-ES" sz="1200" dirty="0"/>
-                    </a:p>
-                  </a:txBody>
-                  <a:tcPr/>
-                </a:tc>
-                <a:tc>
-                  <a:txBody>
-                    <a:bodyPr/>
-                    <a:lstStyle/>
-                    <a:p>
-                      <a:r>
-                        <a:rPr lang="en-ES" sz="1200" dirty="0"/>
-                        <a:t>Use of matrices</a:t>
-                      </a:r>
-                    </a:p>
-                  </a:txBody>
-                  <a:tcPr/>
-                </a:tc>
-                <a:extLst>
-                  <a:ext uri="{0D108BD9-81ED-4DB2-BD59-A6C34878D82A}">
-                    <a16:rowId xmlns:a16="http://schemas.microsoft.com/office/drawing/2014/main" val="2982092012"/>
-                  </a:ext>
-                </a:extLst>
-              </a:tr>
-              <a:tr h="244280">
-                <a:tc>
-                  <a:txBody>
-                    <a:bodyPr/>
-                    <a:lstStyle/>
-                    <a:p>
-                      <a:pPr marL="285750" indent="-285750">
-                        <a:buFont typeface="Arial" panose="020B0604020202020204" pitchFamily="34" charset="0"/>
-                        <a:buChar char="•"/>
-                      </a:pPr>
-                      <a:r>
-                        <a:rPr lang="en-ES" sz="1200" dirty="0"/>
-                        <a:t>Shifter (module)</a:t>
-                      </a:r>
-                    </a:p>
-                  </a:txBody>
-                  <a:tcPr/>
-                </a:tc>
-                <a:tc>
-                  <a:txBody>
-                    <a:bodyPr/>
-                    <a:lstStyle/>
-                    <a:p>
-                      <a:r>
-                        <a:rPr lang="en-ES" sz="1200" dirty="0"/>
-                        <a:t>OK</a:t>
-                      </a:r>
-                    </a:p>
-                  </a:txBody>
-                  <a:tcPr/>
-                </a:tc>
-                <a:tc>
-                  <a:txBody>
-                    <a:bodyPr/>
-                    <a:lstStyle/>
-                    <a:p>
-                      <a:r>
-                        <a:rPr lang="en-ES" sz="1200" dirty="0"/>
-                        <a:t>Done but not working</a:t>
-                      </a:r>
-                    </a:p>
-                  </a:txBody>
-                  <a:tcPr/>
-                </a:tc>
-                <a:tc>
-                  <a:txBody>
-                    <a:bodyPr/>
-                    <a:lstStyle/>
-                    <a:p>
-                      <a:r>
-                        <a:rPr lang="en-ES" sz="1200" dirty="0"/>
-                        <a:t>OK</a:t>
-                      </a:r>
-                    </a:p>
-                  </a:txBody>
-                  <a:tcPr/>
-                </a:tc>
-                <a:extLst>
-                  <a:ext uri="{0D108BD9-81ED-4DB2-BD59-A6C34878D82A}">
-                    <a16:rowId xmlns:a16="http://schemas.microsoft.com/office/drawing/2014/main" val="703514109"/>
-                  </a:ext>
-                </a:extLst>
-              </a:tr>
-              <a:tr h="244280">
-                <a:tc>
-                  <a:txBody>
-                    <a:bodyPr/>
-                    <a:lstStyle/>
-                    <a:p>
-                      <a:pPr marL="285750" indent="-285750">
-                        <a:buFont typeface="Arial" panose="020B0604020202020204" pitchFamily="34" charset="0"/>
-                        <a:buChar char="•"/>
-                      </a:pPr>
-                      <a:r>
-                        <a:rPr lang="en-ES" sz="1200" dirty="0"/>
-                        <a:t>Substitution (module)</a:t>
-                      </a:r>
-                    </a:p>
-                  </a:txBody>
-                  <a:tcPr/>
-                </a:tc>
-                <a:tc>
-                  <a:txBody>
-                    <a:bodyPr/>
-                    <a:lstStyle/>
-                    <a:p>
-                      <a:r>
-                        <a:rPr lang="en-ES" sz="1200" dirty="0"/>
-                        <a:t>OK</a:t>
-                      </a:r>
-                    </a:p>
-                  </a:txBody>
-                  <a:tcPr/>
-                </a:tc>
-                <a:tc>
-                  <a:txBody>
-                    <a:bodyPr/>
-                    <a:lstStyle/>
-                    <a:p>
-                      <a:r>
-                        <a:rPr lang="en-ES" sz="1200" dirty="0"/>
-                        <a:t>-</a:t>
-                      </a:r>
-                    </a:p>
-                  </a:txBody>
-                  <a:tcPr/>
-                </a:tc>
-                <a:tc>
-                  <a:txBody>
-                    <a:bodyPr/>
-                    <a:lstStyle/>
-                    <a:p>
-                      <a:endParaRPr lang="en-ES" sz="1200" dirty="0"/>
-                    </a:p>
-                  </a:txBody>
-                  <a:tcPr/>
-                </a:tc>
-                <a:extLst>
-                  <a:ext uri="{0D108BD9-81ED-4DB2-BD59-A6C34878D82A}">
-                    <a16:rowId xmlns:a16="http://schemas.microsoft.com/office/drawing/2014/main" val="132888559"/>
-                  </a:ext>
-                </a:extLst>
-              </a:tr>
-              <a:tr h="244280">
-                <a:tc>
-                  <a:txBody>
-                    <a:bodyPr/>
-                    <a:lstStyle/>
-                    <a:p>
-                      <a:pPr marL="285750" indent="-285750">
-                        <a:buFont typeface="Arial" panose="020B0604020202020204" pitchFamily="34" charset="0"/>
-                        <a:buChar char="•"/>
-                      </a:pPr>
-                      <a:r>
-                        <a:rPr lang="en-ES" sz="1200" dirty="0"/>
-                        <a:t>XOR (module)</a:t>
-                      </a:r>
-                    </a:p>
-                  </a:txBody>
-                  <a:tcPr/>
-                </a:tc>
-                <a:tc>
-                  <a:txBody>
-                    <a:bodyPr/>
-                    <a:lstStyle/>
-                    <a:p>
-                      <a:r>
-                        <a:rPr lang="en-ES" sz="1200" dirty="0"/>
-                        <a:t>-</a:t>
-                      </a:r>
-                    </a:p>
-                  </a:txBody>
-                  <a:tcPr/>
-                </a:tc>
-                <a:tc>
-                  <a:txBody>
-                    <a:bodyPr/>
-                    <a:lstStyle/>
-                    <a:p>
-                      <a:r>
-                        <a:rPr lang="en-ES" sz="1200" dirty="0"/>
-                        <a:t>-</a:t>
-                      </a:r>
-                    </a:p>
-                  </a:txBody>
-                  <a:tcPr/>
-                </a:tc>
-                <a:tc>
-                  <a:txBody>
-                    <a:bodyPr/>
-                    <a:lstStyle/>
-                    <a:p>
-                      <a:endParaRPr lang="en-ES" sz="1200" dirty="0"/>
-                    </a:p>
-                  </a:txBody>
-                  <a:tcPr/>
-                </a:tc>
-                <a:extLst>
-                  <a:ext uri="{0D108BD9-81ED-4DB2-BD59-A6C34878D82A}">
-                    <a16:rowId xmlns:a16="http://schemas.microsoft.com/office/drawing/2014/main" val="2420015138"/>
-                  </a:ext>
-                </a:extLst>
-              </a:tr>
-            </a:tbl>
-          </a:graphicData>
-        </a:graphic>
-      </p:graphicFrame>
-      <p:graphicFrame>
-        <p:nvGraphicFramePr>
-          <p:cNvPr id="8" name="Table 5">
-            <a:extLst>
-              <a:ext uri="{FF2B5EF4-FFF2-40B4-BE49-F238E27FC236}">
-                <a16:creationId xmlns:a16="http://schemas.microsoft.com/office/drawing/2014/main" id="{CB021FDB-9A36-2A47-9B3A-ED7E5A7DA497}"/>
-              </a:ext>
-            </a:extLst>
-          </p:cNvPr>
-          <p:cNvGraphicFramePr>
-            <a:graphicFrameLocks noGrp="1"/>
-          </p:cNvGraphicFramePr>
-          <p:nvPr>
-            <p:extLst>
-              <p:ext uri="{D42A27DB-BD31-4B8C-83A1-F6EECF244321}">
-                <p14:modId xmlns:p14="http://schemas.microsoft.com/office/powerpoint/2010/main" val="3249795525"/>
-              </p:ext>
-            </p:extLst>
-          </p:nvPr>
-        </p:nvGraphicFramePr>
-        <p:xfrm>
-          <a:off x="4955690" y="952900"/>
-          <a:ext cx="6396523" cy="822960"/>
-        </p:xfrm>
-        <a:graphic>
-          <a:graphicData uri="http://schemas.openxmlformats.org/drawingml/2006/table">
-            <a:tbl>
-              <a:tblPr firstRow="1" bandRow="1">
-                <a:tableStyleId>{5C22544A-7EE6-4342-B048-85BDC9FD1C3A}</a:tableStyleId>
-              </a:tblPr>
-              <a:tblGrid>
-                <a:gridCol w="2116142">
-                  <a:extLst>
-                    <a:ext uri="{9D8B030D-6E8A-4147-A177-3AD203B41FA5}">
-                      <a16:colId xmlns:a16="http://schemas.microsoft.com/office/drawing/2014/main" val="493655489"/>
-                    </a:ext>
-                  </a:extLst>
-                </a:gridCol>
-                <a:gridCol w="1082119">
-                  <a:extLst>
-                    <a:ext uri="{9D8B030D-6E8A-4147-A177-3AD203B41FA5}">
-                      <a16:colId xmlns:a16="http://schemas.microsoft.com/office/drawing/2014/main" val="972200265"/>
-                    </a:ext>
-                  </a:extLst>
-                </a:gridCol>
-                <a:gridCol w="1599131">
-                  <a:extLst>
-                    <a:ext uri="{9D8B030D-6E8A-4147-A177-3AD203B41FA5}">
-                      <a16:colId xmlns:a16="http://schemas.microsoft.com/office/drawing/2014/main" val="250412650"/>
-                    </a:ext>
-                  </a:extLst>
-                </a:gridCol>
-                <a:gridCol w="1599131">
-                  <a:extLst>
-                    <a:ext uri="{9D8B030D-6E8A-4147-A177-3AD203B41FA5}">
-                      <a16:colId xmlns:a16="http://schemas.microsoft.com/office/drawing/2014/main" val="1886623950"/>
+                      <a16:colId xmlns:a16="http://schemas.microsoft.com/office/drawing/2014/main" val="2094521400"/>
                     </a:ext>
                   </a:extLst>
                 </a:gridCol>
@@ -26974,7 +26540,7 @@
                     <a:p>
                       <a:r>
                         <a:rPr lang="en-ES" sz="1200" dirty="0"/>
-                        <a:t>Use of matrices</a:t>
+                        <a:t>Working properly</a:t>
                       </a:r>
                     </a:p>
                   </a:txBody>
@@ -27058,7 +26624,138 @@
                       </a:pPr>
                       <a:r>
                         <a:rPr lang="en-ES" sz="1200" dirty="0"/>
-                        <a:t>reg16</a:t>
+                        <a:t>FIFO</a:t>
+                      </a:r>
+                    </a:p>
+                  </a:txBody>
+                  <a:tcPr/>
+                </a:tc>
+                <a:tc>
+                  <a:txBody>
+                    <a:bodyPr/>
+                    <a:lstStyle/>
+                    <a:p>
+                      <a:r>
+                        <a:rPr lang="en-ES" sz="1200" dirty="0"/>
+                        <a:t>OK</a:t>
+                      </a:r>
+                    </a:p>
+                  </a:txBody>
+                  <a:tcPr/>
+                </a:tc>
+                <a:tc>
+                  <a:txBody>
+                    <a:bodyPr/>
+                    <a:lstStyle/>
+                    <a:p>
+                      <a:r>
+                        <a:rPr lang="en-ES" sz="1200" dirty="0"/>
+                        <a:t>OK</a:t>
+                      </a:r>
+                    </a:p>
+                  </a:txBody>
+                  <a:tcPr/>
+                </a:tc>
+                <a:tc>
+                  <a:txBody>
+                    <a:bodyPr/>
+                    <a:lstStyle/>
+                    <a:p>
+                      <a:r>
+                        <a:rPr lang="en-ES" sz="1200" dirty="0"/>
+                        <a:t>OK</a:t>
+                      </a:r>
+                    </a:p>
+                  </a:txBody>
+                  <a:tcPr/>
+                </a:tc>
+                <a:extLst>
+                  <a:ext uri="{0D108BD9-81ED-4DB2-BD59-A6C34878D82A}">
+                    <a16:rowId xmlns:a16="http://schemas.microsoft.com/office/drawing/2014/main" val="3950543349"/>
+                  </a:ext>
+                </a:extLst>
+              </a:tr>
+              <a:tr h="244280">
+                <a:tc>
+                  <a:txBody>
+                    <a:bodyPr/>
+                    <a:lstStyle/>
+                    <a:p>
+                      <a:pPr marL="285750" indent="-285750">
+                        <a:buFont typeface="Arial" panose="020B0604020202020204" pitchFamily="34" charset="0"/>
+                        <a:buChar char="•"/>
+                      </a:pPr>
+                      <a:r>
+                        <a:rPr lang="en-GB" sz="1200" dirty="0"/>
+                        <a:t>R</a:t>
+                      </a:r>
+                      <a:r>
+                        <a:rPr lang="en-ES" sz="1200" dirty="0"/>
+                        <a:t>eg16</a:t>
+                      </a:r>
+                    </a:p>
+                  </a:txBody>
+                  <a:tcPr/>
+                </a:tc>
+                <a:tc>
+                  <a:txBody>
+                    <a:bodyPr/>
+                    <a:lstStyle/>
+                    <a:p>
+                      <a:r>
+                        <a:rPr lang="en-ES" sz="1200" dirty="0"/>
+                        <a:t>OK</a:t>
+                      </a:r>
+                    </a:p>
+                  </a:txBody>
+                  <a:tcPr/>
+                </a:tc>
+                <a:tc>
+                  <a:txBody>
+                    <a:bodyPr/>
+                    <a:lstStyle/>
+                    <a:p>
+                      <a:r>
+                        <a:rPr lang="en-ES" sz="1200" dirty="0"/>
+                        <a:t>OK</a:t>
+                      </a:r>
+                    </a:p>
+                  </a:txBody>
+                  <a:tcPr/>
+                </a:tc>
+                <a:tc>
+                  <a:txBody>
+                    <a:bodyPr/>
+                    <a:lstStyle/>
+                    <a:p>
+                      <a:r>
+                        <a:rPr lang="en-ES" sz="1200"/>
+                        <a:t>OK</a:t>
+                      </a:r>
+                      <a:endParaRPr lang="en-ES" sz="1200" dirty="0"/>
+                    </a:p>
+                  </a:txBody>
+                  <a:tcPr/>
+                </a:tc>
+                <a:extLst>
+                  <a:ext uri="{0D108BD9-81ED-4DB2-BD59-A6C34878D82A}">
+                    <a16:rowId xmlns:a16="http://schemas.microsoft.com/office/drawing/2014/main" val="2114104088"/>
+                  </a:ext>
+                </a:extLst>
+              </a:tr>
+              <a:tr h="244280">
+                <a:tc>
+                  <a:txBody>
+                    <a:bodyPr/>
+                    <a:lstStyle/>
+                    <a:p>
+                      <a:pPr marL="285750" indent="-285750">
+                        <a:buFont typeface="Arial" panose="020B0604020202020204" pitchFamily="34" charset="0"/>
+                        <a:buChar char="•"/>
+                      </a:pPr>
+                      <a:r>
+                        <a:rPr lang="en-ES" sz="1200" dirty="0"/>
+                        <a:t>Reg16_4to16</a:t>
                       </a:r>
                     </a:p>
                   </a:txBody>
@@ -27109,6 +26806,140 @@
                   </a:ext>
                 </a:extLst>
               </a:tr>
+              <a:tr h="244280">
+                <a:tc>
+                  <a:txBody>
+                    <a:bodyPr/>
+                    <a:lstStyle/>
+                    <a:p>
+                      <a:pPr marL="285750" indent="-285750">
+                        <a:buFont typeface="Arial" panose="020B0604020202020204" pitchFamily="34" charset="0"/>
+                        <a:buChar char="•"/>
+                      </a:pPr>
+                      <a:r>
+                        <a:rPr lang="en-GB" sz="1200" dirty="0"/>
+                        <a:t>R</a:t>
+                      </a:r>
+                      <a:r>
+                        <a:rPr lang="en-ES" sz="1200" dirty="0"/>
+                        <a:t>eg4</a:t>
+                      </a:r>
+                    </a:p>
+                  </a:txBody>
+                  <a:tcPr/>
+                </a:tc>
+                <a:tc>
+                  <a:txBody>
+                    <a:bodyPr/>
+                    <a:lstStyle/>
+                    <a:p>
+                      <a:r>
+                        <a:rPr lang="en-ES" sz="1200" dirty="0"/>
+                        <a:t>OK</a:t>
+                      </a:r>
+                    </a:p>
+                  </a:txBody>
+                  <a:tcPr/>
+                </a:tc>
+                <a:tc>
+                  <a:txBody>
+                    <a:bodyPr/>
+                    <a:lstStyle/>
+                    <a:p>
+                      <a:r>
+                        <a:rPr lang="en-ES" sz="1200" dirty="0"/>
+                        <a:t>OK</a:t>
+                      </a:r>
+                    </a:p>
+                  </a:txBody>
+                  <a:tcPr/>
+                </a:tc>
+                <a:tc>
+                  <a:txBody>
+                    <a:bodyPr/>
+                    <a:lstStyle/>
+                    <a:p>
+                      <a:r>
+                        <a:rPr lang="en-ES" sz="1200" dirty="0"/>
+                        <a:t>OK</a:t>
+                      </a:r>
+                    </a:p>
+                  </a:txBody>
+                  <a:tcPr/>
+                </a:tc>
+                <a:extLst>
+                  <a:ext uri="{0D108BD9-81ED-4DB2-BD59-A6C34878D82A}">
+                    <a16:rowId xmlns:a16="http://schemas.microsoft.com/office/drawing/2014/main" val="3395480489"/>
+                  </a:ext>
+                </a:extLst>
+              </a:tr>
+              <a:tr h="244280">
+                <a:tc>
+                  <a:txBody>
+                    <a:bodyPr/>
+                    <a:lstStyle/>
+                    <a:p>
+                      <a:pPr marL="285750" indent="-285750">
+                        <a:buFont typeface="Arial" panose="020B0604020202020204" pitchFamily="34" charset="0"/>
+                        <a:buChar char="•"/>
+                      </a:pPr>
+                      <a:r>
+                        <a:rPr lang="en-GB" sz="1200" dirty="0"/>
+                        <a:t>R</a:t>
+                      </a:r>
+                      <a:r>
+                        <a:rPr lang="en-ES" sz="1200" dirty="0"/>
+                        <a:t>eg4_4to1</a:t>
+                      </a:r>
+                    </a:p>
+                  </a:txBody>
+                  <a:tcPr/>
+                </a:tc>
+                <a:tc>
+                  <a:txBody>
+                    <a:bodyPr/>
+                    <a:lstStyle/>
+                    <a:p>
+                      <a:r>
+                        <a:rPr lang="en-ES" sz="1200" dirty="0"/>
+                        <a:t>OK</a:t>
+                      </a:r>
+                    </a:p>
+                  </a:txBody>
+                  <a:tcPr/>
+                </a:tc>
+                <a:tc>
+                  <a:txBody>
+                    <a:bodyPr/>
+                    <a:lstStyle/>
+                    <a:p>
+                      <a:r>
+                        <a:rPr lang="en-ES" sz="1200" dirty="0"/>
+                        <a:t>OK</a:t>
+                      </a:r>
+                    </a:p>
+                  </a:txBody>
+                  <a:tcPr/>
+                </a:tc>
+                <a:tc>
+                  <a:txBody>
+                    <a:bodyPr/>
+                    <a:lstStyle/>
+                    <a:p>
+                      <a:r>
+                        <a:rPr lang="en-ES" sz="1200" dirty="0"/>
+                        <a:t>OK</a:t>
+                      </a:r>
+                    </a:p>
+                  </a:txBody>
+                  <a:tcPr/>
+                </a:tc>
+                <a:extLst>
+                  <a:ext uri="{0D108BD9-81ED-4DB2-BD59-A6C34878D82A}">
+                    <a16:rowId xmlns:a16="http://schemas.microsoft.com/office/drawing/2014/main" val="247780114"/>
+                  </a:ext>
+                </a:extLst>
+              </a:tr>
             </a:tbl>
           </a:graphicData>
         </a:graphic>
@@ -27127,6 +26958,833 @@
 </file>
 
 <file path=ppt/slides/slide7.xml><?xml version="1.0" encoding="utf-8"?>
+<p:sld xmlns:a="http://schemas.openxmlformats.org/drawingml/2006/main" xmlns:r="http://schemas.openxmlformats.org/officeDocument/2006/relationships" xmlns:p="http://schemas.openxmlformats.org/presentationml/2006/main">
+  <p:cSld>
+    <p:spTree>
+      <p:nvGrpSpPr>
+        <p:cNvPr id="1" name=""/>
+        <p:cNvGrpSpPr/>
+        <p:nvPr/>
+      </p:nvGrpSpPr>
+      <p:grpSpPr>
+        <a:xfrm>
+          <a:off x="0" y="0"/>
+          <a:ext cx="0" cy="0"/>
+          <a:chOff x="0" y="0"/>
+          <a:chExt cx="0" cy="0"/>
+        </a:xfrm>
+      </p:grpSpPr>
+      <p:sp>
+        <p:nvSpPr>
+          <p:cNvPr id="2" name="Title 1">
+            <a:extLst>
+              <a:ext uri="{FF2B5EF4-FFF2-40B4-BE49-F238E27FC236}">
+                <a16:creationId xmlns:a16="http://schemas.microsoft.com/office/drawing/2014/main" id="{896EAC67-E2C5-B84E-A6F8-9764481C3978}"/>
+              </a:ext>
+            </a:extLst>
+          </p:cNvPr>
+          <p:cNvSpPr>
+            <a:spLocks noGrp="1"/>
+          </p:cNvSpPr>
+          <p:nvPr>
+            <p:ph type="title"/>
+          </p:nvPr>
+        </p:nvSpPr>
+        <p:spPr>
+          <a:xfrm>
+            <a:off x="836612" y="2624137"/>
+            <a:ext cx="3932237" cy="1600200"/>
+          </a:xfrm>
+        </p:spPr>
+        <p:txBody>
+          <a:bodyPr/>
+          <a:lstStyle/>
+          <a:p>
+            <a:pPr algn="ctr"/>
+            <a:r>
+              <a:rPr lang="en-ES" dirty="0"/>
+              <a:t>Modules’ input/output signals</a:t>
+            </a:r>
+          </a:p>
+        </p:txBody>
+      </p:sp>
+      <p:graphicFrame>
+        <p:nvGraphicFramePr>
+          <p:cNvPr id="5" name="Table 5">
+            <a:extLst>
+              <a:ext uri="{FF2B5EF4-FFF2-40B4-BE49-F238E27FC236}">
+                <a16:creationId xmlns:a16="http://schemas.microsoft.com/office/drawing/2014/main" id="{35CF9204-CF60-6744-BE87-242D1AC368A3}"/>
+              </a:ext>
+            </a:extLst>
+          </p:cNvPr>
+          <p:cNvGraphicFramePr>
+            <a:graphicFrameLocks noGrp="1"/>
+          </p:cNvGraphicFramePr>
+          <p:nvPr>
+            <p:extLst>
+              <p:ext uri="{D42A27DB-BD31-4B8C-83A1-F6EECF244321}">
+                <p14:modId xmlns:p14="http://schemas.microsoft.com/office/powerpoint/2010/main" val="566412746"/>
+              </p:ext>
+            </p:extLst>
+          </p:nvPr>
+        </p:nvGraphicFramePr>
+        <p:xfrm>
+          <a:off x="5178392" y="267017"/>
+          <a:ext cx="6521649" cy="6314440"/>
+        </p:xfrm>
+        <a:graphic>
+          <a:graphicData uri="http://schemas.openxmlformats.org/drawingml/2006/table">
+            <a:tbl>
+              <a:tblPr firstRow="1" bandRow="1">
+                <a:tableStyleId>{5C22544A-7EE6-4342-B048-85BDC9FD1C3A}</a:tableStyleId>
+              </a:tblPr>
+              <a:tblGrid>
+                <a:gridCol w="2173883">
+                  <a:extLst>
+                    <a:ext uri="{9D8B030D-6E8A-4147-A177-3AD203B41FA5}">
+                      <a16:colId xmlns:a16="http://schemas.microsoft.com/office/drawing/2014/main" val="2927549523"/>
+                    </a:ext>
+                  </a:extLst>
+                </a:gridCol>
+                <a:gridCol w="2173883">
+                  <a:extLst>
+                    <a:ext uri="{9D8B030D-6E8A-4147-A177-3AD203B41FA5}">
+                      <a16:colId xmlns:a16="http://schemas.microsoft.com/office/drawing/2014/main" val="2854018391"/>
+                    </a:ext>
+                  </a:extLst>
+                </a:gridCol>
+                <a:gridCol w="2173883">
+                  <a:extLst>
+                    <a:ext uri="{9D8B030D-6E8A-4147-A177-3AD203B41FA5}">
+                      <a16:colId xmlns:a16="http://schemas.microsoft.com/office/drawing/2014/main" val="535662286"/>
+                    </a:ext>
+                  </a:extLst>
+                </a:gridCol>
+              </a:tblGrid>
+              <a:tr h="370840">
+                <a:tc>
+                  <a:txBody>
+                    <a:bodyPr/>
+                    <a:lstStyle/>
+                    <a:p>
+                      <a:r>
+                        <a:rPr lang="en-ES" dirty="0"/>
+                        <a:t>Module</a:t>
+                      </a:r>
+                    </a:p>
+                  </a:txBody>
+                  <a:tcPr/>
+                </a:tc>
+                <a:tc>
+                  <a:txBody>
+                    <a:bodyPr/>
+                    <a:lstStyle/>
+                    <a:p>
+                      <a:r>
+                        <a:rPr lang="en-ES" dirty="0"/>
+                        <a:t>Input</a:t>
+                      </a:r>
+                    </a:p>
+                  </a:txBody>
+                  <a:tcPr/>
+                </a:tc>
+                <a:tc>
+                  <a:txBody>
+                    <a:bodyPr/>
+                    <a:lstStyle/>
+                    <a:p>
+                      <a:r>
+                        <a:rPr lang="en-ES" dirty="0"/>
+                        <a:t>Output</a:t>
+                      </a:r>
+                    </a:p>
+                  </a:txBody>
+                  <a:tcPr/>
+                </a:tc>
+                <a:extLst>
+                  <a:ext uri="{0D108BD9-81ED-4DB2-BD59-A6C34878D82A}">
+                    <a16:rowId xmlns:a16="http://schemas.microsoft.com/office/drawing/2014/main" val="2568113507"/>
+                  </a:ext>
+                </a:extLst>
+              </a:tr>
+              <a:tr h="370840">
+                <a:tc>
+                  <a:txBody>
+                    <a:bodyPr/>
+                    <a:lstStyle/>
+                    <a:p>
+                      <a:r>
+                        <a:rPr lang="en-ES" dirty="0"/>
+                        <a:t>ROM</a:t>
+                      </a:r>
+                    </a:p>
+                  </a:txBody>
+                  <a:tcPr/>
+                </a:tc>
+                <a:tc>
+                  <a:txBody>
+                    <a:bodyPr/>
+                    <a:lstStyle/>
+                    <a:p>
+                      <a:pPr marL="285750" indent="-285750">
+                        <a:buFont typeface="Arial" panose="020B0604020202020204" pitchFamily="34" charset="0"/>
+                        <a:buChar char="•"/>
+                      </a:pPr>
+                      <a:r>
+                        <a:rPr lang="en-GB" dirty="0"/>
+                        <a:t>C</a:t>
+                      </a:r>
+                      <a:r>
+                        <a:rPr lang="en-ES" dirty="0"/>
+                        <a:t>lk, e</a:t>
+                      </a:r>
+                      <a:r>
+                        <a:rPr lang="en-GB" dirty="0" err="1"/>
+                        <a:t>nable</a:t>
+                      </a:r>
+                      <a:endParaRPr lang="en-ES" dirty="0"/>
+                    </a:p>
+                    <a:p>
+                      <a:pPr marL="285750" indent="-285750">
+                        <a:buFont typeface="Arial" panose="020B0604020202020204" pitchFamily="34" charset="0"/>
+                        <a:buChar char="•"/>
+                      </a:pPr>
+                      <a:r>
+                        <a:rPr lang="en-GB" dirty="0"/>
+                        <a:t>A</a:t>
+                      </a:r>
+                      <a:r>
+                        <a:rPr lang="en-ES" dirty="0"/>
+                        <a:t>ddr (8 bits)</a:t>
+                      </a:r>
+                    </a:p>
+                  </a:txBody>
+                  <a:tcPr/>
+                </a:tc>
+                <a:tc>
+                  <a:txBody>
+                    <a:bodyPr/>
+                    <a:lstStyle/>
+                    <a:p>
+                      <a:pPr marL="285750" indent="-285750">
+                        <a:buFont typeface="Arial" panose="020B0604020202020204" pitchFamily="34" charset="0"/>
+                        <a:buChar char="•"/>
+                      </a:pPr>
+                      <a:r>
+                        <a:rPr lang="en-GB" dirty="0"/>
+                        <a:t>D</a:t>
+                      </a:r>
+                      <a:r>
+                        <a:rPr lang="en-ES" dirty="0"/>
+                        <a:t>ata (8 bits)</a:t>
+                      </a:r>
+                    </a:p>
+                    <a:p>
+                      <a:pPr marL="285750" indent="-285750">
+                        <a:buFont typeface="Arial" panose="020B0604020202020204" pitchFamily="34" charset="0"/>
+                        <a:buChar char="•"/>
+                      </a:pPr>
+                      <a:r>
+                        <a:rPr lang="en-ES" dirty="0"/>
+                        <a:t>OK</a:t>
+                      </a:r>
+                    </a:p>
+                  </a:txBody>
+                  <a:tcPr/>
+                </a:tc>
+                <a:extLst>
+                  <a:ext uri="{0D108BD9-81ED-4DB2-BD59-A6C34878D82A}">
+                    <a16:rowId xmlns:a16="http://schemas.microsoft.com/office/drawing/2014/main" val="2576389489"/>
+                  </a:ext>
+                </a:extLst>
+              </a:tr>
+              <a:tr h="370840">
+                <a:tc>
+                  <a:txBody>
+                    <a:bodyPr/>
+                    <a:lstStyle/>
+                    <a:p>
+                      <a:r>
+                        <a:rPr lang="en-ES" dirty="0"/>
+                        <a:t>Shifter</a:t>
+                      </a:r>
+                    </a:p>
+                  </a:txBody>
+                  <a:tcPr/>
+                </a:tc>
+                <a:tc>
+                  <a:txBody>
+                    <a:bodyPr/>
+                    <a:lstStyle/>
+                    <a:p>
+                      <a:pPr marL="285750" indent="-285750">
+                        <a:buFont typeface="Arial" panose="020B0604020202020204" pitchFamily="34" charset="0"/>
+                        <a:buChar char="•"/>
+                      </a:pPr>
+                      <a:r>
+                        <a:rPr lang="en-GB" dirty="0"/>
+                        <a:t>C</a:t>
+                      </a:r>
+                      <a:r>
+                        <a:rPr lang="en-ES" dirty="0"/>
+                        <a:t>lk, </a:t>
+                      </a:r>
+                    </a:p>
+                    <a:p>
+                      <a:pPr marL="285750" indent="-285750">
+                        <a:buFont typeface="Arial" panose="020B0604020202020204" pitchFamily="34" charset="0"/>
+                        <a:buChar char="•"/>
+                      </a:pPr>
+                      <a:r>
+                        <a:rPr lang="en-GB" dirty="0"/>
+                        <a:t>I (8 bits), row (2 bits)</a:t>
+                      </a:r>
+                      <a:endParaRPr lang="en-ES" dirty="0"/>
+                    </a:p>
+                  </a:txBody>
+                  <a:tcPr/>
+                </a:tc>
+                <a:tc>
+                  <a:txBody>
+                    <a:bodyPr/>
+                    <a:lstStyle/>
+                    <a:p>
+                      <a:pPr marL="285750" indent="-285750">
+                        <a:buFont typeface="Arial" panose="020B0604020202020204" pitchFamily="34" charset="0"/>
+                        <a:buChar char="•"/>
+                      </a:pPr>
+                      <a:r>
+                        <a:rPr lang="en-GB" dirty="0"/>
+                        <a:t>O</a:t>
+                      </a:r>
+                      <a:r>
+                        <a:rPr lang="en-ES" dirty="0"/>
+                        <a:t> (8 bits), done</a:t>
+                      </a:r>
+                    </a:p>
+                  </a:txBody>
+                  <a:tcPr/>
+                </a:tc>
+                <a:extLst>
+                  <a:ext uri="{0D108BD9-81ED-4DB2-BD59-A6C34878D82A}">
+                    <a16:rowId xmlns:a16="http://schemas.microsoft.com/office/drawing/2014/main" val="2005890071"/>
+                  </a:ext>
+                </a:extLst>
+              </a:tr>
+              <a:tr h="370840">
+                <a:tc>
+                  <a:txBody>
+                    <a:bodyPr/>
+                    <a:lstStyle/>
+                    <a:p>
+                      <a:r>
+                        <a:rPr lang="en-ES" dirty="0"/>
+                        <a:t>mixColumns</a:t>
+                      </a:r>
+                    </a:p>
+                  </a:txBody>
+                  <a:tcPr/>
+                </a:tc>
+                <a:tc>
+                  <a:txBody>
+                    <a:bodyPr/>
+                    <a:lstStyle/>
+                    <a:p>
+                      <a:pPr marL="285750" indent="-285750">
+                        <a:buFont typeface="Arial" panose="020B0604020202020204" pitchFamily="34" charset="0"/>
+                        <a:buChar char="•"/>
+                      </a:pPr>
+                      <a:r>
+                        <a:rPr lang="en-GB" dirty="0"/>
+                        <a:t>C</a:t>
+                      </a:r>
+                      <a:r>
+                        <a:rPr lang="en-ES" dirty="0"/>
+                        <a:t>lk, enable, reset</a:t>
+                      </a:r>
+                    </a:p>
+                    <a:p>
+                      <a:pPr marL="285750" indent="-285750">
+                        <a:buFont typeface="Arial" panose="020B0604020202020204" pitchFamily="34" charset="0"/>
+                        <a:buChar char="•"/>
+                      </a:pPr>
+                      <a:r>
+                        <a:rPr lang="en-ES" dirty="0"/>
+                        <a:t>state</a:t>
+                      </a:r>
+                    </a:p>
+                  </a:txBody>
+                  <a:tcPr/>
+                </a:tc>
+                <a:tc>
+                  <a:txBody>
+                    <a:bodyPr/>
+                    <a:lstStyle/>
+                    <a:p>
+                      <a:pPr marL="285750" indent="-285750">
+                        <a:buFont typeface="Arial" panose="020B0604020202020204" pitchFamily="34" charset="0"/>
+                        <a:buChar char="•"/>
+                      </a:pPr>
+                      <a:r>
+                        <a:rPr lang="en-GB" dirty="0"/>
+                        <a:t>S</a:t>
+                      </a:r>
+                      <a:r>
+                        <a:rPr lang="en-ES" dirty="0"/>
+                        <a:t>tate_out, done</a:t>
+                      </a:r>
+                    </a:p>
+                  </a:txBody>
+                  <a:tcPr/>
+                </a:tc>
+                <a:extLst>
+                  <a:ext uri="{0D108BD9-81ED-4DB2-BD59-A6C34878D82A}">
+                    <a16:rowId xmlns:a16="http://schemas.microsoft.com/office/drawing/2014/main" val="2063334332"/>
+                  </a:ext>
+                </a:extLst>
+              </a:tr>
+              <a:tr h="370840">
+                <a:tc>
+                  <a:txBody>
+                    <a:bodyPr/>
+                    <a:lstStyle/>
+                    <a:p>
+                      <a:r>
+                        <a:rPr lang="en-ES" dirty="0"/>
+                        <a:t>addRoundKey</a:t>
+                      </a:r>
+                    </a:p>
+                  </a:txBody>
+                  <a:tcPr/>
+                </a:tc>
+                <a:tc>
+                  <a:txBody>
+                    <a:bodyPr/>
+                    <a:lstStyle/>
+                    <a:p>
+                      <a:pPr marL="285750" indent="-285750">
+                        <a:buFont typeface="Arial" panose="020B0604020202020204" pitchFamily="34" charset="0"/>
+                        <a:buChar char="•"/>
+                      </a:pPr>
+                      <a:r>
+                        <a:rPr lang="en-GB" dirty="0"/>
+                        <a:t>C</a:t>
+                      </a:r>
+                      <a:r>
+                        <a:rPr lang="en-ES" dirty="0"/>
+                        <a:t>lk</a:t>
+                      </a:r>
+                    </a:p>
+                    <a:p>
+                      <a:pPr marL="285750" indent="-285750">
+                        <a:buFont typeface="Arial" panose="020B0604020202020204" pitchFamily="34" charset="0"/>
+                        <a:buChar char="•"/>
+                      </a:pPr>
+                      <a:r>
+                        <a:rPr lang="en-GB" dirty="0"/>
+                        <a:t>P</a:t>
+                      </a:r>
+                      <a:r>
+                        <a:rPr lang="en-ES" dirty="0"/>
+                        <a:t>, k</a:t>
+                      </a:r>
+                    </a:p>
+                  </a:txBody>
+                  <a:tcPr/>
+                </a:tc>
+                <a:tc>
+                  <a:txBody>
+                    <a:bodyPr/>
+                    <a:lstStyle/>
+                    <a:p>
+                      <a:pPr marL="285750" indent="-285750">
+                        <a:buFont typeface="Arial" panose="020B0604020202020204" pitchFamily="34" charset="0"/>
+                        <a:buChar char="•"/>
+                      </a:pPr>
+                      <a:r>
+                        <a:rPr lang="en-GB" dirty="0"/>
+                        <a:t>O</a:t>
+                      </a:r>
+                      <a:r>
+                        <a:rPr lang="en-ES" dirty="0"/>
+                        <a:t>ut, ok</a:t>
+                      </a:r>
+                    </a:p>
+                  </a:txBody>
+                  <a:tcPr/>
+                </a:tc>
+                <a:extLst>
+                  <a:ext uri="{0D108BD9-81ED-4DB2-BD59-A6C34878D82A}">
+                    <a16:rowId xmlns:a16="http://schemas.microsoft.com/office/drawing/2014/main" val="2567593581"/>
+                  </a:ext>
+                </a:extLst>
+              </a:tr>
+              <a:tr h="370840">
+                <a:tc>
+                  <a:txBody>
+                    <a:bodyPr/>
+                    <a:lstStyle/>
+                    <a:p>
+                      <a:r>
+                        <a:rPr lang="en-ES" dirty="0"/>
+                        <a:t>FIFO</a:t>
+                      </a:r>
+                    </a:p>
+                  </a:txBody>
+                  <a:tcPr/>
+                </a:tc>
+                <a:tc>
+                  <a:txBody>
+                    <a:bodyPr/>
+                    <a:lstStyle/>
+                    <a:p>
+                      <a:pPr marL="285750" indent="-285750">
+                        <a:buFont typeface="Arial" panose="020B0604020202020204" pitchFamily="34" charset="0"/>
+                        <a:buChar char="•"/>
+                      </a:pPr>
+                      <a:r>
+                        <a:rPr lang="en-GB" dirty="0"/>
+                        <a:t>C</a:t>
+                      </a:r>
+                      <a:r>
+                        <a:rPr lang="en-ES" dirty="0"/>
+                        <a:t>lk, rst</a:t>
+                      </a:r>
+                    </a:p>
+                    <a:p>
+                      <a:pPr marL="285750" indent="-285750">
+                        <a:buFont typeface="Arial" panose="020B0604020202020204" pitchFamily="34" charset="0"/>
+                        <a:buChar char="•"/>
+                      </a:pPr>
+                      <a:r>
+                        <a:rPr lang="en-GB" dirty="0"/>
+                        <a:t>B</a:t>
+                      </a:r>
+                      <a:r>
+                        <a:rPr lang="en-ES" dirty="0"/>
+                        <a:t>uf_in</a:t>
+                      </a:r>
+                    </a:p>
+                    <a:p>
+                      <a:pPr marL="285750" indent="-285750">
+                        <a:buFont typeface="Arial" panose="020B0604020202020204" pitchFamily="34" charset="0"/>
+                        <a:buChar char="•"/>
+                      </a:pPr>
+                      <a:r>
+                        <a:rPr lang="en-GB" dirty="0"/>
+                        <a:t>W</a:t>
+                      </a:r>
+                      <a:r>
+                        <a:rPr lang="en-ES" dirty="0"/>
+                        <a:t>r_en, rd_en</a:t>
+                      </a:r>
+                    </a:p>
+                  </a:txBody>
+                  <a:tcPr/>
+                </a:tc>
+                <a:tc>
+                  <a:txBody>
+                    <a:bodyPr/>
+                    <a:lstStyle/>
+                    <a:p>
+                      <a:pPr marL="285750" indent="-285750">
+                        <a:buFont typeface="Arial" panose="020B0604020202020204" pitchFamily="34" charset="0"/>
+                        <a:buChar char="•"/>
+                      </a:pPr>
+                      <a:r>
+                        <a:rPr lang="en-GB" dirty="0"/>
+                        <a:t>B</a:t>
+                      </a:r>
+                      <a:r>
+                        <a:rPr lang="en-ES" dirty="0"/>
+                        <a:t>uf_out, buf_empty, buf_full, fifo_counter</a:t>
+                      </a:r>
+                    </a:p>
+                  </a:txBody>
+                  <a:tcPr/>
+                </a:tc>
+                <a:extLst>
+                  <a:ext uri="{0D108BD9-81ED-4DB2-BD59-A6C34878D82A}">
+                    <a16:rowId xmlns:a16="http://schemas.microsoft.com/office/drawing/2014/main" val="874467274"/>
+                  </a:ext>
+                </a:extLst>
+              </a:tr>
+              <a:tr h="370840">
+                <a:tc>
+                  <a:txBody>
+                    <a:bodyPr/>
+                    <a:lstStyle/>
+                    <a:p>
+                      <a:r>
+                        <a:rPr lang="en-GB" dirty="0"/>
+                        <a:t>R</a:t>
+                      </a:r>
+                      <a:r>
+                        <a:rPr lang="en-ES" dirty="0"/>
+                        <a:t>eg4_1to4</a:t>
+                      </a:r>
+                    </a:p>
+                  </a:txBody>
+                  <a:tcPr/>
+                </a:tc>
+                <a:tc>
+                  <a:txBody>
+                    <a:bodyPr/>
+                    <a:lstStyle/>
+                    <a:p>
+                      <a:pPr marL="285750" indent="-285750">
+                        <a:buFont typeface="Arial" panose="020B0604020202020204" pitchFamily="34" charset="0"/>
+                        <a:buChar char="•"/>
+                      </a:pPr>
+                      <a:r>
+                        <a:rPr lang="en-GB" dirty="0"/>
+                        <a:t>C</a:t>
+                      </a:r>
+                      <a:r>
+                        <a:rPr lang="en-ES" dirty="0"/>
+                        <a:t>lk, resetn, read</a:t>
+                      </a:r>
+                    </a:p>
+                    <a:p>
+                      <a:pPr marL="285750" indent="-285750">
+                        <a:buFont typeface="Arial" panose="020B0604020202020204" pitchFamily="34" charset="0"/>
+                        <a:buChar char="•"/>
+                      </a:pPr>
+                      <a:r>
+                        <a:rPr lang="en-GB" dirty="0"/>
+                        <a:t>I</a:t>
+                      </a:r>
+                      <a:r>
+                        <a:rPr lang="en-ES" dirty="0"/>
+                        <a:t> (8 bits)</a:t>
+                      </a:r>
+                    </a:p>
+                  </a:txBody>
+                  <a:tcPr/>
+                </a:tc>
+                <a:tc>
+                  <a:txBody>
+                    <a:bodyPr/>
+                    <a:lstStyle/>
+                    <a:p>
+                      <a:pPr marL="285750" indent="-285750">
+                        <a:buFont typeface="Arial" panose="020B0604020202020204" pitchFamily="34" charset="0"/>
+                        <a:buChar char="•"/>
+                      </a:pPr>
+                      <a:r>
+                        <a:rPr lang="en-GB" dirty="0"/>
+                        <a:t>O</a:t>
+                      </a:r>
+                      <a:r>
+                        <a:rPr lang="en-ES" dirty="0"/>
+                        <a:t> (32 bits)</a:t>
+                      </a:r>
+                    </a:p>
+                  </a:txBody>
+                  <a:tcPr/>
+                </a:tc>
+                <a:extLst>
+                  <a:ext uri="{0D108BD9-81ED-4DB2-BD59-A6C34878D82A}">
+                    <a16:rowId xmlns:a16="http://schemas.microsoft.com/office/drawing/2014/main" val="3744098630"/>
+                  </a:ext>
+                </a:extLst>
+              </a:tr>
+              <a:tr h="370840">
+                <a:tc>
+                  <a:txBody>
+                    <a:bodyPr/>
+                    <a:lstStyle/>
+                    <a:p>
+                      <a:r>
+                        <a:rPr lang="en-GB"/>
+                        <a:t>r</a:t>
+                      </a:r>
+                      <a:r>
+                        <a:rPr lang="en-ES"/>
+                        <a:t>eg16 </a:t>
+                      </a:r>
+                      <a:endParaRPr lang="en-ES" dirty="0"/>
+                    </a:p>
+                  </a:txBody>
+                  <a:tcPr/>
+                </a:tc>
+                <a:tc>
+                  <a:txBody>
+                    <a:bodyPr/>
+                    <a:lstStyle/>
+                    <a:p>
+                      <a:pPr marL="285750" indent="-285750">
+                        <a:buFont typeface="Arial" panose="020B0604020202020204" pitchFamily="34" charset="0"/>
+                        <a:buChar char="•"/>
+                      </a:pPr>
+                      <a:r>
+                        <a:rPr lang="en-GB"/>
+                        <a:t>C</a:t>
+                      </a:r>
+                      <a:r>
+                        <a:rPr lang="en-ES"/>
+                        <a:t>lk, </a:t>
+                      </a:r>
+                      <a:r>
+                        <a:rPr lang="en-GB"/>
+                        <a:t>r</a:t>
+                      </a:r>
+                      <a:r>
+                        <a:rPr lang="en-ES"/>
+                        <a:t>esetn, read</a:t>
+                      </a:r>
+                    </a:p>
+                    <a:p>
+                      <a:pPr marL="285750" indent="-285750">
+                        <a:buFont typeface="Arial" panose="020B0604020202020204" pitchFamily="34" charset="0"/>
+                        <a:buChar char="•"/>
+                      </a:pPr>
+                      <a:r>
+                        <a:rPr lang="en-GB"/>
+                        <a:t>I</a:t>
+                      </a:r>
+                      <a:r>
+                        <a:rPr lang="en-ES"/>
+                        <a:t> (128 bits)</a:t>
+                      </a:r>
+                      <a:endParaRPr lang="en-ES" dirty="0"/>
+                    </a:p>
+                  </a:txBody>
+                  <a:tcPr/>
+                </a:tc>
+                <a:tc>
+                  <a:txBody>
+                    <a:bodyPr/>
+                    <a:lstStyle/>
+                    <a:p>
+                      <a:pPr marL="285750" indent="-285750">
+                        <a:buFont typeface="Arial" panose="020B0604020202020204" pitchFamily="34" charset="0"/>
+                        <a:buChar char="•"/>
+                      </a:pPr>
+                      <a:r>
+                        <a:rPr lang="en-GB" dirty="0"/>
+                        <a:t>O</a:t>
+                      </a:r>
+                      <a:r>
+                        <a:rPr lang="en-ES" dirty="0"/>
+                        <a:t> (128 bits)</a:t>
+                      </a:r>
+                    </a:p>
+                  </a:txBody>
+                  <a:tcPr/>
+                </a:tc>
+                <a:extLst>
+                  <a:ext uri="{0D108BD9-81ED-4DB2-BD59-A6C34878D82A}">
+                    <a16:rowId xmlns:a16="http://schemas.microsoft.com/office/drawing/2014/main" val="4100180657"/>
+                  </a:ext>
+                </a:extLst>
+              </a:tr>
+              <a:tr h="370840">
+                <a:tc>
+                  <a:txBody>
+                    <a:bodyPr/>
+                    <a:lstStyle/>
+                    <a:p>
+                      <a:r>
+                        <a:rPr lang="en-GB" dirty="0"/>
+                        <a:t>R</a:t>
+                      </a:r>
+                      <a:r>
+                        <a:rPr lang="en-ES" dirty="0"/>
+                        <a:t>eg16_4to16 </a:t>
+                      </a:r>
+                    </a:p>
+                  </a:txBody>
+                  <a:tcPr/>
+                </a:tc>
+                <a:tc>
+                  <a:txBody>
+                    <a:bodyPr/>
+                    <a:lstStyle/>
+                    <a:p>
+                      <a:pPr marL="285750" indent="-285750">
+                        <a:buFont typeface="Arial" panose="020B0604020202020204" pitchFamily="34" charset="0"/>
+                        <a:buChar char="•"/>
+                      </a:pPr>
+                      <a:r>
+                        <a:rPr lang="en-GB" dirty="0"/>
+                        <a:t>C</a:t>
+                      </a:r>
+                      <a:r>
+                        <a:rPr lang="en-ES" dirty="0"/>
+                        <a:t>lk, </a:t>
+                      </a:r>
+                      <a:r>
+                        <a:rPr lang="en-GB" dirty="0"/>
+                        <a:t>r</a:t>
+                      </a:r>
+                      <a:r>
+                        <a:rPr lang="en-ES" dirty="0"/>
+                        <a:t>esetn, read</a:t>
+                      </a:r>
+                    </a:p>
+                    <a:p>
+                      <a:pPr marL="285750" indent="-285750">
+                        <a:buFont typeface="Arial" panose="020B0604020202020204" pitchFamily="34" charset="0"/>
+                        <a:buChar char="•"/>
+                      </a:pPr>
+                      <a:r>
+                        <a:rPr lang="en-GB" dirty="0"/>
+                        <a:t>I</a:t>
+                      </a:r>
+                      <a:r>
+                        <a:rPr lang="en-ES" dirty="0"/>
+                        <a:t> (32 bits)</a:t>
+                      </a:r>
+                    </a:p>
+                  </a:txBody>
+                  <a:tcPr/>
+                </a:tc>
+                <a:tc>
+                  <a:txBody>
+                    <a:bodyPr/>
+                    <a:lstStyle/>
+                    <a:p>
+                      <a:pPr marL="285750" indent="-285750">
+                        <a:buFont typeface="Arial" panose="020B0604020202020204" pitchFamily="34" charset="0"/>
+                        <a:buChar char="•"/>
+                      </a:pPr>
+                      <a:r>
+                        <a:rPr lang="en-GB" dirty="0"/>
+                        <a:t>O</a:t>
+                      </a:r>
+                      <a:r>
+                        <a:rPr lang="en-ES" dirty="0"/>
+                        <a:t> (128 bits)</a:t>
+                      </a:r>
+                    </a:p>
+                  </a:txBody>
+                  <a:tcPr/>
+                </a:tc>
+                <a:extLst>
+                  <a:ext uri="{0D108BD9-81ED-4DB2-BD59-A6C34878D82A}">
+                    <a16:rowId xmlns:a16="http://schemas.microsoft.com/office/drawing/2014/main" val="2968375451"/>
+                  </a:ext>
+                </a:extLst>
+              </a:tr>
+            </a:tbl>
+          </a:graphicData>
+        </a:graphic>
+      </p:graphicFrame>
+    </p:spTree>
+    <p:extLst>
+      <p:ext uri="{BB962C8B-B14F-4D97-AF65-F5344CB8AC3E}">
+        <p14:creationId xmlns:p14="http://schemas.microsoft.com/office/powerpoint/2010/main" val="1362653947"/>
+      </p:ext>
+    </p:extLst>
+  </p:cSld>
+  <p:clrMapOvr>
+    <a:masterClrMapping/>
+  </p:clrMapOvr>
+</p:sld>
+</file>
+
+<file path=ppt/slides/slide8.xml><?xml version="1.0" encoding="utf-8"?>
 <p:sld xmlns:a="http://schemas.openxmlformats.org/drawingml/2006/main" xmlns:r="http://schemas.openxmlformats.org/officeDocument/2006/relationships" xmlns:p="http://schemas.openxmlformats.org/presentationml/2006/main">
   <p:cSld>
     <p:spTree>
@@ -27214,7 +27872,7 @@
 </p:sld>
 </file>
 
-<file path=ppt/slides/slide8.xml><?xml version="1.0" encoding="utf-8"?>
+<file path=ppt/slides/slide9.xml><?xml version="1.0" encoding="utf-8"?>
 <p:sld xmlns:a="http://schemas.openxmlformats.org/drawingml/2006/main" xmlns:r="http://schemas.openxmlformats.org/officeDocument/2006/relationships" xmlns:p="http://schemas.openxmlformats.org/presentationml/2006/main">
   <p:cSld>
     <p:spTree>
@@ -27294,94 +27952,6 @@
     <p:extLst>
       <p:ext uri="{BB962C8B-B14F-4D97-AF65-F5344CB8AC3E}">
         <p14:creationId xmlns:p14="http://schemas.microsoft.com/office/powerpoint/2010/main" val="3832256527"/>
-      </p:ext>
-    </p:extLst>
-  </p:cSld>
-  <p:clrMapOvr>
-    <a:masterClrMapping/>
-  </p:clrMapOvr>
-</p:sld>
-</file>
-
-<file path=ppt/slides/slide9.xml><?xml version="1.0" encoding="utf-8"?>
-<p:sld xmlns:a="http://schemas.openxmlformats.org/drawingml/2006/main" xmlns:r="http://schemas.openxmlformats.org/officeDocument/2006/relationships" xmlns:p="http://schemas.openxmlformats.org/presentationml/2006/main">
-  <p:cSld>
-    <p:spTree>
-      <p:nvGrpSpPr>
-        <p:cNvPr id="1" name=""/>
-        <p:cNvGrpSpPr/>
-        <p:nvPr/>
-      </p:nvGrpSpPr>
-      <p:grpSpPr>
-        <a:xfrm>
-          <a:off x="0" y="0"/>
-          <a:ext cx="0" cy="0"/>
-          <a:chOff x="0" y="0"/>
-          <a:chExt cx="0" cy="0"/>
-        </a:xfrm>
-      </p:grpSpPr>
-      <p:sp>
-        <p:nvSpPr>
-          <p:cNvPr id="2" name="Title 1">
-            <a:extLst>
-              <a:ext uri="{FF2B5EF4-FFF2-40B4-BE49-F238E27FC236}">
-                <a16:creationId xmlns:a16="http://schemas.microsoft.com/office/drawing/2014/main" id="{DE2A2D3A-38F7-924F-A6F6-C216F3169A4E}"/>
-              </a:ext>
-            </a:extLst>
-          </p:cNvPr>
-          <p:cNvSpPr>
-            <a:spLocks noGrp="1"/>
-          </p:cNvSpPr>
-          <p:nvPr>
-            <p:ph type="title"/>
-          </p:nvPr>
-        </p:nvSpPr>
-        <p:spPr/>
-        <p:txBody>
-          <a:bodyPr/>
-          <a:lstStyle/>
-          <a:p>
-            <a:pPr algn="ctr"/>
-            <a:r>
-              <a:rPr lang="en-ES" dirty="0"/>
-              <a:t>ROM (module)</a:t>
-            </a:r>
-          </a:p>
-        </p:txBody>
-      </p:sp>
-      <p:pic>
-        <p:nvPicPr>
-          <p:cNvPr id="5" name="Picture 4" descr="Diagram&#10;&#10;Description automatically generated">
-            <a:extLst>
-              <a:ext uri="{FF2B5EF4-FFF2-40B4-BE49-F238E27FC236}">
-                <a16:creationId xmlns:a16="http://schemas.microsoft.com/office/drawing/2014/main" id="{FC27BCC1-7581-AF45-A6AB-08D550857C95}"/>
-              </a:ext>
-            </a:extLst>
-          </p:cNvPr>
-          <p:cNvPicPr>
-            <a:picLocks noChangeAspect="1"/>
-          </p:cNvPicPr>
-          <p:nvPr/>
-        </p:nvPicPr>
-        <p:blipFill rotWithShape="1">
-          <a:blip r:embed="rId3"/>
-          <a:srcRect l="29139" t="16842" r="28511" b="31789"/>
-          <a:stretch/>
-        </p:blipFill>
-        <p:spPr>
-          <a:xfrm>
-            <a:off x="4041005" y="1925053"/>
-            <a:ext cx="4109989" cy="3522846"/>
-          </a:xfrm>
-          <a:prstGeom prst="rect">
-            <a:avLst/>
-          </a:prstGeom>
-        </p:spPr>
-      </p:pic>
-    </p:spTree>
-    <p:extLst>
-      <p:ext uri="{BB962C8B-B14F-4D97-AF65-F5344CB8AC3E}">
-        <p14:creationId xmlns:p14="http://schemas.microsoft.com/office/powerpoint/2010/main" val="1881519835"/>
       </p:ext>
     </p:extLst>
   </p:cSld>
